--- a/Terracotta Server Farm.pptx
+++ b/Terracotta Server Farm.pptx
@@ -5,35 +5,36 @@
     <p:sldMasterId id="2147483664" r:id="rId1"/>
     <p:sldMasterId id="2147483668" r:id="rId2"/>
     <p:sldMasterId id="2147483700" r:id="rId3"/>
+    <p:sldMasterId id="2147483775" r:id="rId4"/>
   </p:sldMasterIdLst>
   <p:notesMasterIdLst>
-    <p:notesMasterId r:id="rId28"/>
+    <p:notesMasterId r:id="rId29"/>
   </p:notesMasterIdLst>
   <p:sldIdLst>
-    <p:sldId id="263" r:id="rId4"/>
-    <p:sldId id="264" r:id="rId5"/>
-    <p:sldId id="266" r:id="rId6"/>
-    <p:sldId id="267" r:id="rId7"/>
-    <p:sldId id="268" r:id="rId8"/>
-    <p:sldId id="269" r:id="rId9"/>
-    <p:sldId id="271" r:id="rId10"/>
-    <p:sldId id="272" r:id="rId11"/>
-    <p:sldId id="274" r:id="rId12"/>
-    <p:sldId id="277" r:id="rId13"/>
-    <p:sldId id="273" r:id="rId14"/>
-    <p:sldId id="279" r:id="rId15"/>
-    <p:sldId id="281" r:id="rId16"/>
-    <p:sldId id="278" r:id="rId17"/>
-    <p:sldId id="275" r:id="rId18"/>
-    <p:sldId id="280" r:id="rId19"/>
-    <p:sldId id="282" r:id="rId20"/>
-    <p:sldId id="285" r:id="rId21"/>
-    <p:sldId id="283" r:id="rId22"/>
-    <p:sldId id="284" r:id="rId23"/>
-    <p:sldId id="270" r:id="rId24"/>
-    <p:sldId id="286" r:id="rId25"/>
-    <p:sldId id="288" r:id="rId26"/>
-    <p:sldId id="287" r:id="rId27"/>
+    <p:sldId id="263" r:id="rId5"/>
+    <p:sldId id="264" r:id="rId6"/>
+    <p:sldId id="266" r:id="rId7"/>
+    <p:sldId id="267" r:id="rId8"/>
+    <p:sldId id="268" r:id="rId9"/>
+    <p:sldId id="269" r:id="rId10"/>
+    <p:sldId id="271" r:id="rId11"/>
+    <p:sldId id="272" r:id="rId12"/>
+    <p:sldId id="274" r:id="rId13"/>
+    <p:sldId id="277" r:id="rId14"/>
+    <p:sldId id="273" r:id="rId15"/>
+    <p:sldId id="279" r:id="rId16"/>
+    <p:sldId id="281" r:id="rId17"/>
+    <p:sldId id="278" r:id="rId18"/>
+    <p:sldId id="275" r:id="rId19"/>
+    <p:sldId id="280" r:id="rId20"/>
+    <p:sldId id="282" r:id="rId21"/>
+    <p:sldId id="285" r:id="rId22"/>
+    <p:sldId id="283" r:id="rId23"/>
+    <p:sldId id="284" r:id="rId24"/>
+    <p:sldId id="270" r:id="rId25"/>
+    <p:sldId id="286" r:id="rId26"/>
+    <p:sldId id="288" r:id="rId27"/>
+    <p:sldId id="287" r:id="rId28"/>
   </p:sldIdLst>
   <p:sldSz cx="9144000" cy="6858000" type="screen4x3"/>
   <p:notesSz cx="6858000" cy="9144000"/>
@@ -247,7 +248,7 @@
           <a:p>
             <a:fld id="{D7AC8141-9ABA-4AB7-924B-134D6DF3DE25}" type="datetimeFigureOut">
               <a:rPr lang="en-US" smtClean="0"/>
-              <a:t>3/19/2016</a:t>
+              <a:t>3/24/2016</a:t>
             </a:fld>
             <a:endParaRPr lang="en-US"/>
           </a:p>
@@ -3351,6 +3352,1793 @@
 </p:sldLayout>
 </file>
 
+<file path=ppt/slideLayouts/slideLayout24.xml><?xml version="1.0" encoding="utf-8"?>
+<p:sldLayout xmlns:a="http://schemas.openxmlformats.org/drawingml/2006/main" xmlns:r="http://schemas.openxmlformats.org/officeDocument/2006/relationships" xmlns:p="http://schemas.openxmlformats.org/presentationml/2006/main" type="obj">
+  <p:cSld name="Title and Content">
+    <p:spTree>
+      <p:nvGrpSpPr>
+        <p:cNvPr id="1" name=""/>
+        <p:cNvGrpSpPr/>
+        <p:nvPr/>
+      </p:nvGrpSpPr>
+      <p:grpSpPr>
+        <a:xfrm>
+          <a:off x="0" y="0"/>
+          <a:ext cx="0" cy="0"/>
+          <a:chOff x="0" y="0"/>
+          <a:chExt cx="0" cy="0"/>
+        </a:xfrm>
+      </p:grpSpPr>
+      <p:sp>
+        <p:nvSpPr>
+          <p:cNvPr id="2" name="Title 1"/>
+          <p:cNvSpPr>
+            <a:spLocks noGrp="1"/>
+          </p:cNvSpPr>
+          <p:nvPr>
+            <p:ph type="title"/>
+          </p:nvPr>
+        </p:nvSpPr>
+        <p:spPr/>
+        <p:txBody>
+          <a:bodyPr/>
+          <a:lstStyle/>
+          <a:p>
+            <a:r>
+              <a:rPr lang="en-US" smtClean="0"/>
+              <a:t>Click to edit Master title style</a:t>
+            </a:r>
+            <a:endParaRPr lang="en-IN"/>
+          </a:p>
+        </p:txBody>
+      </p:sp>
+      <p:sp>
+        <p:nvSpPr>
+          <p:cNvPr id="3" name="Content Placeholder 2"/>
+          <p:cNvSpPr>
+            <a:spLocks noGrp="1"/>
+          </p:cNvSpPr>
+          <p:nvPr>
+            <p:ph idx="1"/>
+          </p:nvPr>
+        </p:nvSpPr>
+        <p:spPr/>
+        <p:txBody>
+          <a:bodyPr/>
+          <a:lstStyle/>
+          <a:p>
+            <a:pPr lvl="0"/>
+            <a:r>
+              <a:rPr lang="en-US" smtClean="0"/>
+              <a:t>Click to edit Master text styles</a:t>
+            </a:r>
+          </a:p>
+          <a:p>
+            <a:pPr lvl="1"/>
+            <a:r>
+              <a:rPr lang="en-US" smtClean="0"/>
+              <a:t>Second level</a:t>
+            </a:r>
+          </a:p>
+          <a:p>
+            <a:pPr lvl="2"/>
+            <a:r>
+              <a:rPr lang="en-US" smtClean="0"/>
+              <a:t>Third level</a:t>
+            </a:r>
+          </a:p>
+          <a:p>
+            <a:pPr lvl="3"/>
+            <a:r>
+              <a:rPr lang="en-US" smtClean="0"/>
+              <a:t>Fourth level</a:t>
+            </a:r>
+          </a:p>
+          <a:p>
+            <a:pPr lvl="4"/>
+            <a:r>
+              <a:rPr lang="en-US" smtClean="0"/>
+              <a:t>Fifth level</a:t>
+            </a:r>
+            <a:endParaRPr lang="en-IN"/>
+          </a:p>
+        </p:txBody>
+      </p:sp>
+      <p:sp>
+        <p:nvSpPr>
+          <p:cNvPr id="4" name="Date Placeholder 3"/>
+          <p:cNvSpPr>
+            <a:spLocks noGrp="1"/>
+          </p:cNvSpPr>
+          <p:nvPr>
+            <p:ph type="dt" sz="half" idx="10"/>
+          </p:nvPr>
+        </p:nvSpPr>
+        <p:spPr>
+          <a:xfrm>
+            <a:off x="457200" y="6356350"/>
+            <a:ext cx="2133600" cy="365125"/>
+          </a:xfrm>
+          <a:prstGeom prst="rect">
+            <a:avLst/>
+          </a:prstGeom>
+        </p:spPr>
+        <p:txBody>
+          <a:bodyPr/>
+          <a:lstStyle/>
+          <a:p>
+            <a:fld id="{D47BB8AF-C16A-4836-A92D-61834B5F0BA5}" type="datetime4">
+              <a:rPr lang="en-US" smtClean="0"/>
+              <a:pPr/>
+              <a:t>March 24, 2016</a:t>
+            </a:fld>
+            <a:endParaRPr lang="en-US"/>
+          </a:p>
+        </p:txBody>
+      </p:sp>
+      <p:sp>
+        <p:nvSpPr>
+          <p:cNvPr id="5" name="Footer Placeholder 4"/>
+          <p:cNvSpPr>
+            <a:spLocks noGrp="1"/>
+          </p:cNvSpPr>
+          <p:nvPr>
+            <p:ph type="ftr" sz="quarter" idx="11"/>
+          </p:nvPr>
+        </p:nvSpPr>
+        <p:spPr>
+          <a:xfrm>
+            <a:off x="3124200" y="6356350"/>
+            <a:ext cx="2895600" cy="365125"/>
+          </a:xfrm>
+          <a:prstGeom prst="rect">
+            <a:avLst/>
+          </a:prstGeom>
+        </p:spPr>
+        <p:txBody>
+          <a:bodyPr/>
+          <a:lstStyle/>
+          <a:p>
+            <a:endParaRPr lang="en-US"/>
+          </a:p>
+        </p:txBody>
+      </p:sp>
+      <p:sp>
+        <p:nvSpPr>
+          <p:cNvPr id="6" name="Slide Number Placeholder 5"/>
+          <p:cNvSpPr>
+            <a:spLocks noGrp="1"/>
+          </p:cNvSpPr>
+          <p:nvPr>
+            <p:ph type="sldNum" sz="quarter" idx="12"/>
+          </p:nvPr>
+        </p:nvSpPr>
+        <p:spPr>
+          <a:xfrm>
+            <a:off x="6553200" y="6356350"/>
+            <a:ext cx="2133600" cy="365125"/>
+          </a:xfrm>
+          <a:prstGeom prst="rect">
+            <a:avLst/>
+          </a:prstGeom>
+        </p:spPr>
+        <p:txBody>
+          <a:bodyPr/>
+          <a:lstStyle/>
+          <a:p>
+            <a:fld id="{2754ED01-E2A0-4C1E-8E21-014B99041579}" type="slidenum">
+              <a:rPr lang="en-US" smtClean="0"/>
+              <a:pPr/>
+              <a:t>‹#›</a:t>
+            </a:fld>
+            <a:endParaRPr lang="en-US"/>
+          </a:p>
+        </p:txBody>
+      </p:sp>
+    </p:spTree>
+    <p:extLst>
+      <p:ext uri="{BB962C8B-B14F-4D97-AF65-F5344CB8AC3E}">
+        <p14:creationId xmlns:p14="http://schemas.microsoft.com/office/powerpoint/2010/main" val="3892523259"/>
+      </p:ext>
+    </p:extLst>
+  </p:cSld>
+  <p:clrMapOvr>
+    <a:masterClrMapping/>
+  </p:clrMapOvr>
+</p:sldLayout>
+</file>
+
+<file path=ppt/slideLayouts/slideLayout25.xml><?xml version="1.0" encoding="utf-8"?>
+<p:sldLayout xmlns:a="http://schemas.openxmlformats.org/drawingml/2006/main" xmlns:r="http://schemas.openxmlformats.org/officeDocument/2006/relationships" xmlns:p="http://schemas.openxmlformats.org/presentationml/2006/main" showMasterSp="0" type="title" preserve="1">
+  <p:cSld name="Title Slide">
+    <p:spTree>
+      <p:nvGrpSpPr>
+        <p:cNvPr id="1" name=""/>
+        <p:cNvGrpSpPr/>
+        <p:nvPr/>
+      </p:nvGrpSpPr>
+      <p:grpSpPr>
+        <a:xfrm>
+          <a:off x="0" y="0"/>
+          <a:ext cx="0" cy="0"/>
+          <a:chOff x="0" y="0"/>
+          <a:chExt cx="0" cy="0"/>
+        </a:xfrm>
+      </p:grpSpPr>
+      <p:sp>
+        <p:nvSpPr>
+          <p:cNvPr id="10" name="Rectangle 9"/>
+          <p:cNvSpPr/>
+          <p:nvPr/>
+        </p:nvSpPr>
+        <p:spPr>
+          <a:xfrm>
+            <a:off x="0" y="0"/>
+            <a:ext cx="9144000" cy="2933700"/>
+          </a:xfrm>
+          <a:prstGeom prst="rect">
+            <a:avLst/>
+          </a:prstGeom>
+          <a:solidFill>
+            <a:schemeClr val="bg1"/>
+          </a:solidFill>
+          <a:ln>
+            <a:noFill/>
+          </a:ln>
+        </p:spPr>
+        <p:style>
+          <a:lnRef idx="2">
+            <a:schemeClr val="accent1">
+              <a:shade val="50000"/>
+            </a:schemeClr>
+          </a:lnRef>
+          <a:fillRef idx="1">
+            <a:schemeClr val="accent1"/>
+          </a:fillRef>
+          <a:effectRef idx="0">
+            <a:schemeClr val="accent1"/>
+          </a:effectRef>
+          <a:fontRef idx="minor">
+            <a:schemeClr val="lt1"/>
+          </a:fontRef>
+        </p:style>
+        <p:txBody>
+          <a:bodyPr rtlCol="0" anchor="ctr"/>
+          <a:lstStyle/>
+          <a:p>
+            <a:pPr algn="ctr"/>
+            <a:endParaRPr lang="en-US"/>
+          </a:p>
+        </p:txBody>
+      </p:sp>
+      <p:cxnSp>
+        <p:nvCxnSpPr>
+          <p:cNvPr id="18" name="Straight Connector 17"/>
+          <p:cNvCxnSpPr/>
+          <p:nvPr/>
+        </p:nvCxnSpPr>
+        <p:spPr>
+          <a:xfrm>
+            <a:off x="0" y="2925286"/>
+            <a:ext cx="9144000" cy="1588"/>
+          </a:xfrm>
+          <a:prstGeom prst="line">
+            <a:avLst/>
+          </a:prstGeom>
+          <a:ln w="12700"/>
+        </p:spPr>
+        <p:style>
+          <a:lnRef idx="1">
+            <a:schemeClr val="accent1"/>
+          </a:lnRef>
+          <a:fillRef idx="0">
+            <a:schemeClr val="accent1"/>
+          </a:fillRef>
+          <a:effectRef idx="0">
+            <a:schemeClr val="accent1"/>
+          </a:effectRef>
+          <a:fontRef idx="minor">
+            <a:schemeClr val="tx1"/>
+          </a:fontRef>
+        </p:style>
+      </p:cxnSp>
+      <p:sp>
+        <p:nvSpPr>
+          <p:cNvPr id="13" name="Rectangle 12"/>
+          <p:cNvSpPr/>
+          <p:nvPr/>
+        </p:nvSpPr>
+        <p:spPr>
+          <a:xfrm>
+            <a:off x="2514600" y="2362200"/>
+            <a:ext cx="4114800" cy="1127760"/>
+          </a:xfrm>
+          <a:prstGeom prst="rect">
+            <a:avLst/>
+          </a:prstGeom>
+          <a:solidFill>
+            <a:schemeClr val="tx1"/>
+          </a:solidFill>
+          <a:ln w="76200" cmpd="thinThick">
+            <a:solidFill>
+              <a:schemeClr val="tx1"/>
+            </a:solidFill>
+            <a:miter lim="800000"/>
+          </a:ln>
+        </p:spPr>
+        <p:txBody>
+          <a:bodyPr vert="horz" lIns="91440" tIns="45720" rIns="91440" bIns="45720" rtlCol="0" anchor="ctr" anchorCtr="0">
+            <a:normAutofit/>
+          </a:bodyPr>
+          <a:lstStyle/>
+          <a:p>
+            <a:pPr algn="ctr" defTabSz="914400" rtl="0" eaLnBrk="1" latinLnBrk="0" hangingPunct="1">
+              <a:spcBef>
+                <a:spcPts val="400"/>
+              </a:spcBef>
+              <a:buNone/>
+            </a:pPr>
+            <a:endParaRPr lang="en-US" sz="1800" b="1" kern="1200" cap="all" spc="0" baseline="0" smtClean="0">
+              <a:solidFill>
+                <a:schemeClr val="bg1"/>
+              </a:solidFill>
+              <a:latin typeface="+mj-lt"/>
+              <a:ea typeface="+mj-ea"/>
+              <a:cs typeface="Tunga" pitchFamily="2"/>
+            </a:endParaRPr>
+          </a:p>
+        </p:txBody>
+      </p:sp>
+      <p:sp>
+        <p:nvSpPr>
+          <p:cNvPr id="3" name="Subtitle 2"/>
+          <p:cNvSpPr>
+            <a:spLocks noGrp="1"/>
+          </p:cNvSpPr>
+          <p:nvPr>
+            <p:ph type="subTitle" idx="1"/>
+          </p:nvPr>
+        </p:nvSpPr>
+        <p:spPr>
+          <a:xfrm>
+            <a:off x="2565400" y="3045460"/>
+            <a:ext cx="4013200" cy="428625"/>
+          </a:xfrm>
+        </p:spPr>
+        <p:txBody>
+          <a:bodyPr tIns="0" anchor="t">
+            <a:noAutofit/>
+          </a:bodyPr>
+          <a:lstStyle>
+            <a:lvl1pPr marL="0" indent="0" algn="ctr">
+              <a:buNone/>
+              <a:defRPr sz="1600" b="0" i="0" cap="none" spc="0" baseline="0">
+                <a:solidFill>
+                  <a:schemeClr val="bg1">
+                    <a:lumMod val="75000"/>
+                    <a:lumOff val="25000"/>
+                  </a:schemeClr>
+                </a:solidFill>
+              </a:defRPr>
+            </a:lvl1pPr>
+            <a:lvl2pPr marL="457200" indent="0" algn="ctr">
+              <a:buNone/>
+              <a:defRPr>
+                <a:solidFill>
+                  <a:schemeClr val="tx1">
+                    <a:tint val="75000"/>
+                  </a:schemeClr>
+                </a:solidFill>
+              </a:defRPr>
+            </a:lvl2pPr>
+            <a:lvl3pPr marL="914400" indent="0" algn="ctr">
+              <a:buNone/>
+              <a:defRPr>
+                <a:solidFill>
+                  <a:schemeClr val="tx1">
+                    <a:tint val="75000"/>
+                  </a:schemeClr>
+                </a:solidFill>
+              </a:defRPr>
+            </a:lvl3pPr>
+            <a:lvl4pPr marL="1371600" indent="0" algn="ctr">
+              <a:buNone/>
+              <a:defRPr>
+                <a:solidFill>
+                  <a:schemeClr val="tx1">
+                    <a:tint val="75000"/>
+                  </a:schemeClr>
+                </a:solidFill>
+              </a:defRPr>
+            </a:lvl4pPr>
+            <a:lvl5pPr marL="1828800" indent="0" algn="ctr">
+              <a:buNone/>
+              <a:defRPr>
+                <a:solidFill>
+                  <a:schemeClr val="tx1">
+                    <a:tint val="75000"/>
+                  </a:schemeClr>
+                </a:solidFill>
+              </a:defRPr>
+            </a:lvl5pPr>
+            <a:lvl6pPr marL="2286000" indent="0" algn="ctr">
+              <a:buNone/>
+              <a:defRPr>
+                <a:solidFill>
+                  <a:schemeClr val="tx1">
+                    <a:tint val="75000"/>
+                  </a:schemeClr>
+                </a:solidFill>
+              </a:defRPr>
+            </a:lvl6pPr>
+            <a:lvl7pPr marL="2743200" indent="0" algn="ctr">
+              <a:buNone/>
+              <a:defRPr>
+                <a:solidFill>
+                  <a:schemeClr val="tx1">
+                    <a:tint val="75000"/>
+                  </a:schemeClr>
+                </a:solidFill>
+              </a:defRPr>
+            </a:lvl7pPr>
+            <a:lvl8pPr marL="3200400" indent="0" algn="ctr">
+              <a:buNone/>
+              <a:defRPr>
+                <a:solidFill>
+                  <a:schemeClr val="tx1">
+                    <a:tint val="75000"/>
+                  </a:schemeClr>
+                </a:solidFill>
+              </a:defRPr>
+            </a:lvl8pPr>
+            <a:lvl9pPr marL="3657600" indent="0" algn="ctr">
+              <a:buNone/>
+              <a:defRPr>
+                <a:solidFill>
+                  <a:schemeClr val="tx1">
+                    <a:tint val="75000"/>
+                  </a:schemeClr>
+                </a:solidFill>
+              </a:defRPr>
+            </a:lvl9pPr>
+          </a:lstStyle>
+          <a:p>
+            <a:r>
+              <a:rPr lang="en-US" smtClean="0"/>
+              <a:t>Click to edit Master subtitle style</a:t>
+            </a:r>
+            <a:endParaRPr lang="en-US" dirty="0"/>
+          </a:p>
+        </p:txBody>
+      </p:sp>
+      <p:sp>
+        <p:nvSpPr>
+          <p:cNvPr id="12" name="Title 11"/>
+          <p:cNvSpPr>
+            <a:spLocks noGrp="1"/>
+          </p:cNvSpPr>
+          <p:nvPr>
+            <p:ph type="title"/>
+          </p:nvPr>
+        </p:nvSpPr>
+        <p:spPr>
+          <a:xfrm>
+            <a:off x="2565400" y="2397760"/>
+            <a:ext cx="4013200" cy="599440"/>
+          </a:xfrm>
+          <a:noFill/>
+          <a:ln>
+            <a:noFill/>
+          </a:ln>
+        </p:spPr>
+        <p:txBody>
+          <a:bodyPr bIns="0" anchor="b"/>
+          <a:lstStyle>
+            <a:lvl1pPr>
+              <a:defRPr>
+                <a:effectLst>
+                  <a:glow rad="88900">
+                    <a:schemeClr val="tx1">
+                      <a:alpha val="60000"/>
+                    </a:schemeClr>
+                  </a:glow>
+                </a:effectLst>
+              </a:defRPr>
+            </a:lvl1pPr>
+          </a:lstStyle>
+          <a:p>
+            <a:r>
+              <a:rPr lang="en-US" smtClean="0"/>
+              <a:t>Click to edit Master title style</a:t>
+            </a:r>
+            <a:endParaRPr lang="en-US" dirty="0"/>
+          </a:p>
+        </p:txBody>
+      </p:sp>
+      <p:sp>
+        <p:nvSpPr>
+          <p:cNvPr id="11" name="Date Placeholder 10"/>
+          <p:cNvSpPr>
+            <a:spLocks noGrp="1"/>
+          </p:cNvSpPr>
+          <p:nvPr>
+            <p:ph type="dt" sz="half" idx="10"/>
+          </p:nvPr>
+        </p:nvSpPr>
+        <p:spPr bwMode="black"/>
+        <p:txBody>
+          <a:bodyPr/>
+          <a:lstStyle/>
+          <a:p>
+            <a:fld id="{384ADABB-861A-4BBF-A5B9-A9C896D1CE01}" type="datetimeFigureOut">
+              <a:rPr lang="en-IN" smtClean="0"/>
+              <a:t>24-03-2016</a:t>
+            </a:fld>
+            <a:endParaRPr lang="en-IN"/>
+          </a:p>
+        </p:txBody>
+      </p:sp>
+      <p:sp>
+        <p:nvSpPr>
+          <p:cNvPr id="17" name="Slide Number Placeholder 16"/>
+          <p:cNvSpPr>
+            <a:spLocks noGrp="1"/>
+          </p:cNvSpPr>
+          <p:nvPr>
+            <p:ph type="sldNum" sz="quarter" idx="11"/>
+          </p:nvPr>
+        </p:nvSpPr>
+        <p:spPr/>
+        <p:txBody>
+          <a:bodyPr/>
+          <a:lstStyle/>
+          <a:p>
+            <a:fld id="{064D6593-9C74-4648-9989-9ED2332FD1DD}" type="slidenum">
+              <a:rPr lang="en-IN" smtClean="0"/>
+              <a:t>‹#›</a:t>
+            </a:fld>
+            <a:endParaRPr lang="en-IN"/>
+          </a:p>
+        </p:txBody>
+      </p:sp>
+      <p:sp>
+        <p:nvSpPr>
+          <p:cNvPr id="19" name="Footer Placeholder 18"/>
+          <p:cNvSpPr>
+            <a:spLocks noGrp="1"/>
+          </p:cNvSpPr>
+          <p:nvPr>
+            <p:ph type="ftr" sz="quarter" idx="12"/>
+          </p:nvPr>
+        </p:nvSpPr>
+        <p:spPr/>
+        <p:txBody>
+          <a:bodyPr/>
+          <a:lstStyle/>
+          <a:p>
+            <a:endParaRPr lang="en-IN"/>
+          </a:p>
+        </p:txBody>
+      </p:sp>
+    </p:spTree>
+  </p:cSld>
+  <p:clrMapOvr>
+    <a:masterClrMapping/>
+  </p:clrMapOvr>
+</p:sldLayout>
+</file>
+
+<file path=ppt/slideLayouts/slideLayout26.xml><?xml version="1.0" encoding="utf-8"?>
+<p:sldLayout xmlns:a="http://schemas.openxmlformats.org/drawingml/2006/main" xmlns:r="http://schemas.openxmlformats.org/officeDocument/2006/relationships" xmlns:p="http://schemas.openxmlformats.org/presentationml/2006/main" type="obj" preserve="1">
+  <p:cSld name="Title and Content">
+    <p:spTree>
+      <p:nvGrpSpPr>
+        <p:cNvPr id="1" name=""/>
+        <p:cNvGrpSpPr/>
+        <p:nvPr/>
+      </p:nvGrpSpPr>
+      <p:grpSpPr>
+        <a:xfrm>
+          <a:off x="0" y="0"/>
+          <a:ext cx="0" cy="0"/>
+          <a:chOff x="0" y="0"/>
+          <a:chExt cx="0" cy="0"/>
+        </a:xfrm>
+      </p:grpSpPr>
+      <p:sp>
+        <p:nvSpPr>
+          <p:cNvPr id="31" name="Content Placeholder 30"/>
+          <p:cNvSpPr>
+            <a:spLocks noGrp="1"/>
+          </p:cNvSpPr>
+          <p:nvPr>
+            <p:ph sz="quarter" idx="13"/>
+          </p:nvPr>
+        </p:nvSpPr>
+        <p:spPr>
+          <a:xfrm>
+            <a:off x="457200" y="2020824"/>
+            <a:ext cx="8229600" cy="4075176"/>
+          </a:xfrm>
+        </p:spPr>
+        <p:txBody>
+          <a:bodyPr/>
+          <a:lstStyle/>
+          <a:p>
+            <a:pPr lvl="0"/>
+            <a:r>
+              <a:rPr lang="en-US" smtClean="0"/>
+              <a:t>Click to edit Master text styles</a:t>
+            </a:r>
+          </a:p>
+          <a:p>
+            <a:pPr lvl="1"/>
+            <a:r>
+              <a:rPr lang="en-US" smtClean="0"/>
+              <a:t>Second level</a:t>
+            </a:r>
+          </a:p>
+          <a:p>
+            <a:pPr lvl="2"/>
+            <a:r>
+              <a:rPr lang="en-US" smtClean="0"/>
+              <a:t>Third level</a:t>
+            </a:r>
+          </a:p>
+          <a:p>
+            <a:pPr lvl="3"/>
+            <a:r>
+              <a:rPr lang="en-US" smtClean="0"/>
+              <a:t>Fourth level</a:t>
+            </a:r>
+          </a:p>
+          <a:p>
+            <a:pPr lvl="4"/>
+            <a:r>
+              <a:rPr lang="en-US" smtClean="0"/>
+              <a:t>Fifth level</a:t>
+            </a:r>
+            <a:endParaRPr lang="en-US" dirty="0"/>
+          </a:p>
+        </p:txBody>
+      </p:sp>
+      <p:sp>
+        <p:nvSpPr>
+          <p:cNvPr id="9" name="Title 8"/>
+          <p:cNvSpPr>
+            <a:spLocks noGrp="1"/>
+          </p:cNvSpPr>
+          <p:nvPr>
+            <p:ph type="title"/>
+          </p:nvPr>
+        </p:nvSpPr>
+        <p:spPr/>
+        <p:txBody>
+          <a:bodyPr/>
+          <a:lstStyle/>
+          <a:p>
+            <a:r>
+              <a:rPr lang="en-US" smtClean="0"/>
+              <a:t>Click to edit Master title style</a:t>
+            </a:r>
+            <a:endParaRPr lang="en-US"/>
+          </a:p>
+        </p:txBody>
+      </p:sp>
+      <p:sp>
+        <p:nvSpPr>
+          <p:cNvPr id="11" name="Date Placeholder 10"/>
+          <p:cNvSpPr>
+            <a:spLocks noGrp="1"/>
+          </p:cNvSpPr>
+          <p:nvPr>
+            <p:ph type="dt" sz="half" idx="14"/>
+          </p:nvPr>
+        </p:nvSpPr>
+        <p:spPr/>
+        <p:txBody>
+          <a:bodyPr/>
+          <a:lstStyle/>
+          <a:p>
+            <a:fld id="{384ADABB-861A-4BBF-A5B9-A9C896D1CE01}" type="datetimeFigureOut">
+              <a:rPr lang="en-IN" smtClean="0"/>
+              <a:t>24-03-2016</a:t>
+            </a:fld>
+            <a:endParaRPr lang="en-IN"/>
+          </a:p>
+        </p:txBody>
+      </p:sp>
+      <p:sp>
+        <p:nvSpPr>
+          <p:cNvPr id="12" name="Slide Number Placeholder 11"/>
+          <p:cNvSpPr>
+            <a:spLocks noGrp="1"/>
+          </p:cNvSpPr>
+          <p:nvPr>
+            <p:ph type="sldNum" sz="quarter" idx="15"/>
+          </p:nvPr>
+        </p:nvSpPr>
+        <p:spPr/>
+        <p:txBody>
+          <a:bodyPr/>
+          <a:lstStyle/>
+          <a:p>
+            <a:fld id="{064D6593-9C74-4648-9989-9ED2332FD1DD}" type="slidenum">
+              <a:rPr lang="en-IN" smtClean="0"/>
+              <a:t>‹#›</a:t>
+            </a:fld>
+            <a:endParaRPr lang="en-IN"/>
+          </a:p>
+        </p:txBody>
+      </p:sp>
+      <p:sp>
+        <p:nvSpPr>
+          <p:cNvPr id="13" name="Footer Placeholder 12"/>
+          <p:cNvSpPr>
+            <a:spLocks noGrp="1"/>
+          </p:cNvSpPr>
+          <p:nvPr>
+            <p:ph type="ftr" sz="quarter" idx="16"/>
+          </p:nvPr>
+        </p:nvSpPr>
+        <p:spPr/>
+        <p:txBody>
+          <a:bodyPr/>
+          <a:lstStyle/>
+          <a:p>
+            <a:endParaRPr lang="en-IN"/>
+          </a:p>
+        </p:txBody>
+      </p:sp>
+    </p:spTree>
+  </p:cSld>
+  <p:clrMapOvr>
+    <a:masterClrMapping/>
+  </p:clrMapOvr>
+</p:sldLayout>
+</file>
+
+<file path=ppt/slideLayouts/slideLayout27.xml><?xml version="1.0" encoding="utf-8"?>
+<p:sldLayout xmlns:a="http://schemas.openxmlformats.org/drawingml/2006/main" xmlns:r="http://schemas.openxmlformats.org/officeDocument/2006/relationships" xmlns:p="http://schemas.openxmlformats.org/presentationml/2006/main" showMasterSp="0" type="secHead" preserve="1">
+  <p:cSld name="Section Header">
+    <p:bg>
+      <p:bgRef idx="1002">
+        <a:schemeClr val="bg1"/>
+      </p:bgRef>
+    </p:bg>
+    <p:spTree>
+      <p:nvGrpSpPr>
+        <p:cNvPr id="1" name=""/>
+        <p:cNvGrpSpPr/>
+        <p:nvPr/>
+      </p:nvGrpSpPr>
+      <p:grpSpPr>
+        <a:xfrm>
+          <a:off x="0" y="0"/>
+          <a:ext cx="0" cy="0"/>
+          <a:chOff x="0" y="0"/>
+          <a:chExt cx="0" cy="0"/>
+        </a:xfrm>
+      </p:grpSpPr>
+      <p:sp>
+        <p:nvSpPr>
+          <p:cNvPr id="8" name="Rectangle 7"/>
+          <p:cNvSpPr/>
+          <p:nvPr/>
+        </p:nvSpPr>
+        <p:spPr>
+          <a:xfrm>
+            <a:off x="0" y="3922776"/>
+            <a:ext cx="9144000" cy="2935224"/>
+          </a:xfrm>
+          <a:prstGeom prst="rect">
+            <a:avLst/>
+          </a:prstGeom>
+          <a:solidFill>
+            <a:schemeClr val="bg1"/>
+          </a:solidFill>
+          <a:ln>
+            <a:noFill/>
+          </a:ln>
+        </p:spPr>
+        <p:style>
+          <a:lnRef idx="2">
+            <a:schemeClr val="accent1">
+              <a:shade val="50000"/>
+            </a:schemeClr>
+          </a:lnRef>
+          <a:fillRef idx="1">
+            <a:schemeClr val="accent1"/>
+          </a:fillRef>
+          <a:effectRef idx="0">
+            <a:schemeClr val="accent1"/>
+          </a:effectRef>
+          <a:fontRef idx="minor">
+            <a:schemeClr val="lt1"/>
+          </a:fontRef>
+        </p:style>
+        <p:txBody>
+          <a:bodyPr rtlCol="0" anchor="ctr"/>
+          <a:lstStyle/>
+          <a:p>
+            <a:pPr algn="ctr"/>
+            <a:endParaRPr lang="en-US"/>
+          </a:p>
+        </p:txBody>
+      </p:sp>
+      <p:cxnSp>
+        <p:nvCxnSpPr>
+          <p:cNvPr id="11" name="Straight Connector 10"/>
+          <p:cNvCxnSpPr/>
+          <p:nvPr/>
+        </p:nvCxnSpPr>
+        <p:spPr>
+          <a:xfrm>
+            <a:off x="0" y="3921760"/>
+            <a:ext cx="9144000" cy="1588"/>
+          </a:xfrm>
+          <a:prstGeom prst="line">
+            <a:avLst/>
+          </a:prstGeom>
+          <a:ln w="12700">
+            <a:solidFill>
+              <a:schemeClr val="tx2">
+                <a:lumMod val="75000"/>
+              </a:schemeClr>
+            </a:solidFill>
+          </a:ln>
+        </p:spPr>
+        <p:style>
+          <a:lnRef idx="1">
+            <a:schemeClr val="accent1"/>
+          </a:lnRef>
+          <a:fillRef idx="0">
+            <a:schemeClr val="accent1"/>
+          </a:fillRef>
+          <a:effectRef idx="0">
+            <a:schemeClr val="accent1"/>
+          </a:effectRef>
+          <a:fontRef idx="minor">
+            <a:schemeClr val="tx1"/>
+          </a:fontRef>
+        </p:style>
+      </p:cxnSp>
+      <p:sp>
+        <p:nvSpPr>
+          <p:cNvPr id="12" name="Rectangle 11"/>
+          <p:cNvSpPr/>
+          <p:nvPr/>
+        </p:nvSpPr>
+        <p:spPr>
+          <a:xfrm>
+            <a:off x="2514600" y="3368040"/>
+            <a:ext cx="4114800" cy="1127760"/>
+          </a:xfrm>
+          <a:prstGeom prst="rect">
+            <a:avLst/>
+          </a:prstGeom>
+          <a:solidFill>
+            <a:schemeClr val="tx1"/>
+          </a:solidFill>
+          <a:ln w="76200" cmpd="thinThick">
+            <a:solidFill>
+              <a:schemeClr val="tx1"/>
+            </a:solidFill>
+            <a:miter lim="800000"/>
+          </a:ln>
+        </p:spPr>
+        <p:txBody>
+          <a:bodyPr vert="horz" lIns="91440" tIns="45720" rIns="91440" bIns="45720" rtlCol="0" anchor="ctr" anchorCtr="0">
+            <a:normAutofit/>
+          </a:bodyPr>
+          <a:lstStyle/>
+          <a:p>
+            <a:pPr algn="ctr" defTabSz="914400" rtl="0" eaLnBrk="1" latinLnBrk="0" hangingPunct="1">
+              <a:spcBef>
+                <a:spcPts val="400"/>
+              </a:spcBef>
+              <a:buNone/>
+            </a:pPr>
+            <a:endParaRPr lang="en-US" sz="1800" b="1" kern="1200" cap="all" spc="0" baseline="0" smtClean="0">
+              <a:solidFill>
+                <a:schemeClr val="bg1"/>
+              </a:solidFill>
+              <a:latin typeface="+mj-lt"/>
+              <a:ea typeface="+mj-ea"/>
+              <a:cs typeface="Tunga" pitchFamily="2"/>
+            </a:endParaRPr>
+          </a:p>
+        </p:txBody>
+      </p:sp>
+      <p:sp>
+        <p:nvSpPr>
+          <p:cNvPr id="9" name="Title Placeholder 1"/>
+          <p:cNvSpPr>
+            <a:spLocks noGrp="1"/>
+          </p:cNvSpPr>
+          <p:nvPr>
+            <p:ph type="title"/>
+          </p:nvPr>
+        </p:nvSpPr>
+        <p:spPr bwMode="black">
+          <a:xfrm>
+            <a:off x="2529052" y="3367246"/>
+            <a:ext cx="4085897" cy="706821"/>
+          </a:xfrm>
+          <a:prstGeom prst="rect">
+            <a:avLst/>
+          </a:prstGeom>
+          <a:noFill/>
+          <a:ln w="98425" cmpd="thinThick">
+            <a:noFill/>
+            <a:miter lim="800000"/>
+          </a:ln>
+        </p:spPr>
+        <p:txBody>
+          <a:bodyPr vert="horz" lIns="91440" tIns="45720" rIns="91440" bIns="0" rtlCol="0" anchor="b" anchorCtr="0">
+            <a:normAutofit/>
+          </a:bodyPr>
+          <a:lstStyle>
+            <a:lvl1pPr>
+              <a:defRPr kumimoji="0" lang="en-US" sz="1800" b="1" i="0" u="none" strike="noStrike" kern="1200" cap="all" spc="0" normalizeH="0" baseline="0" noProof="0" dirty="0" smtClean="0">
+                <a:ln>
+                  <a:noFill/>
+                </a:ln>
+                <a:solidFill>
+                  <a:schemeClr val="bg1"/>
+                </a:solidFill>
+                <a:effectLst/>
+                <a:uLnTx/>
+                <a:uFillTx/>
+                <a:latin typeface="+mj-lt"/>
+                <a:ea typeface="+mj-ea"/>
+                <a:cs typeface="Tunga" pitchFamily="2"/>
+              </a:defRPr>
+            </a:lvl1pPr>
+          </a:lstStyle>
+          <a:p>
+            <a:r>
+              <a:rPr lang="en-US" smtClean="0"/>
+              <a:t>Click to edit Master title style</a:t>
+            </a:r>
+            <a:endParaRPr lang="en-US" dirty="0"/>
+          </a:p>
+        </p:txBody>
+      </p:sp>
+      <p:sp>
+        <p:nvSpPr>
+          <p:cNvPr id="10" name="Subtitle 2"/>
+          <p:cNvSpPr>
+            <a:spLocks noGrp="1"/>
+          </p:cNvSpPr>
+          <p:nvPr>
+            <p:ph type="subTitle" idx="1"/>
+          </p:nvPr>
+        </p:nvSpPr>
+        <p:spPr bwMode="black">
+          <a:xfrm>
+            <a:off x="2518542" y="4084577"/>
+            <a:ext cx="4106917" cy="397094"/>
+          </a:xfrm>
+        </p:spPr>
+        <p:txBody>
+          <a:bodyPr tIns="0" anchor="t" anchorCtr="0">
+            <a:normAutofit/>
+          </a:bodyPr>
+          <a:lstStyle>
+            <a:lvl1pPr marL="0" indent="0" algn="ctr">
+              <a:buNone/>
+              <a:defRPr kumimoji="0" lang="en-US" sz="1600" b="0" i="0" u="none" strike="noStrike" kern="1200" cap="none" spc="0" normalizeH="0" baseline="0" noProof="0" dirty="0">
+                <a:ln>
+                  <a:noFill/>
+                </a:ln>
+                <a:solidFill>
+                  <a:schemeClr val="bg1"/>
+                </a:solidFill>
+                <a:effectLst/>
+                <a:uLnTx/>
+                <a:uFillTx/>
+                <a:latin typeface="+mn-lt"/>
+                <a:ea typeface="+mn-ea"/>
+                <a:cs typeface="Tahoma" pitchFamily="34" charset="0"/>
+              </a:defRPr>
+            </a:lvl1pPr>
+            <a:lvl2pPr marL="457200" indent="0" algn="ctr">
+              <a:buNone/>
+              <a:defRPr>
+                <a:solidFill>
+                  <a:schemeClr val="tx1">
+                    <a:tint val="75000"/>
+                  </a:schemeClr>
+                </a:solidFill>
+              </a:defRPr>
+            </a:lvl2pPr>
+            <a:lvl3pPr marL="914400" indent="0" algn="ctr">
+              <a:buNone/>
+              <a:defRPr>
+                <a:solidFill>
+                  <a:schemeClr val="tx1">
+                    <a:tint val="75000"/>
+                  </a:schemeClr>
+                </a:solidFill>
+              </a:defRPr>
+            </a:lvl3pPr>
+            <a:lvl4pPr marL="1371600" indent="0" algn="ctr">
+              <a:buNone/>
+              <a:defRPr>
+                <a:solidFill>
+                  <a:schemeClr val="tx1">
+                    <a:tint val="75000"/>
+                  </a:schemeClr>
+                </a:solidFill>
+              </a:defRPr>
+            </a:lvl4pPr>
+            <a:lvl5pPr marL="1828800" indent="0" algn="ctr">
+              <a:buNone/>
+              <a:defRPr>
+                <a:solidFill>
+                  <a:schemeClr val="tx1">
+                    <a:tint val="75000"/>
+                  </a:schemeClr>
+                </a:solidFill>
+              </a:defRPr>
+            </a:lvl5pPr>
+            <a:lvl6pPr marL="2286000" indent="0" algn="ctr">
+              <a:buNone/>
+              <a:defRPr>
+                <a:solidFill>
+                  <a:schemeClr val="tx1">
+                    <a:tint val="75000"/>
+                  </a:schemeClr>
+                </a:solidFill>
+              </a:defRPr>
+            </a:lvl6pPr>
+            <a:lvl7pPr marL="2743200" indent="0" algn="ctr">
+              <a:buNone/>
+              <a:defRPr>
+                <a:solidFill>
+                  <a:schemeClr val="tx1">
+                    <a:tint val="75000"/>
+                  </a:schemeClr>
+                </a:solidFill>
+              </a:defRPr>
+            </a:lvl7pPr>
+            <a:lvl8pPr marL="3200400" indent="0" algn="ctr">
+              <a:buNone/>
+              <a:defRPr>
+                <a:solidFill>
+                  <a:schemeClr val="tx1">
+                    <a:tint val="75000"/>
+                  </a:schemeClr>
+                </a:solidFill>
+              </a:defRPr>
+            </a:lvl8pPr>
+            <a:lvl9pPr marL="3657600" indent="0" algn="ctr">
+              <a:buNone/>
+              <a:defRPr>
+                <a:solidFill>
+                  <a:schemeClr val="tx1">
+                    <a:tint val="75000"/>
+                  </a:schemeClr>
+                </a:solidFill>
+              </a:defRPr>
+            </a:lvl9pPr>
+          </a:lstStyle>
+          <a:p>
+            <a:r>
+              <a:rPr lang="en-US" smtClean="0"/>
+              <a:t>Click to edit Master subtitle style</a:t>
+            </a:r>
+            <a:endParaRPr lang="en-US" dirty="0"/>
+          </a:p>
+        </p:txBody>
+      </p:sp>
+      <p:sp>
+        <p:nvSpPr>
+          <p:cNvPr id="13" name="Date Placeholder 12"/>
+          <p:cNvSpPr>
+            <a:spLocks noGrp="1"/>
+          </p:cNvSpPr>
+          <p:nvPr>
+            <p:ph type="dt" sz="half" idx="10"/>
+          </p:nvPr>
+        </p:nvSpPr>
+        <p:spPr/>
+        <p:txBody>
+          <a:bodyPr/>
+          <a:lstStyle/>
+          <a:p>
+            <a:fld id="{384ADABB-861A-4BBF-A5B9-A9C896D1CE01}" type="datetimeFigureOut">
+              <a:rPr lang="en-IN" smtClean="0"/>
+              <a:t>24-03-2016</a:t>
+            </a:fld>
+            <a:endParaRPr lang="en-IN"/>
+          </a:p>
+        </p:txBody>
+      </p:sp>
+      <p:sp>
+        <p:nvSpPr>
+          <p:cNvPr id="14" name="Slide Number Placeholder 13"/>
+          <p:cNvSpPr>
+            <a:spLocks noGrp="1"/>
+          </p:cNvSpPr>
+          <p:nvPr>
+            <p:ph type="sldNum" sz="quarter" idx="11"/>
+          </p:nvPr>
+        </p:nvSpPr>
+        <p:spPr/>
+        <p:txBody>
+          <a:bodyPr/>
+          <a:lstStyle/>
+          <a:p>
+            <a:fld id="{064D6593-9C74-4648-9989-9ED2332FD1DD}" type="slidenum">
+              <a:rPr lang="en-IN" smtClean="0"/>
+              <a:t>‹#›</a:t>
+            </a:fld>
+            <a:endParaRPr lang="en-IN"/>
+          </a:p>
+        </p:txBody>
+      </p:sp>
+      <p:sp>
+        <p:nvSpPr>
+          <p:cNvPr id="15" name="Footer Placeholder 14"/>
+          <p:cNvSpPr>
+            <a:spLocks noGrp="1"/>
+          </p:cNvSpPr>
+          <p:nvPr>
+            <p:ph type="ftr" sz="quarter" idx="12"/>
+          </p:nvPr>
+        </p:nvSpPr>
+        <p:spPr/>
+        <p:txBody>
+          <a:bodyPr/>
+          <a:lstStyle/>
+          <a:p>
+            <a:endParaRPr lang="en-IN"/>
+          </a:p>
+        </p:txBody>
+      </p:sp>
+    </p:spTree>
+  </p:cSld>
+  <p:clrMapOvr>
+    <a:overrideClrMapping bg1="lt1" tx1="dk1" bg2="lt2" tx2="dk2" accent1="accent1" accent2="accent2" accent3="accent3" accent4="accent4" accent5="accent5" accent6="accent6" hlink="hlink" folHlink="folHlink"/>
+  </p:clrMapOvr>
+</p:sldLayout>
+</file>
+
+<file path=ppt/slideLayouts/slideLayout28.xml><?xml version="1.0" encoding="utf-8"?>
+<p:sldLayout xmlns:a="http://schemas.openxmlformats.org/drawingml/2006/main" xmlns:r="http://schemas.openxmlformats.org/officeDocument/2006/relationships" xmlns:p="http://schemas.openxmlformats.org/presentationml/2006/main" type="twoObj" preserve="1">
+  <p:cSld name="Two Content">
+    <p:spTree>
+      <p:nvGrpSpPr>
+        <p:cNvPr id="1" name=""/>
+        <p:cNvGrpSpPr/>
+        <p:nvPr/>
+      </p:nvGrpSpPr>
+      <p:grpSpPr>
+        <a:xfrm>
+          <a:off x="0" y="0"/>
+          <a:ext cx="0" cy="0"/>
+          <a:chOff x="0" y="0"/>
+          <a:chExt cx="0" cy="0"/>
+        </a:xfrm>
+      </p:grpSpPr>
+      <p:sp>
+        <p:nvSpPr>
+          <p:cNvPr id="14" name="Content Placeholder 30"/>
+          <p:cNvSpPr>
+            <a:spLocks noGrp="1"/>
+          </p:cNvSpPr>
+          <p:nvPr>
+            <p:ph sz="quarter" idx="13"/>
+          </p:nvPr>
+        </p:nvSpPr>
+        <p:spPr>
+          <a:xfrm>
+            <a:off x="457201" y="2020824"/>
+            <a:ext cx="4023360" cy="4005072"/>
+          </a:xfrm>
+        </p:spPr>
+        <p:txBody>
+          <a:bodyPr/>
+          <a:lstStyle/>
+          <a:p>
+            <a:pPr lvl="0"/>
+            <a:r>
+              <a:rPr lang="en-US" smtClean="0"/>
+              <a:t>Click to edit Master text styles</a:t>
+            </a:r>
+          </a:p>
+          <a:p>
+            <a:pPr lvl="1"/>
+            <a:r>
+              <a:rPr lang="en-US" smtClean="0"/>
+              <a:t>Second level</a:t>
+            </a:r>
+          </a:p>
+          <a:p>
+            <a:pPr lvl="2"/>
+            <a:r>
+              <a:rPr lang="en-US" smtClean="0"/>
+              <a:t>Third level</a:t>
+            </a:r>
+          </a:p>
+          <a:p>
+            <a:pPr lvl="3"/>
+            <a:r>
+              <a:rPr lang="en-US" smtClean="0"/>
+              <a:t>Fourth level</a:t>
+            </a:r>
+          </a:p>
+          <a:p>
+            <a:pPr lvl="4"/>
+            <a:r>
+              <a:rPr lang="en-US" smtClean="0"/>
+              <a:t>Fifth level</a:t>
+            </a:r>
+            <a:endParaRPr lang="en-US" dirty="0"/>
+          </a:p>
+        </p:txBody>
+      </p:sp>
+      <p:sp>
+        <p:nvSpPr>
+          <p:cNvPr id="15" name="Content Placeholder 30"/>
+          <p:cNvSpPr>
+            <a:spLocks noGrp="1"/>
+          </p:cNvSpPr>
+          <p:nvPr>
+            <p:ph sz="quarter" idx="14"/>
+          </p:nvPr>
+        </p:nvSpPr>
+        <p:spPr>
+          <a:xfrm>
+            <a:off x="4663440" y="2020824"/>
+            <a:ext cx="4023360" cy="4005072"/>
+          </a:xfrm>
+        </p:spPr>
+        <p:txBody>
+          <a:bodyPr/>
+          <a:lstStyle/>
+          <a:p>
+            <a:pPr lvl="0"/>
+            <a:r>
+              <a:rPr lang="en-US" smtClean="0"/>
+              <a:t>Click to edit Master text styles</a:t>
+            </a:r>
+          </a:p>
+          <a:p>
+            <a:pPr lvl="1"/>
+            <a:r>
+              <a:rPr lang="en-US" smtClean="0"/>
+              <a:t>Second level</a:t>
+            </a:r>
+          </a:p>
+          <a:p>
+            <a:pPr lvl="2"/>
+            <a:r>
+              <a:rPr lang="en-US" smtClean="0"/>
+              <a:t>Third level</a:t>
+            </a:r>
+          </a:p>
+          <a:p>
+            <a:pPr lvl="3"/>
+            <a:r>
+              <a:rPr lang="en-US" smtClean="0"/>
+              <a:t>Fourth level</a:t>
+            </a:r>
+          </a:p>
+          <a:p>
+            <a:pPr lvl="4"/>
+            <a:r>
+              <a:rPr lang="en-US" smtClean="0"/>
+              <a:t>Fifth level</a:t>
+            </a:r>
+            <a:endParaRPr lang="en-US" dirty="0"/>
+          </a:p>
+        </p:txBody>
+      </p:sp>
+      <p:sp>
+        <p:nvSpPr>
+          <p:cNvPr id="9" name="Date Placeholder 8"/>
+          <p:cNvSpPr>
+            <a:spLocks noGrp="1"/>
+          </p:cNvSpPr>
+          <p:nvPr>
+            <p:ph type="dt" sz="half" idx="15"/>
+          </p:nvPr>
+        </p:nvSpPr>
+        <p:spPr/>
+        <p:txBody>
+          <a:bodyPr/>
+          <a:lstStyle/>
+          <a:p>
+            <a:fld id="{384ADABB-861A-4BBF-A5B9-A9C896D1CE01}" type="datetimeFigureOut">
+              <a:rPr lang="en-IN" smtClean="0"/>
+              <a:t>24-03-2016</a:t>
+            </a:fld>
+            <a:endParaRPr lang="en-IN"/>
+          </a:p>
+        </p:txBody>
+      </p:sp>
+      <p:sp>
+        <p:nvSpPr>
+          <p:cNvPr id="12" name="Slide Number Placeholder 11"/>
+          <p:cNvSpPr>
+            <a:spLocks noGrp="1"/>
+          </p:cNvSpPr>
+          <p:nvPr>
+            <p:ph type="sldNum" sz="quarter" idx="16"/>
+          </p:nvPr>
+        </p:nvSpPr>
+        <p:spPr/>
+        <p:txBody>
+          <a:bodyPr/>
+          <a:lstStyle/>
+          <a:p>
+            <a:fld id="{064D6593-9C74-4648-9989-9ED2332FD1DD}" type="slidenum">
+              <a:rPr lang="en-IN" smtClean="0"/>
+              <a:t>‹#›</a:t>
+            </a:fld>
+            <a:endParaRPr lang="en-IN"/>
+          </a:p>
+        </p:txBody>
+      </p:sp>
+      <p:sp>
+        <p:nvSpPr>
+          <p:cNvPr id="13" name="Footer Placeholder 12"/>
+          <p:cNvSpPr>
+            <a:spLocks noGrp="1"/>
+          </p:cNvSpPr>
+          <p:nvPr>
+            <p:ph type="ftr" sz="quarter" idx="17"/>
+          </p:nvPr>
+        </p:nvSpPr>
+        <p:spPr/>
+        <p:txBody>
+          <a:bodyPr/>
+          <a:lstStyle/>
+          <a:p>
+            <a:endParaRPr lang="en-IN"/>
+          </a:p>
+        </p:txBody>
+      </p:sp>
+      <p:sp>
+        <p:nvSpPr>
+          <p:cNvPr id="16" name="Title 15"/>
+          <p:cNvSpPr>
+            <a:spLocks noGrp="1"/>
+          </p:cNvSpPr>
+          <p:nvPr>
+            <p:ph type="title"/>
+          </p:nvPr>
+        </p:nvSpPr>
+        <p:spPr/>
+        <p:txBody>
+          <a:bodyPr/>
+          <a:lstStyle/>
+          <a:p>
+            <a:r>
+              <a:rPr lang="en-US" smtClean="0"/>
+              <a:t>Click to edit Master title style</a:t>
+            </a:r>
+            <a:endParaRPr lang="en-US"/>
+          </a:p>
+        </p:txBody>
+      </p:sp>
+    </p:spTree>
+  </p:cSld>
+  <p:clrMapOvr>
+    <a:masterClrMapping/>
+  </p:clrMapOvr>
+</p:sldLayout>
+</file>
+
+<file path=ppt/slideLayouts/slideLayout29.xml><?xml version="1.0" encoding="utf-8"?>
+<p:sldLayout xmlns:a="http://schemas.openxmlformats.org/drawingml/2006/main" xmlns:r="http://schemas.openxmlformats.org/officeDocument/2006/relationships" xmlns:p="http://schemas.openxmlformats.org/presentationml/2006/main" type="twoTxTwoObj" preserve="1">
+  <p:cSld name="Comparison">
+    <p:spTree>
+      <p:nvGrpSpPr>
+        <p:cNvPr id="1" name=""/>
+        <p:cNvGrpSpPr/>
+        <p:nvPr/>
+      </p:nvGrpSpPr>
+      <p:grpSpPr>
+        <a:xfrm>
+          <a:off x="0" y="0"/>
+          <a:ext cx="0" cy="0"/>
+          <a:chOff x="0" y="0"/>
+          <a:chExt cx="0" cy="0"/>
+        </a:xfrm>
+      </p:grpSpPr>
+      <p:sp>
+        <p:nvSpPr>
+          <p:cNvPr id="23" name="Content Placeholder 30"/>
+          <p:cNvSpPr>
+            <a:spLocks noGrp="1"/>
+          </p:cNvSpPr>
+          <p:nvPr>
+            <p:ph sz="quarter" idx="13"/>
+          </p:nvPr>
+        </p:nvSpPr>
+        <p:spPr>
+          <a:xfrm>
+            <a:off x="457201" y="2819400"/>
+            <a:ext cx="4023360" cy="3209544"/>
+          </a:xfrm>
+        </p:spPr>
+        <p:txBody>
+          <a:bodyPr/>
+          <a:lstStyle/>
+          <a:p>
+            <a:pPr lvl="0"/>
+            <a:r>
+              <a:rPr lang="en-US" smtClean="0"/>
+              <a:t>Click to edit Master text styles</a:t>
+            </a:r>
+          </a:p>
+          <a:p>
+            <a:pPr lvl="1"/>
+            <a:r>
+              <a:rPr lang="en-US" smtClean="0"/>
+              <a:t>Second level</a:t>
+            </a:r>
+          </a:p>
+          <a:p>
+            <a:pPr lvl="2"/>
+            <a:r>
+              <a:rPr lang="en-US" smtClean="0"/>
+              <a:t>Third level</a:t>
+            </a:r>
+          </a:p>
+          <a:p>
+            <a:pPr lvl="3"/>
+            <a:r>
+              <a:rPr lang="en-US" smtClean="0"/>
+              <a:t>Fourth level</a:t>
+            </a:r>
+          </a:p>
+          <a:p>
+            <a:pPr lvl="4"/>
+            <a:r>
+              <a:rPr lang="en-US" smtClean="0"/>
+              <a:t>Fifth level</a:t>
+            </a:r>
+            <a:endParaRPr lang="en-US" dirty="0"/>
+          </a:p>
+        </p:txBody>
+      </p:sp>
+      <p:sp>
+        <p:nvSpPr>
+          <p:cNvPr id="24" name="Content Placeholder 30"/>
+          <p:cNvSpPr>
+            <a:spLocks noGrp="1"/>
+          </p:cNvSpPr>
+          <p:nvPr>
+            <p:ph sz="quarter" idx="14"/>
+          </p:nvPr>
+        </p:nvSpPr>
+        <p:spPr>
+          <a:xfrm>
+            <a:off x="4663440" y="2816352"/>
+            <a:ext cx="4023360" cy="3209544"/>
+          </a:xfrm>
+        </p:spPr>
+        <p:txBody>
+          <a:bodyPr/>
+          <a:lstStyle/>
+          <a:p>
+            <a:pPr lvl="0"/>
+            <a:r>
+              <a:rPr lang="en-US" smtClean="0"/>
+              <a:t>Click to edit Master text styles</a:t>
+            </a:r>
+          </a:p>
+          <a:p>
+            <a:pPr lvl="1"/>
+            <a:r>
+              <a:rPr lang="en-US" smtClean="0"/>
+              <a:t>Second level</a:t>
+            </a:r>
+          </a:p>
+          <a:p>
+            <a:pPr lvl="2"/>
+            <a:r>
+              <a:rPr lang="en-US" smtClean="0"/>
+              <a:t>Third level</a:t>
+            </a:r>
+          </a:p>
+          <a:p>
+            <a:pPr lvl="3"/>
+            <a:r>
+              <a:rPr lang="en-US" smtClean="0"/>
+              <a:t>Fourth level</a:t>
+            </a:r>
+          </a:p>
+          <a:p>
+            <a:pPr lvl="4"/>
+            <a:r>
+              <a:rPr lang="en-US" smtClean="0"/>
+              <a:t>Fifth level</a:t>
+            </a:r>
+            <a:endParaRPr lang="en-US" dirty="0"/>
+          </a:p>
+        </p:txBody>
+      </p:sp>
+      <p:sp>
+        <p:nvSpPr>
+          <p:cNvPr id="20" name="Text Placeholder 3"/>
+          <p:cNvSpPr>
+            <a:spLocks noGrp="1"/>
+          </p:cNvSpPr>
+          <p:nvPr>
+            <p:ph type="body" sz="half" idx="2"/>
+          </p:nvPr>
+        </p:nvSpPr>
+        <p:spPr>
+          <a:xfrm>
+            <a:off x="457200" y="2020824"/>
+            <a:ext cx="4023360" cy="704088"/>
+          </a:xfrm>
+          <a:noFill/>
+          <a:ln w="98425" cmpd="thinThick">
+            <a:noFill/>
+            <a:miter lim="800000"/>
+          </a:ln>
+        </p:spPr>
+        <p:txBody>
+          <a:bodyPr vert="horz" lIns="91440" tIns="45720" rIns="91440" bIns="45720" rtlCol="0" anchor="ctr" anchorCtr="0">
+            <a:normAutofit/>
+          </a:bodyPr>
+          <a:lstStyle>
+            <a:lvl1pPr marL="0" indent="0" algn="ctr" defTabSz="914400" rtl="0" eaLnBrk="1" latinLnBrk="0" hangingPunct="1">
+              <a:spcBef>
+                <a:spcPts val="400"/>
+              </a:spcBef>
+              <a:buNone/>
+              <a:defRPr lang="en-US" sz="1800" b="1" kern="1200" cap="none" spc="200" baseline="0" smtClean="0">
+                <a:solidFill>
+                  <a:schemeClr val="tx1"/>
+                </a:solidFill>
+                <a:latin typeface="+mj-lt"/>
+                <a:ea typeface="+mj-ea"/>
+                <a:cs typeface="Tunga" pitchFamily="2"/>
+              </a:defRPr>
+            </a:lvl1pPr>
+            <a:lvl2pPr marL="457200" indent="0">
+              <a:buNone/>
+              <a:defRPr sz="1200"/>
+            </a:lvl2pPr>
+            <a:lvl3pPr marL="914400" indent="0">
+              <a:buNone/>
+              <a:defRPr sz="1000"/>
+            </a:lvl3pPr>
+            <a:lvl4pPr marL="1371600" indent="0">
+              <a:buNone/>
+              <a:defRPr sz="900"/>
+            </a:lvl4pPr>
+            <a:lvl5pPr marL="1828800" indent="0">
+              <a:buNone/>
+              <a:defRPr sz="900"/>
+            </a:lvl5pPr>
+            <a:lvl6pPr marL="2286000" indent="0">
+              <a:buNone/>
+              <a:defRPr sz="900"/>
+            </a:lvl6pPr>
+            <a:lvl7pPr marL="2743200" indent="0">
+              <a:buNone/>
+              <a:defRPr sz="900"/>
+            </a:lvl7pPr>
+            <a:lvl8pPr marL="3200400" indent="0">
+              <a:buNone/>
+              <a:defRPr sz="900"/>
+            </a:lvl8pPr>
+            <a:lvl9pPr marL="3657600" indent="0">
+              <a:buNone/>
+              <a:defRPr sz="900"/>
+            </a:lvl9pPr>
+          </a:lstStyle>
+          <a:p>
+            <a:pPr lvl="0"/>
+            <a:r>
+              <a:rPr lang="en-US" smtClean="0"/>
+              <a:t>Click to edit Master text styles</a:t>
+            </a:r>
+          </a:p>
+        </p:txBody>
+      </p:sp>
+      <p:sp>
+        <p:nvSpPr>
+          <p:cNvPr id="21" name="Text Placeholder 3"/>
+          <p:cNvSpPr>
+            <a:spLocks noGrp="1"/>
+          </p:cNvSpPr>
+          <p:nvPr>
+            <p:ph type="body" sz="half" idx="15"/>
+          </p:nvPr>
+        </p:nvSpPr>
+        <p:spPr>
+          <a:xfrm>
+            <a:off x="4663440" y="2020824"/>
+            <a:ext cx="4023360" cy="704088"/>
+          </a:xfrm>
+          <a:noFill/>
+          <a:ln w="98425" cmpd="thinThick">
+            <a:noFill/>
+            <a:miter lim="800000"/>
+          </a:ln>
+        </p:spPr>
+        <p:txBody>
+          <a:bodyPr vert="horz" lIns="91440" tIns="45720" rIns="91440" bIns="45720" rtlCol="0" anchor="ctr" anchorCtr="0">
+            <a:normAutofit/>
+          </a:bodyPr>
+          <a:lstStyle>
+            <a:lvl1pPr marL="0" indent="0" algn="ctr" defTabSz="914400" rtl="0" eaLnBrk="1" latinLnBrk="0" hangingPunct="1">
+              <a:spcBef>
+                <a:spcPts val="400"/>
+              </a:spcBef>
+              <a:buNone/>
+              <a:defRPr lang="en-US" sz="1800" b="1" i="0" kern="1200" cap="none" spc="200" baseline="0" dirty="0" smtClean="0">
+                <a:solidFill>
+                  <a:schemeClr val="tx1"/>
+                </a:solidFill>
+                <a:latin typeface="+mj-lt"/>
+                <a:ea typeface="+mj-ea"/>
+                <a:cs typeface="Tunga" pitchFamily="2"/>
+              </a:defRPr>
+            </a:lvl1pPr>
+            <a:lvl2pPr marL="457200" indent="0">
+              <a:buNone/>
+              <a:defRPr sz="1200"/>
+            </a:lvl2pPr>
+            <a:lvl3pPr marL="914400" indent="0">
+              <a:buNone/>
+              <a:defRPr sz="1000"/>
+            </a:lvl3pPr>
+            <a:lvl4pPr marL="1371600" indent="0">
+              <a:buNone/>
+              <a:defRPr sz="900"/>
+            </a:lvl4pPr>
+            <a:lvl5pPr marL="1828800" indent="0">
+              <a:buNone/>
+              <a:defRPr sz="900"/>
+            </a:lvl5pPr>
+            <a:lvl6pPr marL="2286000" indent="0">
+              <a:buNone/>
+              <a:defRPr sz="900"/>
+            </a:lvl6pPr>
+            <a:lvl7pPr marL="2743200" indent="0">
+              <a:buNone/>
+              <a:defRPr sz="900"/>
+            </a:lvl7pPr>
+            <a:lvl8pPr marL="3200400" indent="0">
+              <a:buNone/>
+              <a:defRPr sz="900"/>
+            </a:lvl8pPr>
+            <a:lvl9pPr marL="3657600" indent="0">
+              <a:buNone/>
+              <a:defRPr sz="900"/>
+            </a:lvl9pPr>
+          </a:lstStyle>
+          <a:p>
+            <a:pPr marL="0" lvl="0" indent="0" algn="ctr" defTabSz="914400" rtl="0" eaLnBrk="1" latinLnBrk="0" hangingPunct="1">
+              <a:lnSpc>
+                <a:spcPct val="110000"/>
+              </a:lnSpc>
+              <a:spcBef>
+                <a:spcPts val="400"/>
+              </a:spcBef>
+              <a:spcAft>
+                <a:spcPts val="0"/>
+              </a:spcAft>
+              <a:buClr>
+                <a:schemeClr val="accent1"/>
+              </a:buClr>
+              <a:buFontTx/>
+              <a:buNone/>
+            </a:pPr>
+            <a:r>
+              <a:rPr lang="en-US" smtClean="0"/>
+              <a:t>Click to edit Master text styles</a:t>
+            </a:r>
+          </a:p>
+        </p:txBody>
+      </p:sp>
+      <p:sp>
+        <p:nvSpPr>
+          <p:cNvPr id="11" name="Date Placeholder 10"/>
+          <p:cNvSpPr>
+            <a:spLocks noGrp="1"/>
+          </p:cNvSpPr>
+          <p:nvPr>
+            <p:ph type="dt" sz="half" idx="16"/>
+          </p:nvPr>
+        </p:nvSpPr>
+        <p:spPr/>
+        <p:txBody>
+          <a:bodyPr/>
+          <a:lstStyle/>
+          <a:p>
+            <a:fld id="{384ADABB-861A-4BBF-A5B9-A9C896D1CE01}" type="datetimeFigureOut">
+              <a:rPr lang="en-IN" smtClean="0"/>
+              <a:t>24-03-2016</a:t>
+            </a:fld>
+            <a:endParaRPr lang="en-IN"/>
+          </a:p>
+        </p:txBody>
+      </p:sp>
+      <p:sp>
+        <p:nvSpPr>
+          <p:cNvPr id="12" name="Slide Number Placeholder 11"/>
+          <p:cNvSpPr>
+            <a:spLocks noGrp="1"/>
+          </p:cNvSpPr>
+          <p:nvPr>
+            <p:ph type="sldNum" sz="quarter" idx="17"/>
+          </p:nvPr>
+        </p:nvSpPr>
+        <p:spPr/>
+        <p:txBody>
+          <a:bodyPr/>
+          <a:lstStyle/>
+          <a:p>
+            <a:fld id="{064D6593-9C74-4648-9989-9ED2332FD1DD}" type="slidenum">
+              <a:rPr lang="en-IN" smtClean="0"/>
+              <a:t>‹#›</a:t>
+            </a:fld>
+            <a:endParaRPr lang="en-IN"/>
+          </a:p>
+        </p:txBody>
+      </p:sp>
+      <p:sp>
+        <p:nvSpPr>
+          <p:cNvPr id="13" name="Footer Placeholder 12"/>
+          <p:cNvSpPr>
+            <a:spLocks noGrp="1"/>
+          </p:cNvSpPr>
+          <p:nvPr>
+            <p:ph type="ftr" sz="quarter" idx="18"/>
+          </p:nvPr>
+        </p:nvSpPr>
+        <p:spPr/>
+        <p:txBody>
+          <a:bodyPr/>
+          <a:lstStyle/>
+          <a:p>
+            <a:endParaRPr lang="en-IN"/>
+          </a:p>
+        </p:txBody>
+      </p:sp>
+      <p:sp>
+        <p:nvSpPr>
+          <p:cNvPr id="18" name="Title 17"/>
+          <p:cNvSpPr>
+            <a:spLocks noGrp="1"/>
+          </p:cNvSpPr>
+          <p:nvPr>
+            <p:ph type="title"/>
+          </p:nvPr>
+        </p:nvSpPr>
+        <p:spPr/>
+        <p:txBody>
+          <a:bodyPr/>
+          <a:lstStyle/>
+          <a:p>
+            <a:r>
+              <a:rPr lang="en-US" smtClean="0"/>
+              <a:t>Click to edit Master title style</a:t>
+            </a:r>
+            <a:endParaRPr lang="en-US"/>
+          </a:p>
+        </p:txBody>
+      </p:sp>
+    </p:spTree>
+  </p:cSld>
+  <p:clrMapOvr>
+    <a:masterClrMapping/>
+  </p:clrMapOvr>
+</p:sldLayout>
+</file>
+
 <file path=ppt/slideLayouts/slideLayout3.xml><?xml version="1.0" encoding="utf-8"?>
 <p:sldLayout xmlns:a="http://schemas.openxmlformats.org/drawingml/2006/main" xmlns:r="http://schemas.openxmlformats.org/officeDocument/2006/relationships" xmlns:p="http://schemas.openxmlformats.org/presentationml/2006/main" type="secHead" preserve="1">
   <p:cSld name="Section Header">
@@ -3471,6 +5259,1194 @@
         <p14:creationId xmlns:p14="http://schemas.microsoft.com/office/powerpoint/2010/main" val="3203556044"/>
       </p:ext>
     </p:extLst>
+  </p:cSld>
+  <p:clrMapOvr>
+    <a:masterClrMapping/>
+  </p:clrMapOvr>
+</p:sldLayout>
+</file>
+
+<file path=ppt/slideLayouts/slideLayout30.xml><?xml version="1.0" encoding="utf-8"?>
+<p:sldLayout xmlns:a="http://schemas.openxmlformats.org/drawingml/2006/main" xmlns:r="http://schemas.openxmlformats.org/officeDocument/2006/relationships" xmlns:p="http://schemas.openxmlformats.org/presentationml/2006/main" type="titleOnly" preserve="1">
+  <p:cSld name="Title Only">
+    <p:spTree>
+      <p:nvGrpSpPr>
+        <p:cNvPr id="1" name=""/>
+        <p:cNvGrpSpPr/>
+        <p:nvPr/>
+      </p:nvGrpSpPr>
+      <p:grpSpPr>
+        <a:xfrm>
+          <a:off x="0" y="0"/>
+          <a:ext cx="0" cy="0"/>
+          <a:chOff x="0" y="0"/>
+          <a:chExt cx="0" cy="0"/>
+        </a:xfrm>
+      </p:grpSpPr>
+      <p:sp>
+        <p:nvSpPr>
+          <p:cNvPr id="9" name="Title 8"/>
+          <p:cNvSpPr>
+            <a:spLocks noGrp="1"/>
+          </p:cNvSpPr>
+          <p:nvPr>
+            <p:ph type="title"/>
+          </p:nvPr>
+        </p:nvSpPr>
+        <p:spPr/>
+        <p:txBody>
+          <a:bodyPr/>
+          <a:lstStyle/>
+          <a:p>
+            <a:r>
+              <a:rPr lang="en-US" smtClean="0"/>
+              <a:t>Click to edit Master title style</a:t>
+            </a:r>
+            <a:endParaRPr lang="en-US"/>
+          </a:p>
+        </p:txBody>
+      </p:sp>
+      <p:sp>
+        <p:nvSpPr>
+          <p:cNvPr id="15" name="Date Placeholder 14"/>
+          <p:cNvSpPr>
+            <a:spLocks noGrp="1"/>
+          </p:cNvSpPr>
+          <p:nvPr>
+            <p:ph type="dt" sz="half" idx="10"/>
+          </p:nvPr>
+        </p:nvSpPr>
+        <p:spPr/>
+        <p:txBody>
+          <a:bodyPr/>
+          <a:lstStyle/>
+          <a:p>
+            <a:fld id="{384ADABB-861A-4BBF-A5B9-A9C896D1CE01}" type="datetimeFigureOut">
+              <a:rPr lang="en-IN" smtClean="0"/>
+              <a:t>24-03-2016</a:t>
+            </a:fld>
+            <a:endParaRPr lang="en-IN"/>
+          </a:p>
+        </p:txBody>
+      </p:sp>
+      <p:sp>
+        <p:nvSpPr>
+          <p:cNvPr id="16" name="Slide Number Placeholder 15"/>
+          <p:cNvSpPr>
+            <a:spLocks noGrp="1"/>
+          </p:cNvSpPr>
+          <p:nvPr>
+            <p:ph type="sldNum" sz="quarter" idx="11"/>
+          </p:nvPr>
+        </p:nvSpPr>
+        <p:spPr/>
+        <p:txBody>
+          <a:bodyPr/>
+          <a:lstStyle/>
+          <a:p>
+            <a:fld id="{064D6593-9C74-4648-9989-9ED2332FD1DD}" type="slidenum">
+              <a:rPr lang="en-IN" smtClean="0"/>
+              <a:t>‹#›</a:t>
+            </a:fld>
+            <a:endParaRPr lang="en-IN"/>
+          </a:p>
+        </p:txBody>
+      </p:sp>
+      <p:sp>
+        <p:nvSpPr>
+          <p:cNvPr id="17" name="Footer Placeholder 16"/>
+          <p:cNvSpPr>
+            <a:spLocks noGrp="1"/>
+          </p:cNvSpPr>
+          <p:nvPr>
+            <p:ph type="ftr" sz="quarter" idx="12"/>
+          </p:nvPr>
+        </p:nvSpPr>
+        <p:spPr/>
+        <p:txBody>
+          <a:bodyPr/>
+          <a:lstStyle/>
+          <a:p>
+            <a:endParaRPr lang="en-IN"/>
+          </a:p>
+        </p:txBody>
+      </p:sp>
+    </p:spTree>
+  </p:cSld>
+  <p:clrMapOvr>
+    <a:masterClrMapping/>
+  </p:clrMapOvr>
+</p:sldLayout>
+</file>
+
+<file path=ppt/slideLayouts/slideLayout31.xml><?xml version="1.0" encoding="utf-8"?>
+<p:sldLayout xmlns:a="http://schemas.openxmlformats.org/drawingml/2006/main" xmlns:r="http://schemas.openxmlformats.org/officeDocument/2006/relationships" xmlns:p="http://schemas.openxmlformats.org/presentationml/2006/main" showMasterSp="0" type="blank" preserve="1">
+  <p:cSld name="Blank">
+    <p:spTree>
+      <p:nvGrpSpPr>
+        <p:cNvPr id="1" name=""/>
+        <p:cNvGrpSpPr/>
+        <p:nvPr/>
+      </p:nvGrpSpPr>
+      <p:grpSpPr>
+        <a:xfrm>
+          <a:off x="0" y="0"/>
+          <a:ext cx="0" cy="0"/>
+          <a:chOff x="0" y="0"/>
+          <a:chExt cx="0" cy="0"/>
+        </a:xfrm>
+      </p:grpSpPr>
+      <p:sp>
+        <p:nvSpPr>
+          <p:cNvPr id="7" name="Date Placeholder 6"/>
+          <p:cNvSpPr>
+            <a:spLocks noGrp="1"/>
+          </p:cNvSpPr>
+          <p:nvPr>
+            <p:ph type="dt" sz="half" idx="10"/>
+          </p:nvPr>
+        </p:nvSpPr>
+        <p:spPr/>
+        <p:txBody>
+          <a:bodyPr/>
+          <a:lstStyle/>
+          <a:p>
+            <a:fld id="{384ADABB-861A-4BBF-A5B9-A9C896D1CE01}" type="datetimeFigureOut">
+              <a:rPr lang="en-IN" smtClean="0"/>
+              <a:t>24-03-2016</a:t>
+            </a:fld>
+            <a:endParaRPr lang="en-IN"/>
+          </a:p>
+        </p:txBody>
+      </p:sp>
+      <p:sp>
+        <p:nvSpPr>
+          <p:cNvPr id="8" name="Slide Number Placeholder 7"/>
+          <p:cNvSpPr>
+            <a:spLocks noGrp="1"/>
+          </p:cNvSpPr>
+          <p:nvPr>
+            <p:ph type="sldNum" sz="quarter" idx="11"/>
+          </p:nvPr>
+        </p:nvSpPr>
+        <p:spPr/>
+        <p:txBody>
+          <a:bodyPr/>
+          <a:lstStyle/>
+          <a:p>
+            <a:fld id="{064D6593-9C74-4648-9989-9ED2332FD1DD}" type="slidenum">
+              <a:rPr lang="en-IN" smtClean="0"/>
+              <a:t>‹#›</a:t>
+            </a:fld>
+            <a:endParaRPr lang="en-IN"/>
+          </a:p>
+        </p:txBody>
+      </p:sp>
+      <p:sp>
+        <p:nvSpPr>
+          <p:cNvPr id="9" name="Footer Placeholder 8"/>
+          <p:cNvSpPr>
+            <a:spLocks noGrp="1"/>
+          </p:cNvSpPr>
+          <p:nvPr>
+            <p:ph type="ftr" sz="quarter" idx="12"/>
+          </p:nvPr>
+        </p:nvSpPr>
+        <p:spPr/>
+        <p:txBody>
+          <a:bodyPr/>
+          <a:lstStyle/>
+          <a:p>
+            <a:endParaRPr lang="en-IN"/>
+          </a:p>
+        </p:txBody>
+      </p:sp>
+    </p:spTree>
+  </p:cSld>
+  <p:clrMapOvr>
+    <a:masterClrMapping/>
+  </p:clrMapOvr>
+</p:sldLayout>
+</file>
+
+<file path=ppt/slideLayouts/slideLayout32.xml><?xml version="1.0" encoding="utf-8"?>
+<p:sldLayout xmlns:a="http://schemas.openxmlformats.org/drawingml/2006/main" xmlns:r="http://schemas.openxmlformats.org/officeDocument/2006/relationships" xmlns:p="http://schemas.openxmlformats.org/presentationml/2006/main" type="objTx" preserve="1">
+  <p:cSld name="Content with Caption">
+    <p:spTree>
+      <p:nvGrpSpPr>
+        <p:cNvPr id="1" name=""/>
+        <p:cNvGrpSpPr/>
+        <p:nvPr/>
+      </p:nvGrpSpPr>
+      <p:grpSpPr>
+        <a:xfrm>
+          <a:off x="0" y="0"/>
+          <a:ext cx="0" cy="0"/>
+          <a:chOff x="0" y="0"/>
+          <a:chExt cx="0" cy="0"/>
+        </a:xfrm>
+      </p:grpSpPr>
+      <p:sp>
+        <p:nvSpPr>
+          <p:cNvPr id="14" name="Content Placeholder 30"/>
+          <p:cNvSpPr>
+            <a:spLocks noGrp="1"/>
+          </p:cNvSpPr>
+          <p:nvPr>
+            <p:ph sz="quarter" idx="14"/>
+          </p:nvPr>
+        </p:nvSpPr>
+        <p:spPr>
+          <a:xfrm>
+            <a:off x="1485900" y="1914525"/>
+            <a:ext cx="6172200" cy="3510915"/>
+          </a:xfrm>
+        </p:spPr>
+        <p:txBody>
+          <a:bodyPr/>
+          <a:lstStyle/>
+          <a:p>
+            <a:pPr lvl="0"/>
+            <a:r>
+              <a:rPr lang="en-US" smtClean="0"/>
+              <a:t>Click to edit Master text styles</a:t>
+            </a:r>
+          </a:p>
+          <a:p>
+            <a:pPr lvl="1"/>
+            <a:r>
+              <a:rPr lang="en-US" smtClean="0"/>
+              <a:t>Second level</a:t>
+            </a:r>
+          </a:p>
+          <a:p>
+            <a:pPr lvl="2"/>
+            <a:r>
+              <a:rPr lang="en-US" smtClean="0"/>
+              <a:t>Third level</a:t>
+            </a:r>
+          </a:p>
+          <a:p>
+            <a:pPr lvl="3"/>
+            <a:r>
+              <a:rPr lang="en-US" smtClean="0"/>
+              <a:t>Fourth level</a:t>
+            </a:r>
+          </a:p>
+          <a:p>
+            <a:pPr lvl="4"/>
+            <a:r>
+              <a:rPr lang="en-US" smtClean="0"/>
+              <a:t>Fifth level</a:t>
+            </a:r>
+            <a:endParaRPr lang="en-US" dirty="0"/>
+          </a:p>
+        </p:txBody>
+      </p:sp>
+      <p:sp>
+        <p:nvSpPr>
+          <p:cNvPr id="11" name="Text Placeholder 3"/>
+          <p:cNvSpPr>
+            <a:spLocks noGrp="1"/>
+          </p:cNvSpPr>
+          <p:nvPr>
+            <p:ph type="body" sz="half" idx="2"/>
+          </p:nvPr>
+        </p:nvSpPr>
+        <p:spPr>
+          <a:xfrm>
+            <a:off x="1737360" y="5513832"/>
+            <a:ext cx="5669280" cy="548640"/>
+          </a:xfrm>
+        </p:spPr>
+        <p:txBody>
+          <a:bodyPr vert="horz" lIns="91440" tIns="0" rIns="91440" bIns="45720" rtlCol="0" anchor="ctr">
+            <a:normAutofit/>
+          </a:bodyPr>
+          <a:lstStyle>
+            <a:lvl1pPr marL="0" indent="0" algn="ctr" defTabSz="914400" rtl="0" eaLnBrk="1" latinLnBrk="0" hangingPunct="1">
+              <a:lnSpc>
+                <a:spcPct val="100000"/>
+              </a:lnSpc>
+              <a:spcBef>
+                <a:spcPts val="0"/>
+              </a:spcBef>
+              <a:buClr>
+                <a:schemeClr val="accent1"/>
+              </a:buClr>
+              <a:buFont typeface="Arial" pitchFamily="34" charset="0"/>
+              <a:buNone/>
+              <a:defRPr lang="en-US" sz="1400" b="0" i="0" kern="1200" cap="none" spc="0" baseline="0" smtClean="0">
+                <a:solidFill>
+                  <a:schemeClr val="tx1"/>
+                </a:solidFill>
+                <a:latin typeface="+mn-lt"/>
+                <a:ea typeface="+mn-ea"/>
+                <a:cs typeface="Tahoma" pitchFamily="34" charset="0"/>
+              </a:defRPr>
+            </a:lvl1pPr>
+            <a:lvl2pPr marL="457200" indent="0">
+              <a:buNone/>
+              <a:defRPr sz="1200"/>
+            </a:lvl2pPr>
+            <a:lvl3pPr marL="914400" indent="0">
+              <a:buNone/>
+              <a:defRPr sz="1000"/>
+            </a:lvl3pPr>
+            <a:lvl4pPr marL="1371600" indent="0">
+              <a:buNone/>
+              <a:defRPr sz="900"/>
+            </a:lvl4pPr>
+            <a:lvl5pPr marL="1828800" indent="0">
+              <a:buNone/>
+              <a:defRPr sz="900"/>
+            </a:lvl5pPr>
+            <a:lvl6pPr marL="2286000" indent="0">
+              <a:buNone/>
+              <a:defRPr sz="900"/>
+            </a:lvl6pPr>
+            <a:lvl7pPr marL="2743200" indent="0">
+              <a:buNone/>
+              <a:defRPr sz="900"/>
+            </a:lvl7pPr>
+            <a:lvl8pPr marL="3200400" indent="0">
+              <a:buNone/>
+              <a:defRPr sz="900"/>
+            </a:lvl8pPr>
+            <a:lvl9pPr marL="3657600" indent="0">
+              <a:buNone/>
+              <a:defRPr sz="900"/>
+            </a:lvl9pPr>
+          </a:lstStyle>
+          <a:p>
+            <a:pPr lvl="0"/>
+            <a:r>
+              <a:rPr lang="en-US" smtClean="0"/>
+              <a:t>Click to edit Master text styles</a:t>
+            </a:r>
+          </a:p>
+        </p:txBody>
+      </p:sp>
+      <p:sp>
+        <p:nvSpPr>
+          <p:cNvPr id="13" name="Title 12"/>
+          <p:cNvSpPr>
+            <a:spLocks noGrp="1"/>
+          </p:cNvSpPr>
+          <p:nvPr>
+            <p:ph type="title"/>
+          </p:nvPr>
+        </p:nvSpPr>
+        <p:spPr/>
+        <p:txBody>
+          <a:bodyPr/>
+          <a:lstStyle/>
+          <a:p>
+            <a:r>
+              <a:rPr lang="en-US" smtClean="0"/>
+              <a:t>Click to edit Master title style</a:t>
+            </a:r>
+            <a:endParaRPr lang="en-US"/>
+          </a:p>
+        </p:txBody>
+      </p:sp>
+      <p:sp>
+        <p:nvSpPr>
+          <p:cNvPr id="16" name="Date Placeholder 15"/>
+          <p:cNvSpPr>
+            <a:spLocks noGrp="1"/>
+          </p:cNvSpPr>
+          <p:nvPr>
+            <p:ph type="dt" sz="half" idx="15"/>
+          </p:nvPr>
+        </p:nvSpPr>
+        <p:spPr/>
+        <p:txBody>
+          <a:bodyPr/>
+          <a:lstStyle/>
+          <a:p>
+            <a:fld id="{384ADABB-861A-4BBF-A5B9-A9C896D1CE01}" type="datetimeFigureOut">
+              <a:rPr lang="en-IN" smtClean="0"/>
+              <a:t>24-03-2016</a:t>
+            </a:fld>
+            <a:endParaRPr lang="en-IN"/>
+          </a:p>
+        </p:txBody>
+      </p:sp>
+      <p:sp>
+        <p:nvSpPr>
+          <p:cNvPr id="19" name="Slide Number Placeholder 18"/>
+          <p:cNvSpPr>
+            <a:spLocks noGrp="1"/>
+          </p:cNvSpPr>
+          <p:nvPr>
+            <p:ph type="sldNum" sz="quarter" idx="16"/>
+          </p:nvPr>
+        </p:nvSpPr>
+        <p:spPr/>
+        <p:txBody>
+          <a:bodyPr/>
+          <a:lstStyle/>
+          <a:p>
+            <a:fld id="{064D6593-9C74-4648-9989-9ED2332FD1DD}" type="slidenum">
+              <a:rPr lang="en-IN" smtClean="0"/>
+              <a:t>‹#›</a:t>
+            </a:fld>
+            <a:endParaRPr lang="en-IN"/>
+          </a:p>
+        </p:txBody>
+      </p:sp>
+      <p:sp>
+        <p:nvSpPr>
+          <p:cNvPr id="23" name="Footer Placeholder 22"/>
+          <p:cNvSpPr>
+            <a:spLocks noGrp="1"/>
+          </p:cNvSpPr>
+          <p:nvPr>
+            <p:ph type="ftr" sz="quarter" idx="17"/>
+          </p:nvPr>
+        </p:nvSpPr>
+        <p:spPr/>
+        <p:txBody>
+          <a:bodyPr/>
+          <a:lstStyle/>
+          <a:p>
+            <a:endParaRPr lang="en-IN"/>
+          </a:p>
+        </p:txBody>
+      </p:sp>
+    </p:spTree>
+  </p:cSld>
+  <p:clrMapOvr>
+    <a:masterClrMapping/>
+  </p:clrMapOvr>
+</p:sldLayout>
+</file>
+
+<file path=ppt/slideLayouts/slideLayout33.xml><?xml version="1.0" encoding="utf-8"?>
+<p:sldLayout xmlns:a="http://schemas.openxmlformats.org/drawingml/2006/main" xmlns:r="http://schemas.openxmlformats.org/officeDocument/2006/relationships" xmlns:p="http://schemas.openxmlformats.org/presentationml/2006/main" type="picTx" preserve="1">
+  <p:cSld name="Picture with Caption">
+    <p:spTree>
+      <p:nvGrpSpPr>
+        <p:cNvPr id="1" name=""/>
+        <p:cNvGrpSpPr/>
+        <p:nvPr/>
+      </p:nvGrpSpPr>
+      <p:grpSpPr>
+        <a:xfrm>
+          <a:off x="0" y="0"/>
+          <a:ext cx="0" cy="0"/>
+          <a:chOff x="0" y="0"/>
+          <a:chExt cx="0" cy="0"/>
+        </a:xfrm>
+      </p:grpSpPr>
+      <p:sp>
+        <p:nvSpPr>
+          <p:cNvPr id="3" name="Picture Placeholder 2"/>
+          <p:cNvSpPr>
+            <a:spLocks noGrp="1" noChangeAspect="1"/>
+          </p:cNvSpPr>
+          <p:nvPr>
+            <p:ph type="pic" idx="1"/>
+          </p:nvPr>
+        </p:nvSpPr>
+        <p:spPr>
+          <a:xfrm>
+            <a:off x="1852209" y="2026918"/>
+            <a:ext cx="5439582" cy="3263750"/>
+          </a:xfrm>
+          <a:solidFill>
+            <a:schemeClr val="tx1"/>
+          </a:solidFill>
+          <a:ln w="69850" cmpd="dbl">
+            <a:solidFill>
+              <a:schemeClr val="tx1"/>
+            </a:solidFill>
+            <a:miter lim="800000"/>
+          </a:ln>
+        </p:spPr>
+        <p:txBody>
+          <a:bodyPr vert="horz" lIns="91440" tIns="45720" rIns="91440" bIns="45720" rtlCol="0" anchor="ctr" anchorCtr="0">
+            <a:normAutofit/>
+          </a:bodyPr>
+          <a:lstStyle>
+            <a:lvl1pPr marL="0" indent="0" algn="ctr" defTabSz="914400" rtl="0" eaLnBrk="1" latinLnBrk="0" hangingPunct="1">
+              <a:spcBef>
+                <a:spcPts val="400"/>
+              </a:spcBef>
+              <a:buNone/>
+              <a:defRPr lang="en-US" sz="1800" b="0" kern="1200" cap="none" spc="0" baseline="0" dirty="0">
+                <a:solidFill>
+                  <a:schemeClr val="bg1"/>
+                </a:solidFill>
+                <a:latin typeface="+mj-lt"/>
+                <a:ea typeface="+mj-ea"/>
+                <a:cs typeface="Tunga" pitchFamily="2"/>
+              </a:defRPr>
+            </a:lvl1pPr>
+            <a:lvl2pPr marL="457200" indent="0">
+              <a:buNone/>
+              <a:defRPr sz="2800"/>
+            </a:lvl2pPr>
+            <a:lvl3pPr marL="914400" indent="0">
+              <a:buNone/>
+              <a:defRPr sz="2400"/>
+            </a:lvl3pPr>
+            <a:lvl4pPr marL="1371600" indent="0">
+              <a:buNone/>
+              <a:defRPr sz="2000"/>
+            </a:lvl4pPr>
+            <a:lvl5pPr marL="1828800" indent="0">
+              <a:buNone/>
+              <a:defRPr sz="2000"/>
+            </a:lvl5pPr>
+            <a:lvl6pPr marL="2286000" indent="0">
+              <a:buNone/>
+              <a:defRPr sz="2000"/>
+            </a:lvl6pPr>
+            <a:lvl7pPr marL="2743200" indent="0">
+              <a:buNone/>
+              <a:defRPr sz="2000"/>
+            </a:lvl7pPr>
+            <a:lvl8pPr marL="3200400" indent="0">
+              <a:buNone/>
+              <a:defRPr sz="2000"/>
+            </a:lvl8pPr>
+            <a:lvl9pPr marL="3657600" indent="0">
+              <a:buNone/>
+              <a:defRPr sz="2000"/>
+            </a:lvl9pPr>
+          </a:lstStyle>
+          <a:p>
+            <a:r>
+              <a:rPr lang="en-US" smtClean="0"/>
+              <a:t>Click icon to add picture</a:t>
+            </a:r>
+            <a:endParaRPr lang="en-US" dirty="0"/>
+          </a:p>
+        </p:txBody>
+      </p:sp>
+      <p:sp>
+        <p:nvSpPr>
+          <p:cNvPr id="25" name="Text Placeholder 24"/>
+          <p:cNvSpPr>
+            <a:spLocks noGrp="1"/>
+          </p:cNvSpPr>
+          <p:nvPr>
+            <p:ph type="body" sz="quarter" idx="13"/>
+          </p:nvPr>
+        </p:nvSpPr>
+        <p:spPr>
+          <a:xfrm>
+            <a:off x="1737360" y="5516880"/>
+            <a:ext cx="5669280" cy="548640"/>
+          </a:xfrm>
+        </p:spPr>
+        <p:txBody>
+          <a:bodyPr vert="horz" lIns="91440" tIns="0" rIns="91440" bIns="0" rtlCol="0" anchor="ctr" anchorCtr="0">
+            <a:normAutofit/>
+          </a:bodyPr>
+          <a:lstStyle>
+            <a:lvl1pPr marL="0" indent="0">
+              <a:spcBef>
+                <a:spcPts val="0"/>
+              </a:spcBef>
+              <a:buNone/>
+              <a:defRPr lang="en-US" sz="1400" b="0" i="0" kern="1200" cap="none" spc="30" baseline="0" smtClean="0">
+                <a:solidFill>
+                  <a:schemeClr val="tx2"/>
+                </a:solidFill>
+                <a:latin typeface="+mn-lt"/>
+                <a:ea typeface="+mn-ea"/>
+                <a:cs typeface="Tahoma" pitchFamily="34" charset="0"/>
+              </a:defRPr>
+            </a:lvl1pPr>
+            <a:lvl2pPr marL="171450" indent="1588">
+              <a:buNone/>
+              <a:defRPr>
+                <a:solidFill>
+                  <a:schemeClr val="bg2"/>
+                </a:solidFill>
+              </a:defRPr>
+            </a:lvl2pPr>
+            <a:lvl3pPr marL="344488" indent="6350">
+              <a:buNone/>
+              <a:defRPr>
+                <a:solidFill>
+                  <a:schemeClr val="bg2"/>
+                </a:solidFill>
+              </a:defRPr>
+            </a:lvl3pPr>
+            <a:lvl4pPr marL="515938" indent="3175">
+              <a:buNone/>
+              <a:defRPr>
+                <a:solidFill>
+                  <a:schemeClr val="bg2"/>
+                </a:solidFill>
+              </a:defRPr>
+            </a:lvl4pPr>
+            <a:lvl5pPr marL="688975" indent="-1588">
+              <a:buNone/>
+              <a:defRPr>
+                <a:solidFill>
+                  <a:schemeClr val="bg2"/>
+                </a:solidFill>
+              </a:defRPr>
+            </a:lvl5pPr>
+          </a:lstStyle>
+          <a:p>
+            <a:pPr marL="0" lvl="0" indent="0" algn="ctr" defTabSz="914400" rtl="0" eaLnBrk="1" latinLnBrk="0" hangingPunct="1">
+              <a:spcBef>
+                <a:spcPts val="600"/>
+              </a:spcBef>
+              <a:spcAft>
+                <a:spcPts val="0"/>
+              </a:spcAft>
+              <a:buClr>
+                <a:schemeClr val="accent1"/>
+              </a:buClr>
+              <a:buFont typeface="Arial" pitchFamily="34" charset="0"/>
+              <a:buNone/>
+            </a:pPr>
+            <a:r>
+              <a:rPr lang="en-US" smtClean="0"/>
+              <a:t>Click to edit Master text styles</a:t>
+            </a:r>
+          </a:p>
+        </p:txBody>
+      </p:sp>
+      <p:sp>
+        <p:nvSpPr>
+          <p:cNvPr id="12" name="Title 11"/>
+          <p:cNvSpPr>
+            <a:spLocks noGrp="1"/>
+          </p:cNvSpPr>
+          <p:nvPr>
+            <p:ph type="title"/>
+          </p:nvPr>
+        </p:nvSpPr>
+        <p:spPr>
+          <a:xfrm>
+            <a:off x="2514600" y="975360"/>
+            <a:ext cx="4114800" cy="701040"/>
+          </a:xfrm>
+        </p:spPr>
+        <p:txBody>
+          <a:bodyPr/>
+          <a:lstStyle/>
+          <a:p>
+            <a:r>
+              <a:rPr lang="en-US" smtClean="0"/>
+              <a:t>Click to edit Master title style</a:t>
+            </a:r>
+            <a:endParaRPr lang="en-US"/>
+          </a:p>
+        </p:txBody>
+      </p:sp>
+      <p:sp>
+        <p:nvSpPr>
+          <p:cNvPr id="13" name="Date Placeholder 12"/>
+          <p:cNvSpPr>
+            <a:spLocks noGrp="1"/>
+          </p:cNvSpPr>
+          <p:nvPr>
+            <p:ph type="dt" sz="half" idx="14"/>
+          </p:nvPr>
+        </p:nvSpPr>
+        <p:spPr>
+          <a:xfrm>
+            <a:off x="2981325" y="273180"/>
+            <a:ext cx="3181350" cy="292100"/>
+          </a:xfrm>
+        </p:spPr>
+        <p:txBody>
+          <a:bodyPr/>
+          <a:lstStyle/>
+          <a:p>
+            <a:fld id="{384ADABB-861A-4BBF-A5B9-A9C896D1CE01}" type="datetimeFigureOut">
+              <a:rPr lang="en-IN" smtClean="0"/>
+              <a:t>24-03-2016</a:t>
+            </a:fld>
+            <a:endParaRPr lang="en-IN"/>
+          </a:p>
+        </p:txBody>
+      </p:sp>
+      <p:sp>
+        <p:nvSpPr>
+          <p:cNvPr id="14" name="Slide Number Placeholder 13"/>
+          <p:cNvSpPr>
+            <a:spLocks noGrp="1"/>
+          </p:cNvSpPr>
+          <p:nvPr>
+            <p:ph type="sldNum" sz="quarter" idx="15"/>
+          </p:nvPr>
+        </p:nvSpPr>
+        <p:spPr>
+          <a:xfrm>
+            <a:off x="4038600" y="6172200"/>
+            <a:ext cx="1066800" cy="304800"/>
+          </a:xfrm>
+        </p:spPr>
+        <p:txBody>
+          <a:bodyPr/>
+          <a:lstStyle/>
+          <a:p>
+            <a:fld id="{064D6593-9C74-4648-9989-9ED2332FD1DD}" type="slidenum">
+              <a:rPr lang="en-IN" smtClean="0"/>
+              <a:t>‹#›</a:t>
+            </a:fld>
+            <a:endParaRPr lang="en-IN"/>
+          </a:p>
+        </p:txBody>
+      </p:sp>
+      <p:sp>
+        <p:nvSpPr>
+          <p:cNvPr id="15" name="Footer Placeholder 14"/>
+          <p:cNvSpPr>
+            <a:spLocks noGrp="1"/>
+          </p:cNvSpPr>
+          <p:nvPr>
+            <p:ph type="ftr" sz="quarter" idx="16"/>
+          </p:nvPr>
+        </p:nvSpPr>
+        <p:spPr>
+          <a:xfrm>
+            <a:off x="1447800" y="6486525"/>
+            <a:ext cx="6248400" cy="292100"/>
+          </a:xfrm>
+        </p:spPr>
+        <p:txBody>
+          <a:bodyPr/>
+          <a:lstStyle/>
+          <a:p>
+            <a:endParaRPr lang="en-IN"/>
+          </a:p>
+        </p:txBody>
+      </p:sp>
+    </p:spTree>
+  </p:cSld>
+  <p:clrMapOvr>
+    <a:masterClrMapping/>
+  </p:clrMapOvr>
+</p:sldLayout>
+</file>
+
+<file path=ppt/slideLayouts/slideLayout34.xml><?xml version="1.0" encoding="utf-8"?>
+<p:sldLayout xmlns:a="http://schemas.openxmlformats.org/drawingml/2006/main" xmlns:r="http://schemas.openxmlformats.org/officeDocument/2006/relationships" xmlns:p="http://schemas.openxmlformats.org/presentationml/2006/main" type="vertTx" preserve="1">
+  <p:cSld name="Title and Vertical Text">
+    <p:spTree>
+      <p:nvGrpSpPr>
+        <p:cNvPr id="1" name=""/>
+        <p:cNvGrpSpPr/>
+        <p:nvPr/>
+      </p:nvGrpSpPr>
+      <p:grpSpPr>
+        <a:xfrm>
+          <a:off x="0" y="0"/>
+          <a:ext cx="0" cy="0"/>
+          <a:chOff x="0" y="0"/>
+          <a:chExt cx="0" cy="0"/>
+        </a:xfrm>
+      </p:grpSpPr>
+      <p:sp>
+        <p:nvSpPr>
+          <p:cNvPr id="2" name="Title 1"/>
+          <p:cNvSpPr>
+            <a:spLocks noGrp="1"/>
+          </p:cNvSpPr>
+          <p:nvPr>
+            <p:ph type="title"/>
+          </p:nvPr>
+        </p:nvSpPr>
+        <p:spPr/>
+        <p:txBody>
+          <a:bodyPr/>
+          <a:lstStyle/>
+          <a:p>
+            <a:r>
+              <a:rPr lang="en-US" smtClean="0"/>
+              <a:t>Click to edit Master title style</a:t>
+            </a:r>
+            <a:endParaRPr lang="en-US"/>
+          </a:p>
+        </p:txBody>
+      </p:sp>
+      <p:sp>
+        <p:nvSpPr>
+          <p:cNvPr id="3" name="Vertical Text Placeholder 2"/>
+          <p:cNvSpPr>
+            <a:spLocks noGrp="1"/>
+          </p:cNvSpPr>
+          <p:nvPr>
+            <p:ph type="body" orient="vert" idx="1"/>
+          </p:nvPr>
+        </p:nvSpPr>
+        <p:spPr/>
+        <p:txBody>
+          <a:bodyPr vert="eaVert"/>
+          <a:lstStyle/>
+          <a:p>
+            <a:pPr lvl="0"/>
+            <a:r>
+              <a:rPr lang="en-US" smtClean="0"/>
+              <a:t>Click to edit Master text styles</a:t>
+            </a:r>
+          </a:p>
+          <a:p>
+            <a:pPr lvl="1"/>
+            <a:r>
+              <a:rPr lang="en-US" smtClean="0"/>
+              <a:t>Second level</a:t>
+            </a:r>
+          </a:p>
+          <a:p>
+            <a:pPr lvl="2"/>
+            <a:r>
+              <a:rPr lang="en-US" smtClean="0"/>
+              <a:t>Third level</a:t>
+            </a:r>
+          </a:p>
+          <a:p>
+            <a:pPr lvl="3"/>
+            <a:r>
+              <a:rPr lang="en-US" smtClean="0"/>
+              <a:t>Fourth level</a:t>
+            </a:r>
+          </a:p>
+          <a:p>
+            <a:pPr lvl="4"/>
+            <a:r>
+              <a:rPr lang="en-US" smtClean="0"/>
+              <a:t>Fifth level</a:t>
+            </a:r>
+            <a:endParaRPr lang="en-US"/>
+          </a:p>
+        </p:txBody>
+      </p:sp>
+      <p:sp>
+        <p:nvSpPr>
+          <p:cNvPr id="4" name="Date Placeholder 3"/>
+          <p:cNvSpPr>
+            <a:spLocks noGrp="1"/>
+          </p:cNvSpPr>
+          <p:nvPr>
+            <p:ph type="dt" sz="half" idx="10"/>
+          </p:nvPr>
+        </p:nvSpPr>
+        <p:spPr/>
+        <p:txBody>
+          <a:bodyPr/>
+          <a:lstStyle/>
+          <a:p>
+            <a:fld id="{384ADABB-861A-4BBF-A5B9-A9C896D1CE01}" type="datetimeFigureOut">
+              <a:rPr lang="en-IN" smtClean="0"/>
+              <a:t>24-03-2016</a:t>
+            </a:fld>
+            <a:endParaRPr lang="en-IN"/>
+          </a:p>
+        </p:txBody>
+      </p:sp>
+      <p:sp>
+        <p:nvSpPr>
+          <p:cNvPr id="5" name="Footer Placeholder 4"/>
+          <p:cNvSpPr>
+            <a:spLocks noGrp="1"/>
+          </p:cNvSpPr>
+          <p:nvPr>
+            <p:ph type="ftr" sz="quarter" idx="11"/>
+          </p:nvPr>
+        </p:nvSpPr>
+        <p:spPr/>
+        <p:txBody>
+          <a:bodyPr/>
+          <a:lstStyle/>
+          <a:p>
+            <a:endParaRPr lang="en-IN"/>
+          </a:p>
+        </p:txBody>
+      </p:sp>
+      <p:sp>
+        <p:nvSpPr>
+          <p:cNvPr id="6" name="Slide Number Placeholder 5"/>
+          <p:cNvSpPr>
+            <a:spLocks noGrp="1"/>
+          </p:cNvSpPr>
+          <p:nvPr>
+            <p:ph type="sldNum" sz="quarter" idx="12"/>
+          </p:nvPr>
+        </p:nvSpPr>
+        <p:spPr/>
+        <p:txBody>
+          <a:bodyPr/>
+          <a:lstStyle/>
+          <a:p>
+            <a:fld id="{064D6593-9C74-4648-9989-9ED2332FD1DD}" type="slidenum">
+              <a:rPr lang="en-IN" smtClean="0"/>
+              <a:t>‹#›</a:t>
+            </a:fld>
+            <a:endParaRPr lang="en-IN"/>
+          </a:p>
+        </p:txBody>
+      </p:sp>
+    </p:spTree>
+  </p:cSld>
+  <p:clrMapOvr>
+    <a:masterClrMapping/>
+  </p:clrMapOvr>
+</p:sldLayout>
+</file>
+
+<file path=ppt/slideLayouts/slideLayout35.xml><?xml version="1.0" encoding="utf-8"?>
+<p:sldLayout xmlns:a="http://schemas.openxmlformats.org/drawingml/2006/main" xmlns:r="http://schemas.openxmlformats.org/officeDocument/2006/relationships" xmlns:p="http://schemas.openxmlformats.org/presentationml/2006/main" showMasterSp="0" type="vertTitleAndTx" preserve="1">
+  <p:cSld name="Vertical Title and Text">
+    <p:spTree>
+      <p:nvGrpSpPr>
+        <p:cNvPr id="1" name=""/>
+        <p:cNvGrpSpPr/>
+        <p:nvPr/>
+      </p:nvGrpSpPr>
+      <p:grpSpPr>
+        <a:xfrm>
+          <a:off x="0" y="0"/>
+          <a:ext cx="0" cy="0"/>
+          <a:chOff x="0" y="0"/>
+          <a:chExt cx="0" cy="0"/>
+        </a:xfrm>
+      </p:grpSpPr>
+      <p:cxnSp>
+        <p:nvCxnSpPr>
+          <p:cNvPr id="9" name="Straight Connector 8"/>
+          <p:cNvCxnSpPr/>
+          <p:nvPr/>
+        </p:nvCxnSpPr>
+        <p:spPr>
+          <a:xfrm rot="5400000">
+            <a:off x="4267200" y="3429000"/>
+            <a:ext cx="6858000" cy="1588"/>
+          </a:xfrm>
+          <a:prstGeom prst="line">
+            <a:avLst/>
+          </a:prstGeom>
+          <a:ln w="12700">
+            <a:solidFill>
+              <a:schemeClr val="tx2">
+                <a:lumMod val="75000"/>
+              </a:schemeClr>
+            </a:solidFill>
+          </a:ln>
+        </p:spPr>
+        <p:style>
+          <a:lnRef idx="1">
+            <a:schemeClr val="accent1"/>
+          </a:lnRef>
+          <a:fillRef idx="0">
+            <a:schemeClr val="accent1"/>
+          </a:fillRef>
+          <a:effectRef idx="0">
+            <a:schemeClr val="accent1"/>
+          </a:effectRef>
+          <a:fontRef idx="minor">
+            <a:schemeClr val="tx1"/>
+          </a:fontRef>
+        </p:style>
+      </p:cxnSp>
+      <p:sp>
+        <p:nvSpPr>
+          <p:cNvPr id="7" name="Rectangle 6"/>
+          <p:cNvSpPr/>
+          <p:nvPr/>
+        </p:nvSpPr>
+        <p:spPr bwMode="hidden">
+          <a:xfrm>
+            <a:off x="0" y="1"/>
+            <a:ext cx="7696200" cy="6858000"/>
+          </a:xfrm>
+          <a:prstGeom prst="rect">
+            <a:avLst/>
+          </a:prstGeom>
+          <a:solidFill>
+            <a:schemeClr val="bg1"/>
+          </a:solidFill>
+          <a:ln>
+            <a:noFill/>
+          </a:ln>
+        </p:spPr>
+        <p:style>
+          <a:lnRef idx="2">
+            <a:schemeClr val="accent1">
+              <a:shade val="50000"/>
+            </a:schemeClr>
+          </a:lnRef>
+          <a:fillRef idx="1">
+            <a:schemeClr val="accent1"/>
+          </a:fillRef>
+          <a:effectRef idx="0">
+            <a:schemeClr val="accent1"/>
+          </a:effectRef>
+          <a:fontRef idx="minor">
+            <a:schemeClr val="lt1"/>
+          </a:fontRef>
+        </p:style>
+        <p:txBody>
+          <a:bodyPr rtlCol="0" anchor="ctr"/>
+          <a:lstStyle/>
+          <a:p>
+            <a:pPr algn="ctr"/>
+            <a:endParaRPr lang="en-US"/>
+          </a:p>
+        </p:txBody>
+      </p:sp>
+      <p:sp>
+        <p:nvSpPr>
+          <p:cNvPr id="3" name="Vertical Text Placeholder 2"/>
+          <p:cNvSpPr>
+            <a:spLocks noGrp="1"/>
+          </p:cNvSpPr>
+          <p:nvPr>
+            <p:ph type="body" orient="vert" idx="1"/>
+          </p:nvPr>
+        </p:nvSpPr>
+        <p:spPr>
+          <a:xfrm>
+            <a:off x="457200" y="914401"/>
+            <a:ext cx="6629400" cy="5029200"/>
+          </a:xfrm>
+        </p:spPr>
+        <p:txBody>
+          <a:bodyPr vert="eaVert"/>
+          <a:lstStyle/>
+          <a:p>
+            <a:pPr lvl="0"/>
+            <a:r>
+              <a:rPr lang="en-US" smtClean="0"/>
+              <a:t>Click to edit Master text styles</a:t>
+            </a:r>
+          </a:p>
+          <a:p>
+            <a:pPr lvl="1"/>
+            <a:r>
+              <a:rPr lang="en-US" smtClean="0"/>
+              <a:t>Second level</a:t>
+            </a:r>
+          </a:p>
+          <a:p>
+            <a:pPr lvl="2"/>
+            <a:r>
+              <a:rPr lang="en-US" smtClean="0"/>
+              <a:t>Third level</a:t>
+            </a:r>
+          </a:p>
+          <a:p>
+            <a:pPr lvl="3"/>
+            <a:r>
+              <a:rPr lang="en-US" smtClean="0"/>
+              <a:t>Fourth level</a:t>
+            </a:r>
+          </a:p>
+          <a:p>
+            <a:pPr lvl="4"/>
+            <a:r>
+              <a:rPr lang="en-US" smtClean="0"/>
+              <a:t>Fifth level</a:t>
+            </a:r>
+            <a:endParaRPr lang="en-US"/>
+          </a:p>
+        </p:txBody>
+      </p:sp>
+      <p:sp>
+        <p:nvSpPr>
+          <p:cNvPr id="4" name="Date Placeholder 3"/>
+          <p:cNvSpPr>
+            <a:spLocks noGrp="1"/>
+          </p:cNvSpPr>
+          <p:nvPr>
+            <p:ph type="dt" sz="half" idx="10"/>
+          </p:nvPr>
+        </p:nvSpPr>
+        <p:spPr/>
+        <p:txBody>
+          <a:bodyPr/>
+          <a:lstStyle/>
+          <a:p>
+            <a:fld id="{384ADABB-861A-4BBF-A5B9-A9C896D1CE01}" type="datetimeFigureOut">
+              <a:rPr lang="en-IN" smtClean="0"/>
+              <a:t>24-03-2016</a:t>
+            </a:fld>
+            <a:endParaRPr lang="en-IN"/>
+          </a:p>
+        </p:txBody>
+      </p:sp>
+      <p:sp>
+        <p:nvSpPr>
+          <p:cNvPr id="5" name="Footer Placeholder 4"/>
+          <p:cNvSpPr>
+            <a:spLocks noGrp="1"/>
+          </p:cNvSpPr>
+          <p:nvPr>
+            <p:ph type="ftr" sz="quarter" idx="11"/>
+          </p:nvPr>
+        </p:nvSpPr>
+        <p:spPr/>
+        <p:txBody>
+          <a:bodyPr/>
+          <a:lstStyle/>
+          <a:p>
+            <a:endParaRPr lang="en-IN"/>
+          </a:p>
+        </p:txBody>
+      </p:sp>
+      <p:sp>
+        <p:nvSpPr>
+          <p:cNvPr id="6" name="Slide Number Placeholder 5"/>
+          <p:cNvSpPr>
+            <a:spLocks noGrp="1"/>
+          </p:cNvSpPr>
+          <p:nvPr>
+            <p:ph type="sldNum" sz="quarter" idx="12"/>
+          </p:nvPr>
+        </p:nvSpPr>
+        <p:spPr/>
+        <p:txBody>
+          <a:bodyPr/>
+          <a:lstStyle/>
+          <a:p>
+            <a:fld id="{064D6593-9C74-4648-9989-9ED2332FD1DD}" type="slidenum">
+              <a:rPr lang="en-IN" smtClean="0"/>
+              <a:t>‹#›</a:t>
+            </a:fld>
+            <a:endParaRPr lang="en-IN"/>
+          </a:p>
+        </p:txBody>
+      </p:sp>
+      <p:sp>
+        <p:nvSpPr>
+          <p:cNvPr id="2" name="Vertical Title 1"/>
+          <p:cNvSpPr>
+            <a:spLocks noGrp="1"/>
+          </p:cNvSpPr>
+          <p:nvPr>
+            <p:ph type="title" orient="vert"/>
+          </p:nvPr>
+        </p:nvSpPr>
+        <p:spPr>
+          <a:xfrm>
+            <a:off x="7239000" y="914401"/>
+            <a:ext cx="926980" cy="5029200"/>
+          </a:xfrm>
+        </p:spPr>
+        <p:txBody>
+          <a:bodyPr vert="eaVert"/>
+          <a:lstStyle/>
+          <a:p>
+            <a:r>
+              <a:rPr lang="en-US" smtClean="0"/>
+              <a:t>Click to edit Master title style</a:t>
+            </a:r>
+            <a:endParaRPr lang="en-US"/>
+          </a:p>
+        </p:txBody>
+      </p:sp>
+    </p:spTree>
   </p:cSld>
   <p:clrMapOvr>
     <a:masterClrMapping/>
@@ -6346,7 +9322,7 @@
           <p:nvPr/>
         </p:nvPicPr>
         <p:blipFill>
-          <a:blip r:embed="rId3">
+          <a:blip r:embed="rId4">
             <a:extLst>
               <a:ext uri="{28A0092B-C50C-407E-A947-70E740481C1C}">
                 <a14:useLocalDpi xmlns:a14="http://schemas.microsoft.com/office/drawing/2010/main" val="0"/>
@@ -6867,6 +9843,7 @@
   <p:clrMap bg1="lt1" tx1="dk1" bg2="lt2" tx2="dk2" accent1="accent1" accent2="accent2" accent3="accent3" accent4="accent4" accent5="accent5" accent6="accent6" hlink="hlink" folHlink="folHlink"/>
   <p:sldLayoutIdLst>
     <p:sldLayoutId id="2147483701" r:id="rId1"/>
+    <p:sldLayoutId id="2147483726" r:id="rId2"/>
   </p:sldLayoutIdLst>
   <p:txStyles>
     <p:titleStyle>
@@ -7265,6 +10242,658 @@
 </p:sldMaster>
 </file>
 
+<file path=ppt/slideMasters/slideMaster4.xml><?xml version="1.0" encoding="utf-8"?>
+<p:sldMaster xmlns:a="http://schemas.openxmlformats.org/drawingml/2006/main" xmlns:r="http://schemas.openxmlformats.org/officeDocument/2006/relationships" xmlns:p="http://schemas.openxmlformats.org/presentationml/2006/main">
+  <p:cSld>
+    <p:bg>
+      <p:bgRef idx="1002">
+        <a:schemeClr val="bg1"/>
+      </p:bgRef>
+    </p:bg>
+    <p:spTree>
+      <p:nvGrpSpPr>
+        <p:cNvPr id="1" name=""/>
+        <p:cNvGrpSpPr/>
+        <p:nvPr/>
+      </p:nvGrpSpPr>
+      <p:grpSpPr>
+        <a:xfrm>
+          <a:off x="0" y="0"/>
+          <a:ext cx="0" cy="0"/>
+          <a:chOff x="0" y="0"/>
+          <a:chExt cx="0" cy="0"/>
+        </a:xfrm>
+      </p:grpSpPr>
+      <p:sp>
+        <p:nvSpPr>
+          <p:cNvPr id="8" name="Rectangle 7"/>
+          <p:cNvSpPr/>
+          <p:nvPr/>
+        </p:nvSpPr>
+        <p:spPr bwMode="hidden">
+          <a:xfrm>
+            <a:off x="0" y="1335973"/>
+            <a:ext cx="9144000" cy="5522027"/>
+          </a:xfrm>
+          <a:prstGeom prst="rect">
+            <a:avLst/>
+          </a:prstGeom>
+          <a:solidFill>
+            <a:schemeClr val="bg1"/>
+          </a:solidFill>
+          <a:ln>
+            <a:noFill/>
+          </a:ln>
+        </p:spPr>
+        <p:style>
+          <a:lnRef idx="2">
+            <a:schemeClr val="accent1">
+              <a:shade val="50000"/>
+            </a:schemeClr>
+          </a:lnRef>
+          <a:fillRef idx="1">
+            <a:schemeClr val="accent1"/>
+          </a:fillRef>
+          <a:effectRef idx="0">
+            <a:schemeClr val="accent1"/>
+          </a:effectRef>
+          <a:fontRef idx="minor">
+            <a:schemeClr val="lt1"/>
+          </a:fontRef>
+        </p:style>
+        <p:txBody>
+          <a:bodyPr rtlCol="0" anchor="ctr"/>
+          <a:lstStyle/>
+          <a:p>
+            <a:pPr algn="ctr"/>
+            <a:endParaRPr lang="en-US"/>
+          </a:p>
+        </p:txBody>
+      </p:sp>
+      <p:sp>
+        <p:nvSpPr>
+          <p:cNvPr id="3" name="Text Placeholder 2"/>
+          <p:cNvSpPr>
+            <a:spLocks noGrp="1"/>
+          </p:cNvSpPr>
+          <p:nvPr>
+            <p:ph type="body" idx="1"/>
+          </p:nvPr>
+        </p:nvSpPr>
+        <p:spPr>
+          <a:xfrm>
+            <a:off x="457200" y="2019301"/>
+            <a:ext cx="8229600" cy="4117340"/>
+          </a:xfrm>
+          <a:prstGeom prst="rect">
+            <a:avLst/>
+          </a:prstGeom>
+        </p:spPr>
+        <p:txBody>
+          <a:bodyPr vert="horz" lIns="91440" tIns="45720" rIns="91440" bIns="45720" rtlCol="0">
+            <a:normAutofit/>
+          </a:bodyPr>
+          <a:lstStyle/>
+          <a:p>
+            <a:pPr lvl="0"/>
+            <a:r>
+              <a:rPr lang="en-US" smtClean="0"/>
+              <a:t>Click to edit Master text styles</a:t>
+            </a:r>
+          </a:p>
+          <a:p>
+            <a:pPr lvl="1"/>
+            <a:r>
+              <a:rPr lang="en-US" smtClean="0"/>
+              <a:t>Second level</a:t>
+            </a:r>
+          </a:p>
+          <a:p>
+            <a:pPr lvl="2"/>
+            <a:r>
+              <a:rPr lang="en-US" smtClean="0"/>
+              <a:t>Third level</a:t>
+            </a:r>
+          </a:p>
+          <a:p>
+            <a:pPr lvl="3"/>
+            <a:r>
+              <a:rPr lang="en-US" smtClean="0"/>
+              <a:t>Fourth level</a:t>
+            </a:r>
+          </a:p>
+          <a:p>
+            <a:pPr lvl="4"/>
+            <a:r>
+              <a:rPr lang="en-US" smtClean="0"/>
+              <a:t>Fifth level</a:t>
+            </a:r>
+            <a:endParaRPr lang="en-US" dirty="0"/>
+          </a:p>
+        </p:txBody>
+      </p:sp>
+      <p:sp>
+        <p:nvSpPr>
+          <p:cNvPr id="4" name="Date Placeholder 3"/>
+          <p:cNvSpPr>
+            <a:spLocks noGrp="1"/>
+          </p:cNvSpPr>
+          <p:nvPr>
+            <p:ph type="dt" sz="half" idx="2"/>
+          </p:nvPr>
+        </p:nvSpPr>
+        <p:spPr>
+          <a:xfrm>
+            <a:off x="2981325" y="273180"/>
+            <a:ext cx="3181350" cy="292100"/>
+          </a:xfrm>
+          <a:prstGeom prst="rect">
+            <a:avLst/>
+          </a:prstGeom>
+        </p:spPr>
+        <p:txBody>
+          <a:bodyPr vert="horz" lIns="91440" tIns="45720" rIns="91440" bIns="45720" rtlCol="0" anchor="ctr">
+            <a:noAutofit/>
+          </a:bodyPr>
+          <a:lstStyle>
+            <a:lvl1pPr algn="ctr">
+              <a:defRPr sz="1200" b="0" cap="all" spc="300" baseline="0">
+                <a:solidFill>
+                  <a:schemeClr val="tx1"/>
+                </a:solidFill>
+              </a:defRPr>
+            </a:lvl1pPr>
+          </a:lstStyle>
+          <a:p>
+            <a:fld id="{87367800-479D-41B0-B3F2-2DCE95BA1381}" type="datetime4">
+              <a:rPr lang="en-US" smtClean="0"/>
+              <a:pPr/>
+              <a:t>March 24, 2016</a:t>
+            </a:fld>
+            <a:endParaRPr lang="en-US" dirty="0"/>
+          </a:p>
+        </p:txBody>
+      </p:sp>
+      <p:sp>
+        <p:nvSpPr>
+          <p:cNvPr id="5" name="Footer Placeholder 4"/>
+          <p:cNvSpPr>
+            <a:spLocks noGrp="1"/>
+          </p:cNvSpPr>
+          <p:nvPr>
+            <p:ph type="ftr" sz="quarter" idx="3"/>
+          </p:nvPr>
+        </p:nvSpPr>
+        <p:spPr>
+          <a:xfrm>
+            <a:off x="1447800" y="6486525"/>
+            <a:ext cx="6248400" cy="292100"/>
+          </a:xfrm>
+          <a:prstGeom prst="rect">
+            <a:avLst/>
+          </a:prstGeom>
+        </p:spPr>
+        <p:txBody>
+          <a:bodyPr vert="horz" lIns="91440" tIns="45720" rIns="91440" bIns="45720" rtlCol="0" anchor="ctr">
+            <a:normAutofit/>
+          </a:bodyPr>
+          <a:lstStyle>
+            <a:lvl1pPr algn="ctr">
+              <a:defRPr sz="1100" b="0" cap="all" spc="300" baseline="0">
+                <a:solidFill>
+                  <a:schemeClr val="tx1"/>
+                </a:solidFill>
+              </a:defRPr>
+            </a:lvl1pPr>
+          </a:lstStyle>
+          <a:p>
+            <a:endParaRPr lang="en-US" dirty="0"/>
+          </a:p>
+        </p:txBody>
+      </p:sp>
+      <p:sp>
+        <p:nvSpPr>
+          <p:cNvPr id="6" name="Slide Number Placeholder 5"/>
+          <p:cNvSpPr>
+            <a:spLocks noGrp="1"/>
+          </p:cNvSpPr>
+          <p:nvPr>
+            <p:ph type="sldNum" sz="quarter" idx="4"/>
+          </p:nvPr>
+        </p:nvSpPr>
+        <p:spPr>
+          <a:xfrm>
+            <a:off x="4038600" y="6172200"/>
+            <a:ext cx="1066800" cy="304800"/>
+          </a:xfrm>
+          <a:prstGeom prst="rect">
+            <a:avLst/>
+          </a:prstGeom>
+          <a:ln>
+            <a:noFill/>
+          </a:ln>
+        </p:spPr>
+        <p:txBody>
+          <a:bodyPr vert="horz" lIns="0" tIns="0" rIns="0" bIns="0" rtlCol="0" anchor="ctr">
+            <a:normAutofit/>
+          </a:bodyPr>
+          <a:lstStyle>
+            <a:lvl1pPr algn="ctr">
+              <a:defRPr sz="1200" b="1">
+                <a:solidFill>
+                  <a:schemeClr val="tx1"/>
+                </a:solidFill>
+              </a:defRPr>
+            </a:lvl1pPr>
+          </a:lstStyle>
+          <a:p>
+            <a:fld id="{5744759D-0EFF-4FB2-9CCE-04E00944F0FE}" type="slidenum">
+              <a:rPr lang="en-US" smtClean="0"/>
+              <a:pPr/>
+              <a:t>‹#›</a:t>
+            </a:fld>
+            <a:endParaRPr lang="en-US" dirty="0"/>
+          </a:p>
+        </p:txBody>
+      </p:sp>
+      <p:cxnSp>
+        <p:nvCxnSpPr>
+          <p:cNvPr id="10" name="Straight Connector 9"/>
+          <p:cNvCxnSpPr/>
+          <p:nvPr/>
+        </p:nvCxnSpPr>
+        <p:spPr>
+          <a:xfrm>
+            <a:off x="0" y="1331436"/>
+            <a:ext cx="9144000" cy="1588"/>
+          </a:xfrm>
+          <a:prstGeom prst="line">
+            <a:avLst/>
+          </a:prstGeom>
+          <a:ln w="12700">
+            <a:solidFill>
+              <a:schemeClr val="tx2">
+                <a:lumMod val="75000"/>
+              </a:schemeClr>
+            </a:solidFill>
+          </a:ln>
+          <a:effectLst/>
+        </p:spPr>
+        <p:style>
+          <a:lnRef idx="1">
+            <a:schemeClr val="accent1"/>
+          </a:lnRef>
+          <a:fillRef idx="0">
+            <a:schemeClr val="accent1"/>
+          </a:fillRef>
+          <a:effectRef idx="0">
+            <a:schemeClr val="accent1"/>
+          </a:effectRef>
+          <a:fontRef idx="minor">
+            <a:schemeClr val="tx1"/>
+          </a:fontRef>
+        </p:style>
+      </p:cxnSp>
+      <p:sp>
+        <p:nvSpPr>
+          <p:cNvPr id="2" name="Title Placeholder 1"/>
+          <p:cNvSpPr>
+            <a:spLocks noGrp="1"/>
+          </p:cNvSpPr>
+          <p:nvPr>
+            <p:ph type="title"/>
+          </p:nvPr>
+        </p:nvSpPr>
+        <p:spPr>
+          <a:xfrm>
+            <a:off x="2514600" y="975360"/>
+            <a:ext cx="4114800" cy="701040"/>
+          </a:xfrm>
+          <a:prstGeom prst="rect">
+            <a:avLst/>
+          </a:prstGeom>
+          <a:solidFill>
+            <a:schemeClr val="tx1"/>
+          </a:solidFill>
+          <a:ln w="76200" cmpd="thinThick">
+            <a:solidFill>
+              <a:schemeClr val="tx1"/>
+            </a:solidFill>
+            <a:miter lim="800000"/>
+          </a:ln>
+        </p:spPr>
+        <p:txBody>
+          <a:bodyPr vert="horz" lIns="91440" tIns="45720" rIns="91440" bIns="45720" rtlCol="0" anchor="ctr" anchorCtr="0">
+            <a:normAutofit/>
+          </a:bodyPr>
+          <a:lstStyle/>
+          <a:p>
+            <a:r>
+              <a:rPr lang="en-US" smtClean="0"/>
+              <a:t>Click to edit Master title style</a:t>
+            </a:r>
+            <a:endParaRPr lang="en-US" dirty="0"/>
+          </a:p>
+        </p:txBody>
+      </p:sp>
+    </p:spTree>
+  </p:cSld>
+  <p:clrMap bg1="dk1" tx1="lt1" bg2="dk2" tx2="lt2" accent1="accent1" accent2="accent2" accent3="accent3" accent4="accent4" accent5="accent5" accent6="accent6" hlink="hlink" folHlink="folHlink"/>
+  <p:sldLayoutIdLst>
+    <p:sldLayoutId id="2147483776" r:id="rId1"/>
+    <p:sldLayoutId id="2147483777" r:id="rId2"/>
+    <p:sldLayoutId id="2147483778" r:id="rId3"/>
+    <p:sldLayoutId id="2147483779" r:id="rId4"/>
+    <p:sldLayoutId id="2147483780" r:id="rId5"/>
+    <p:sldLayoutId id="2147483781" r:id="rId6"/>
+    <p:sldLayoutId id="2147483782" r:id="rId7"/>
+    <p:sldLayoutId id="2147483783" r:id="rId8"/>
+    <p:sldLayoutId id="2147483784" r:id="rId9"/>
+    <p:sldLayoutId id="2147483785" r:id="rId10"/>
+    <p:sldLayoutId id="2147483786" r:id="rId11"/>
+  </p:sldLayoutIdLst>
+  <p:txStyles>
+    <p:titleStyle>
+      <a:lvl1pPr algn="ctr" defTabSz="914400" rtl="0" eaLnBrk="1" latinLnBrk="0" hangingPunct="1">
+        <a:spcBef>
+          <a:spcPts val="400"/>
+        </a:spcBef>
+        <a:buNone/>
+        <a:defRPr sz="1800" b="1" kern="1200" cap="all" spc="0" baseline="0">
+          <a:solidFill>
+            <a:schemeClr val="bg1">
+              <a:lumMod val="75000"/>
+              <a:lumOff val="25000"/>
+            </a:schemeClr>
+          </a:solidFill>
+          <a:effectLst/>
+          <a:latin typeface="+mj-lt"/>
+          <a:ea typeface="+mj-ea"/>
+          <a:cs typeface="Tunga" pitchFamily="2"/>
+        </a:defRPr>
+      </a:lvl1pPr>
+    </p:titleStyle>
+    <p:bodyStyle>
+      <a:lvl1pPr marL="0" indent="0" algn="ctr" defTabSz="914400" rtl="0" eaLnBrk="1" latinLnBrk="0" hangingPunct="1">
+        <a:lnSpc>
+          <a:spcPct val="100000"/>
+        </a:lnSpc>
+        <a:spcBef>
+          <a:spcPts val="600"/>
+        </a:spcBef>
+        <a:spcAft>
+          <a:spcPts val="0"/>
+        </a:spcAft>
+        <a:buClr>
+          <a:schemeClr val="accent1"/>
+        </a:buClr>
+        <a:buFontTx/>
+        <a:buNone/>
+        <a:defRPr sz="2000" b="0" i="0" kern="1200" cap="none" spc="30" baseline="0">
+          <a:solidFill>
+            <a:schemeClr val="tx1"/>
+          </a:solidFill>
+          <a:latin typeface="+mn-lt"/>
+          <a:ea typeface="+mn-ea"/>
+          <a:cs typeface="Tahoma" pitchFamily="34" charset="0"/>
+        </a:defRPr>
+      </a:lvl1pPr>
+      <a:lvl2pPr marL="0" indent="0" algn="ctr" defTabSz="914400" rtl="0" eaLnBrk="1" latinLnBrk="0" hangingPunct="1">
+        <a:lnSpc>
+          <a:spcPct val="100000"/>
+        </a:lnSpc>
+        <a:spcBef>
+          <a:spcPts val="1200"/>
+        </a:spcBef>
+        <a:buClr>
+          <a:schemeClr val="accent1"/>
+        </a:buClr>
+        <a:buFontTx/>
+        <a:buNone/>
+        <a:defRPr sz="1800" kern="1200">
+          <a:solidFill>
+            <a:schemeClr val="tx2"/>
+          </a:solidFill>
+          <a:latin typeface="+mn-lt"/>
+          <a:ea typeface="+mn-ea"/>
+          <a:cs typeface="Tahoma" pitchFamily="34" charset="0"/>
+        </a:defRPr>
+      </a:lvl2pPr>
+      <a:lvl3pPr marL="0" indent="0" algn="ctr" defTabSz="914400" rtl="0" eaLnBrk="1" latinLnBrk="0" hangingPunct="1">
+        <a:lnSpc>
+          <a:spcPct val="100000"/>
+        </a:lnSpc>
+        <a:spcBef>
+          <a:spcPts val="1200"/>
+        </a:spcBef>
+        <a:buClr>
+          <a:schemeClr val="accent1"/>
+        </a:buClr>
+        <a:buFontTx/>
+        <a:buNone/>
+        <a:defRPr sz="1600" kern="1200">
+          <a:solidFill>
+            <a:schemeClr val="tx1"/>
+          </a:solidFill>
+          <a:latin typeface="+mn-lt"/>
+          <a:ea typeface="+mn-ea"/>
+          <a:cs typeface="Tahoma" pitchFamily="34" charset="0"/>
+        </a:defRPr>
+      </a:lvl3pPr>
+      <a:lvl4pPr marL="0" indent="0" algn="ctr" defTabSz="914400" rtl="0" eaLnBrk="1" latinLnBrk="0" hangingPunct="1">
+        <a:lnSpc>
+          <a:spcPct val="100000"/>
+        </a:lnSpc>
+        <a:spcBef>
+          <a:spcPts val="1200"/>
+        </a:spcBef>
+        <a:buClr>
+          <a:schemeClr val="accent1"/>
+        </a:buClr>
+        <a:buFontTx/>
+        <a:buNone/>
+        <a:defRPr sz="1400" kern="1200">
+          <a:solidFill>
+            <a:schemeClr val="tx2"/>
+          </a:solidFill>
+          <a:latin typeface="+mn-lt"/>
+          <a:ea typeface="+mn-ea"/>
+          <a:cs typeface="Tahoma" pitchFamily="34" charset="0"/>
+        </a:defRPr>
+      </a:lvl4pPr>
+      <a:lvl5pPr marL="0" indent="0" algn="ctr" defTabSz="914400" rtl="0" eaLnBrk="1" latinLnBrk="0" hangingPunct="1">
+        <a:lnSpc>
+          <a:spcPct val="100000"/>
+        </a:lnSpc>
+        <a:spcBef>
+          <a:spcPts val="1200"/>
+        </a:spcBef>
+        <a:buClr>
+          <a:schemeClr val="accent1"/>
+        </a:buClr>
+        <a:buFontTx/>
+        <a:buNone/>
+        <a:defRPr sz="1400" kern="1200" baseline="0">
+          <a:solidFill>
+            <a:schemeClr val="tx1"/>
+          </a:solidFill>
+          <a:latin typeface="+mn-lt"/>
+          <a:ea typeface="+mn-ea"/>
+          <a:cs typeface="Tahoma" pitchFamily="34" charset="0"/>
+        </a:defRPr>
+      </a:lvl5pPr>
+      <a:lvl6pPr marL="0" indent="0" algn="ctr" defTabSz="914400" rtl="0" eaLnBrk="1" latinLnBrk="0" hangingPunct="1">
+        <a:lnSpc>
+          <a:spcPct val="100000"/>
+        </a:lnSpc>
+        <a:spcBef>
+          <a:spcPts val="1200"/>
+        </a:spcBef>
+        <a:buFont typeface="Arial" pitchFamily="34" charset="0"/>
+        <a:buNone/>
+        <a:defRPr sz="1400" kern="1200">
+          <a:solidFill>
+            <a:schemeClr val="tx2"/>
+          </a:solidFill>
+          <a:latin typeface="+mn-lt"/>
+          <a:ea typeface="+mn-ea"/>
+          <a:cs typeface="+mn-cs"/>
+        </a:defRPr>
+      </a:lvl6pPr>
+      <a:lvl7pPr marL="0" indent="0" algn="ctr" defTabSz="914400" rtl="0" eaLnBrk="1" latinLnBrk="0" hangingPunct="1">
+        <a:lnSpc>
+          <a:spcPct val="100000"/>
+        </a:lnSpc>
+        <a:spcBef>
+          <a:spcPts val="1200"/>
+        </a:spcBef>
+        <a:buFont typeface="Arial" pitchFamily="34" charset="0"/>
+        <a:buNone/>
+        <a:defRPr sz="1400" kern="1200">
+          <a:solidFill>
+            <a:schemeClr val="tx1"/>
+          </a:solidFill>
+          <a:latin typeface="+mn-lt"/>
+          <a:ea typeface="+mn-ea"/>
+          <a:cs typeface="+mn-cs"/>
+        </a:defRPr>
+      </a:lvl7pPr>
+      <a:lvl8pPr marL="0" indent="0" algn="ctr" defTabSz="914400" rtl="0" eaLnBrk="1" latinLnBrk="0" hangingPunct="1">
+        <a:lnSpc>
+          <a:spcPct val="100000"/>
+        </a:lnSpc>
+        <a:spcBef>
+          <a:spcPts val="1200"/>
+        </a:spcBef>
+        <a:buFont typeface="Arial" pitchFamily="34" charset="0"/>
+        <a:buNone/>
+        <a:defRPr sz="1400" kern="1200">
+          <a:solidFill>
+            <a:schemeClr val="tx2"/>
+          </a:solidFill>
+          <a:latin typeface="+mn-lt"/>
+          <a:ea typeface="+mn-ea"/>
+          <a:cs typeface="+mn-cs"/>
+        </a:defRPr>
+      </a:lvl8pPr>
+      <a:lvl9pPr marL="0" indent="0" algn="ctr" defTabSz="914400" rtl="0" eaLnBrk="1" latinLnBrk="0" hangingPunct="1">
+        <a:lnSpc>
+          <a:spcPct val="100000"/>
+        </a:lnSpc>
+        <a:spcBef>
+          <a:spcPts val="1200"/>
+        </a:spcBef>
+        <a:buFont typeface="Arial" pitchFamily="34" charset="0"/>
+        <a:buNone/>
+        <a:defRPr sz="1400" kern="1200">
+          <a:solidFill>
+            <a:schemeClr val="tx1"/>
+          </a:solidFill>
+          <a:latin typeface="+mn-lt"/>
+          <a:ea typeface="+mn-ea"/>
+          <a:cs typeface="+mn-cs"/>
+        </a:defRPr>
+      </a:lvl9pPr>
+    </p:bodyStyle>
+    <p:otherStyle>
+      <a:defPPr>
+        <a:defRPr lang="en-US"/>
+      </a:defPPr>
+      <a:lvl1pPr marL="0" algn="l" defTabSz="914400" rtl="0" eaLnBrk="1" latinLnBrk="0" hangingPunct="1">
+        <a:defRPr sz="1800" kern="1200">
+          <a:solidFill>
+            <a:schemeClr val="tx1"/>
+          </a:solidFill>
+          <a:latin typeface="+mn-lt"/>
+          <a:ea typeface="+mn-ea"/>
+          <a:cs typeface="+mn-cs"/>
+        </a:defRPr>
+      </a:lvl1pPr>
+      <a:lvl2pPr marL="457200" algn="l" defTabSz="914400" rtl="0" eaLnBrk="1" latinLnBrk="0" hangingPunct="1">
+        <a:defRPr sz="1800" kern="1200">
+          <a:solidFill>
+            <a:schemeClr val="tx1"/>
+          </a:solidFill>
+          <a:latin typeface="+mn-lt"/>
+          <a:ea typeface="+mn-ea"/>
+          <a:cs typeface="+mn-cs"/>
+        </a:defRPr>
+      </a:lvl2pPr>
+      <a:lvl3pPr marL="914400" algn="l" defTabSz="914400" rtl="0" eaLnBrk="1" latinLnBrk="0" hangingPunct="1">
+        <a:defRPr sz="1800" kern="1200">
+          <a:solidFill>
+            <a:schemeClr val="tx1"/>
+          </a:solidFill>
+          <a:latin typeface="+mn-lt"/>
+          <a:ea typeface="+mn-ea"/>
+          <a:cs typeface="+mn-cs"/>
+        </a:defRPr>
+      </a:lvl3pPr>
+      <a:lvl4pPr marL="1371600" algn="l" defTabSz="914400" rtl="0" eaLnBrk="1" latinLnBrk="0" hangingPunct="1">
+        <a:defRPr sz="1800" kern="1200">
+          <a:solidFill>
+            <a:schemeClr val="tx1"/>
+          </a:solidFill>
+          <a:latin typeface="+mn-lt"/>
+          <a:ea typeface="+mn-ea"/>
+          <a:cs typeface="+mn-cs"/>
+        </a:defRPr>
+      </a:lvl4pPr>
+      <a:lvl5pPr marL="1828800" algn="l" defTabSz="914400" rtl="0" eaLnBrk="1" latinLnBrk="0" hangingPunct="1">
+        <a:defRPr sz="1800" kern="1200">
+          <a:solidFill>
+            <a:schemeClr val="tx1"/>
+          </a:solidFill>
+          <a:latin typeface="+mn-lt"/>
+          <a:ea typeface="+mn-ea"/>
+          <a:cs typeface="+mn-cs"/>
+        </a:defRPr>
+      </a:lvl5pPr>
+      <a:lvl6pPr marL="2286000" algn="l" defTabSz="914400" rtl="0" eaLnBrk="1" latinLnBrk="0" hangingPunct="1">
+        <a:defRPr sz="1800" kern="1200">
+          <a:solidFill>
+            <a:schemeClr val="tx1"/>
+          </a:solidFill>
+          <a:latin typeface="+mn-lt"/>
+          <a:ea typeface="+mn-ea"/>
+          <a:cs typeface="+mn-cs"/>
+        </a:defRPr>
+      </a:lvl6pPr>
+      <a:lvl7pPr marL="2743200" algn="l" defTabSz="914400" rtl="0" eaLnBrk="1" latinLnBrk="0" hangingPunct="1">
+        <a:defRPr sz="1800" kern="1200">
+          <a:solidFill>
+            <a:schemeClr val="tx1"/>
+          </a:solidFill>
+          <a:latin typeface="+mn-lt"/>
+          <a:ea typeface="+mn-ea"/>
+          <a:cs typeface="+mn-cs"/>
+        </a:defRPr>
+      </a:lvl7pPr>
+      <a:lvl8pPr marL="3200400" algn="l" defTabSz="914400" rtl="0" eaLnBrk="1" latinLnBrk="0" hangingPunct="1">
+        <a:defRPr sz="1800" kern="1200">
+          <a:solidFill>
+            <a:schemeClr val="tx1"/>
+          </a:solidFill>
+          <a:latin typeface="+mn-lt"/>
+          <a:ea typeface="+mn-ea"/>
+          <a:cs typeface="+mn-cs"/>
+        </a:defRPr>
+      </a:lvl8pPr>
+      <a:lvl9pPr marL="3657600" algn="l" defTabSz="914400" rtl="0" eaLnBrk="1" latinLnBrk="0" hangingPunct="1">
+        <a:defRPr sz="1800" kern="1200">
+          <a:solidFill>
+            <a:schemeClr val="tx1"/>
+          </a:solidFill>
+          <a:latin typeface="+mn-lt"/>
+          <a:ea typeface="+mn-ea"/>
+          <a:cs typeface="+mn-cs"/>
+        </a:defRPr>
+      </a:lvl9pPr>
+    </p:otherStyle>
+  </p:txStyles>
+</p:sldMaster>
+</file>
+
 <file path=ppt/slides/slide1.xml><?xml version="1.0" encoding="utf-8"?>
 <p:sld xmlns:a="http://schemas.openxmlformats.org/drawingml/2006/main" xmlns:r="http://schemas.openxmlformats.org/officeDocument/2006/relationships" xmlns:p="http://schemas.openxmlformats.org/presentationml/2006/main">
   <p:cSld>
@@ -7284,6 +10913,25 @@
       </p:grpSpPr>
       <p:sp>
         <p:nvSpPr>
+          <p:cNvPr id="3" name="Content Placeholder 2"/>
+          <p:cNvSpPr>
+            <a:spLocks noGrp="1"/>
+          </p:cNvSpPr>
+          <p:nvPr>
+            <p:ph sz="quarter" idx="13"/>
+          </p:nvPr>
+        </p:nvSpPr>
+        <p:spPr/>
+        <p:txBody>
+          <a:bodyPr/>
+          <a:lstStyle/>
+          <a:p>
+            <a:endParaRPr lang="en-IN" dirty="0"/>
+          </a:p>
+        </p:txBody>
+      </p:sp>
+      <p:sp>
+        <p:nvSpPr>
           <p:cNvPr id="2" name="Title 1"/>
           <p:cNvSpPr>
             <a:spLocks noGrp="1"/>
@@ -7299,7 +10947,9 @@
           </a:xfrm>
         </p:spPr>
         <p:txBody>
-          <a:bodyPr/>
+          <a:bodyPr>
+            <a:normAutofit fontScale="90000"/>
+          </a:bodyPr>
           <a:lstStyle/>
           <a:p>
             <a:pPr algn="ctr"/>
@@ -7314,25 +10964,6 @@
             <a:br>
               <a:rPr lang="en-IN" dirty="0"/>
             </a:br>
-            <a:endParaRPr lang="en-IN" dirty="0"/>
-          </a:p>
-        </p:txBody>
-      </p:sp>
-      <p:sp>
-        <p:nvSpPr>
-          <p:cNvPr id="3" name="Content Placeholder 2"/>
-          <p:cNvSpPr>
-            <a:spLocks noGrp="1"/>
-          </p:cNvSpPr>
-          <p:nvPr>
-            <p:ph idx="1"/>
-          </p:nvPr>
-        </p:nvSpPr>
-        <p:spPr/>
-        <p:txBody>
-          <a:bodyPr/>
-          <a:lstStyle/>
-          <a:p>
             <a:endParaRPr lang="en-IN" dirty="0"/>
           </a:p>
         </p:txBody>
@@ -7417,7 +11048,7 @@
             <a:spLocks noGrp="1"/>
           </p:cNvSpPr>
           <p:nvPr>
-            <p:ph type="body" idx="1"/>
+            <p:ph type="subTitle" idx="1"/>
           </p:nvPr>
         </p:nvSpPr>
         <p:spPr>
@@ -7427,7 +11058,9 @@
           </a:xfrm>
         </p:spPr>
         <p:txBody>
-          <a:bodyPr/>
+          <a:bodyPr>
+            <a:normAutofit/>
+          </a:bodyPr>
           <a:lstStyle/>
           <a:p>
             <a:pPr algn="r"/>
@@ -7616,6 +11249,40 @@
       </p:sp>
       <p:sp>
         <p:nvSpPr>
+          <p:cNvPr id="3" name="Content Placeholder 2"/>
+          <p:cNvSpPr>
+            <a:spLocks noGrp="1"/>
+          </p:cNvSpPr>
+          <p:nvPr>
+            <p:ph sz="quarter" idx="13"/>
+          </p:nvPr>
+        </p:nvSpPr>
+        <p:spPr>
+          <a:xfrm>
+            <a:off x="609600" y="1524000"/>
+            <a:ext cx="8458200" cy="5029200"/>
+          </a:xfrm>
+        </p:spPr>
+        <p:txBody>
+          <a:bodyPr/>
+          <a:lstStyle/>
+          <a:p>
+            <a:pPr marL="0" indent="0">
+              <a:buNone/>
+            </a:pPr>
+            <a:r>
+              <a:rPr lang="en-US" dirty="0"/>
+              <a:t> </a:t>
+            </a:r>
+            <a:r>
+              <a:rPr lang="en-US" dirty="0" smtClean="0"/>
+              <a:t>  </a:t>
+            </a:r>
+          </a:p>
+        </p:txBody>
+      </p:sp>
+      <p:sp>
+        <p:nvSpPr>
           <p:cNvPr id="2" name="Title 1"/>
           <p:cNvSpPr>
             <a:spLocks noGrp="1"/>
@@ -7626,7 +11293,9 @@
         </p:nvSpPr>
         <p:spPr/>
         <p:txBody>
-          <a:bodyPr/>
+          <a:bodyPr>
+            <a:normAutofit fontScale="90000"/>
+          </a:bodyPr>
           <a:lstStyle/>
           <a:p>
             <a:r>
@@ -7634,40 +11303,6 @@
               <a:t>3 server Configuration</a:t>
             </a:r>
             <a:endParaRPr lang="en-IN" dirty="0"/>
-          </a:p>
-        </p:txBody>
-      </p:sp>
-      <p:sp>
-        <p:nvSpPr>
-          <p:cNvPr id="3" name="Content Placeholder 2"/>
-          <p:cNvSpPr>
-            <a:spLocks noGrp="1"/>
-          </p:cNvSpPr>
-          <p:nvPr>
-            <p:ph idx="1"/>
-          </p:nvPr>
-        </p:nvSpPr>
-        <p:spPr>
-          <a:xfrm>
-            <a:off x="609600" y="1524000"/>
-            <a:ext cx="8458200" cy="5029200"/>
-          </a:xfrm>
-        </p:spPr>
-        <p:txBody>
-          <a:bodyPr/>
-          <a:lstStyle/>
-          <a:p>
-            <a:pPr marL="0" indent="0">
-              <a:buNone/>
-            </a:pPr>
-            <a:r>
-              <a:rPr lang="en-US" dirty="0"/>
-              <a:t> </a:t>
-            </a:r>
-            <a:r>
-              <a:rPr lang="en-US" dirty="0" smtClean="0"/>
-              <a:t>  </a:t>
-            </a:r>
           </a:p>
         </p:txBody>
       </p:sp>
@@ -9021,6 +12656,127 @@
       </p:grpSpPr>
       <p:sp>
         <p:nvSpPr>
+          <p:cNvPr id="3" name="Content Placeholder 2"/>
+          <p:cNvSpPr>
+            <a:spLocks noGrp="1"/>
+          </p:cNvSpPr>
+          <p:nvPr>
+            <p:ph sz="quarter" idx="13"/>
+          </p:nvPr>
+        </p:nvSpPr>
+        <p:spPr>
+          <a:xfrm>
+            <a:off x="762000" y="1524000"/>
+            <a:ext cx="7769225" cy="4800600"/>
+          </a:xfrm>
+        </p:spPr>
+        <p:txBody>
+          <a:bodyPr>
+            <a:normAutofit/>
+          </a:bodyPr>
+          <a:lstStyle/>
+          <a:p>
+            <a:r>
+              <a:rPr lang="en-US" dirty="0" smtClean="0"/>
+              <a:t>This is similar to 2 server configuration where it has </a:t>
+            </a:r>
+            <a:r>
+              <a:rPr lang="en-IN" dirty="0" smtClean="0"/>
+              <a:t>two Ehcache ACTIVE </a:t>
+            </a:r>
+            <a:r>
+              <a:rPr lang="en-IN" dirty="0"/>
+              <a:t>and one </a:t>
+            </a:r>
+            <a:r>
+              <a:rPr lang="en-IN" dirty="0" smtClean="0"/>
+              <a:t>Quartz ACTIVE servers </a:t>
+            </a:r>
+            <a:r>
+              <a:rPr lang="en-IN" dirty="0"/>
+              <a:t>running in </a:t>
+            </a:r>
+            <a:r>
+              <a:rPr lang="en-IN" dirty="0" smtClean="0"/>
+              <a:t>3 machines</a:t>
+            </a:r>
+            <a:r>
+              <a:rPr lang="en-IN" dirty="0"/>
+              <a:t>. </a:t>
+            </a:r>
+            <a:endParaRPr lang="en-IN" dirty="0" smtClean="0"/>
+          </a:p>
+          <a:p>
+            <a:r>
+              <a:rPr lang="en-US" dirty="0" smtClean="0"/>
+              <a:t>Load will be balanced between the two active Ehcache servers and the data is replicated to its MIRROR servers. There is no ACTIVE-ACTIVE data synchronization in Terracotta.</a:t>
+            </a:r>
+            <a:endParaRPr lang="en-IN" dirty="0" smtClean="0"/>
+          </a:p>
+          <a:p>
+            <a:r>
+              <a:rPr lang="en-IN" dirty="0" smtClean="0"/>
+              <a:t>From </a:t>
+            </a:r>
+            <a:r>
+              <a:rPr lang="en-IN" dirty="0"/>
+              <a:t>the above figure, if </a:t>
+            </a:r>
+            <a:r>
+              <a:rPr lang="en-IN" dirty="0" smtClean="0"/>
+              <a:t>Machine 1 </a:t>
+            </a:r>
+            <a:r>
+              <a:rPr lang="en-IN" dirty="0"/>
+              <a:t>fails/goes down where the active Quartz server is running, then the mirror in </a:t>
+            </a:r>
+            <a:r>
+              <a:rPr lang="en-IN" dirty="0" smtClean="0"/>
+              <a:t>Machine 2 instantly </a:t>
+            </a:r>
+            <a:r>
+              <a:rPr lang="en-IN" dirty="0"/>
+              <a:t>takes over and the cluster continues functioning. </a:t>
+            </a:r>
+            <a:endParaRPr lang="en-IN" dirty="0" smtClean="0"/>
+          </a:p>
+          <a:p>
+            <a:r>
+              <a:rPr lang="en-IN" dirty="0" smtClean="0"/>
+              <a:t>In </a:t>
+            </a:r>
+            <a:r>
+              <a:rPr lang="en-IN" dirty="0"/>
+              <a:t>that case, passive/mirror server in </a:t>
+            </a:r>
+            <a:r>
+              <a:rPr lang="en-IN" dirty="0" smtClean="0"/>
+              <a:t>Machine 2 will </a:t>
+            </a:r>
+            <a:r>
+              <a:rPr lang="en-IN" dirty="0"/>
+              <a:t>become active </a:t>
+            </a:r>
+            <a:r>
+              <a:rPr lang="en-IN" dirty="0" smtClean="0"/>
+              <a:t>server.</a:t>
+            </a:r>
+          </a:p>
+          <a:p>
+            <a:r>
+              <a:rPr lang="en-US" dirty="0" smtClean="0"/>
+              <a:t>For example consider </a:t>
+            </a:r>
+            <a:r>
+              <a:rPr lang="en-IN" dirty="0" smtClean="0"/>
+              <a:t>Machine 3 goes down, then Quartz will be running on Machine 1 and other two Ehcache ACTIVE servers will be running on Machine 2.</a:t>
+            </a:r>
+            <a:endParaRPr lang="en-IN" dirty="0"/>
+          </a:p>
+        </p:txBody>
+      </p:sp>
+      <p:sp>
+        <p:nvSpPr>
           <p:cNvPr id="2" name="Title 1"/>
           <p:cNvSpPr>
             <a:spLocks noGrp="1"/>
@@ -9035,145 +12791,6 @@
           <a:lstStyle/>
           <a:p>
             <a:endParaRPr lang="en-IN"/>
-          </a:p>
-        </p:txBody>
-      </p:sp>
-      <p:sp>
-        <p:nvSpPr>
-          <p:cNvPr id="3" name="Content Placeholder 2"/>
-          <p:cNvSpPr>
-            <a:spLocks noGrp="1"/>
-          </p:cNvSpPr>
-          <p:nvPr>
-            <p:ph idx="1"/>
-          </p:nvPr>
-        </p:nvSpPr>
-        <p:spPr>
-          <a:xfrm>
-            <a:off x="762000" y="1524000"/>
-            <a:ext cx="7769225" cy="4800600"/>
-          </a:xfrm>
-        </p:spPr>
-        <p:txBody>
-          <a:bodyPr/>
-          <a:lstStyle/>
-          <a:p>
-            <a:r>
-              <a:rPr lang="en-US" dirty="0" smtClean="0"/>
-              <a:t>This is similar to 2 server configuration where it has </a:t>
-            </a:r>
-            <a:r>
-              <a:rPr lang="en-IN" dirty="0" smtClean="0"/>
-              <a:t>two Ehcache ACTIVE </a:t>
-            </a:r>
-            <a:r>
-              <a:rPr lang="en-IN" dirty="0"/>
-              <a:t>and one </a:t>
-            </a:r>
-            <a:r>
-              <a:rPr lang="en-IN" dirty="0" smtClean="0"/>
-              <a:t>Quartz ACTIVE servers </a:t>
-            </a:r>
-            <a:r>
-              <a:rPr lang="en-IN" dirty="0"/>
-              <a:t>running in </a:t>
-            </a:r>
-            <a:r>
-              <a:rPr lang="en-IN" dirty="0" smtClean="0"/>
-              <a:t>3 machines</a:t>
-            </a:r>
-            <a:r>
-              <a:rPr lang="en-IN" dirty="0"/>
-              <a:t>. </a:t>
-            </a:r>
-            <a:endParaRPr lang="en-IN" dirty="0" smtClean="0"/>
-          </a:p>
-          <a:p>
-            <a:r>
-              <a:rPr lang="en-US" dirty="0" smtClean="0"/>
-              <a:t>Load will be balanced between the two active Ehcache servers and the data is replicated to its MIRROR servers. There is no ACTIVE-ACTIVE data synchronization in Terracotta.</a:t>
-            </a:r>
-            <a:endParaRPr lang="en-IN" dirty="0" smtClean="0"/>
-          </a:p>
-          <a:p>
-            <a:r>
-              <a:rPr lang="en-IN" dirty="0" smtClean="0"/>
-              <a:t>From </a:t>
-            </a:r>
-            <a:r>
-              <a:rPr lang="en-IN" dirty="0"/>
-              <a:t>the above figure, if </a:t>
-            </a:r>
-            <a:r>
-              <a:rPr lang="en-IN" dirty="0" smtClean="0"/>
-              <a:t>Machine 1 </a:t>
-            </a:r>
-            <a:r>
-              <a:rPr lang="en-IN" dirty="0"/>
-              <a:t>fails/goes down where the active Quartz server is running, then the mirror in </a:t>
-            </a:r>
-            <a:r>
-              <a:rPr lang="en-IN" dirty="0" smtClean="0"/>
-              <a:t>Machine 2 instantly </a:t>
-            </a:r>
-            <a:r>
-              <a:rPr lang="en-IN" dirty="0"/>
-              <a:t>takes over and the cluster continues functioning. </a:t>
-            </a:r>
-            <a:endParaRPr lang="en-IN" dirty="0" smtClean="0"/>
-          </a:p>
-          <a:p>
-            <a:r>
-              <a:rPr lang="en-IN" dirty="0" smtClean="0"/>
-              <a:t>In </a:t>
-            </a:r>
-            <a:r>
-              <a:rPr lang="en-IN" dirty="0"/>
-              <a:t>that case, passive/mirror server in </a:t>
-            </a:r>
-            <a:r>
-              <a:rPr lang="en-IN" dirty="0" smtClean="0"/>
-              <a:t>Machine 2 </a:t>
-            </a:r>
-            <a:r>
-              <a:rPr lang="en-IN" dirty="0" smtClean="0"/>
-              <a:t>will </a:t>
-            </a:r>
-            <a:r>
-              <a:rPr lang="en-IN" dirty="0"/>
-              <a:t>become active </a:t>
-            </a:r>
-            <a:r>
-              <a:rPr lang="en-IN" dirty="0" smtClean="0"/>
-              <a:t>server.</a:t>
-            </a:r>
-          </a:p>
-          <a:p>
-            <a:r>
-              <a:rPr lang="en-US" dirty="0" smtClean="0"/>
-              <a:t>For example consider </a:t>
-            </a:r>
-            <a:r>
-              <a:rPr lang="en-IN" dirty="0" smtClean="0"/>
-              <a:t>Machine 3 goes </a:t>
-            </a:r>
-            <a:r>
-              <a:rPr lang="en-IN" dirty="0" smtClean="0"/>
-              <a:t>down, then Quartz will be running on </a:t>
-            </a:r>
-            <a:r>
-              <a:rPr lang="en-IN" dirty="0" smtClean="0"/>
-              <a:t>Machine 1 and </a:t>
-            </a:r>
-            <a:r>
-              <a:rPr lang="en-IN" dirty="0" smtClean="0"/>
-              <a:t>other two Ehcache ACTIVE servers will be running on </a:t>
-            </a:r>
-            <a:r>
-              <a:rPr lang="en-IN" dirty="0" smtClean="0"/>
-              <a:t>Machine 2.</a:t>
-            </a:r>
-            <a:endParaRPr lang="en-IN" dirty="0"/>
           </a:p>
         </p:txBody>
       </p:sp>
@@ -9354,6 +12971,40 @@
       </p:sp>
       <p:sp>
         <p:nvSpPr>
+          <p:cNvPr id="3" name="Content Placeholder 2"/>
+          <p:cNvSpPr>
+            <a:spLocks noGrp="1"/>
+          </p:cNvSpPr>
+          <p:nvPr>
+            <p:ph sz="quarter" idx="13"/>
+          </p:nvPr>
+        </p:nvSpPr>
+        <p:spPr>
+          <a:xfrm>
+            <a:off x="593725" y="1524000"/>
+            <a:ext cx="8500052" cy="4568825"/>
+          </a:xfrm>
+        </p:spPr>
+        <p:txBody>
+          <a:bodyPr/>
+          <a:lstStyle/>
+          <a:p>
+            <a:pPr marL="0" indent="0">
+              <a:buNone/>
+            </a:pPr>
+            <a:r>
+              <a:rPr lang="en-US" dirty="0"/>
+              <a:t> </a:t>
+            </a:r>
+            <a:r>
+              <a:rPr lang="en-US" dirty="0" smtClean="0"/>
+              <a:t>  </a:t>
+            </a:r>
+          </a:p>
+        </p:txBody>
+      </p:sp>
+      <p:sp>
+        <p:nvSpPr>
           <p:cNvPr id="2" name="Title 1"/>
           <p:cNvSpPr>
             <a:spLocks noGrp="1"/>
@@ -9369,7 +13020,9 @@
           </a:xfrm>
         </p:spPr>
         <p:txBody>
-          <a:bodyPr/>
+          <a:bodyPr>
+            <a:normAutofit fontScale="90000"/>
+          </a:bodyPr>
           <a:lstStyle/>
           <a:p>
             <a:r>
@@ -9384,40 +13037,6 @@
               <a:rPr lang="en-IN" sz="3200" b="1" dirty="0"/>
             </a:br>
             <a:endParaRPr lang="en-IN" dirty="0"/>
-          </a:p>
-        </p:txBody>
-      </p:sp>
-      <p:sp>
-        <p:nvSpPr>
-          <p:cNvPr id="3" name="Content Placeholder 2"/>
-          <p:cNvSpPr>
-            <a:spLocks noGrp="1"/>
-          </p:cNvSpPr>
-          <p:nvPr>
-            <p:ph idx="1"/>
-          </p:nvPr>
-        </p:nvSpPr>
-        <p:spPr>
-          <a:xfrm>
-            <a:off x="593725" y="1524000"/>
-            <a:ext cx="8500052" cy="4568825"/>
-          </a:xfrm>
-        </p:spPr>
-        <p:txBody>
-          <a:bodyPr/>
-          <a:lstStyle/>
-          <a:p>
-            <a:pPr marL="0" indent="0">
-              <a:buNone/>
-            </a:pPr>
-            <a:r>
-              <a:rPr lang="en-US" dirty="0"/>
-              <a:t> </a:t>
-            </a:r>
-            <a:r>
-              <a:rPr lang="en-US" dirty="0" smtClean="0"/>
-              <a:t>  </a:t>
-            </a:r>
           </a:p>
         </p:txBody>
       </p:sp>
@@ -11315,6 +14934,95 @@
       </p:grpSpPr>
       <p:sp>
         <p:nvSpPr>
+          <p:cNvPr id="3" name="Content Placeholder 2"/>
+          <p:cNvSpPr>
+            <a:spLocks noGrp="1"/>
+          </p:cNvSpPr>
+          <p:nvPr>
+            <p:ph sz="quarter" idx="13"/>
+          </p:nvPr>
+        </p:nvSpPr>
+        <p:spPr>
+          <a:xfrm>
+            <a:off x="593725" y="1524000"/>
+            <a:ext cx="7769225" cy="4568825"/>
+          </a:xfrm>
+        </p:spPr>
+        <p:txBody>
+          <a:bodyPr>
+            <a:normAutofit/>
+          </a:bodyPr>
+          <a:lstStyle/>
+          <a:p>
+            <a:r>
+              <a:rPr lang="en-US" dirty="0"/>
+              <a:t>This is similar to </a:t>
+            </a:r>
+            <a:r>
+              <a:rPr lang="en-US" dirty="0" smtClean="0"/>
+              <a:t>3 </a:t>
+            </a:r>
+            <a:r>
+              <a:rPr lang="en-US" dirty="0"/>
+              <a:t>server configuration where it has </a:t>
+            </a:r>
+            <a:r>
+              <a:rPr lang="en-IN" dirty="0" smtClean="0"/>
+              <a:t>three </a:t>
+            </a:r>
+            <a:r>
+              <a:rPr lang="en-IN" dirty="0"/>
+              <a:t>Ehcache ACTIVE and one Quartz ACTIVE servers running in 3 machines. </a:t>
+            </a:r>
+            <a:endParaRPr lang="en-IN" dirty="0" smtClean="0"/>
+          </a:p>
+          <a:p>
+            <a:r>
+              <a:rPr lang="en-US" dirty="0" smtClean="0"/>
+              <a:t>Terracotta does not recommend ACTIVE-ACTIVE configuration for Quartz until if the there is a increase in no. of clients.</a:t>
+            </a:r>
+            <a:endParaRPr lang="en-IN" dirty="0" smtClean="0"/>
+          </a:p>
+          <a:p>
+            <a:r>
+              <a:rPr lang="en-US" dirty="0" smtClean="0"/>
+              <a:t>Each ACTIVE servers will have its own PASSIVE/MIRROR servers for failing over and providing high availability of data.</a:t>
+            </a:r>
+            <a:endParaRPr lang="en-IN" dirty="0"/>
+          </a:p>
+          <a:p>
+            <a:r>
+              <a:rPr lang="en-US" dirty="0"/>
+              <a:t>Load will be balanced between the </a:t>
+            </a:r>
+            <a:r>
+              <a:rPr lang="en-US" dirty="0" smtClean="0"/>
+              <a:t>three ACTIVE </a:t>
+            </a:r>
+            <a:r>
+              <a:rPr lang="en-US" dirty="0"/>
+              <a:t>Ehcache servers and the data is replicated to its MIRROR servers. </a:t>
+            </a:r>
+            <a:endParaRPr lang="en-US" dirty="0" smtClean="0"/>
+          </a:p>
+          <a:p>
+            <a:r>
+              <a:rPr lang="en-US" dirty="0" smtClean="0"/>
+              <a:t>Terracotta does not have ACTIVE-ACTIVE </a:t>
+            </a:r>
+            <a:r>
+              <a:rPr lang="en-US" dirty="0"/>
+              <a:t>data synchronization </a:t>
+            </a:r>
+            <a:r>
+              <a:rPr lang="en-US" dirty="0" smtClean="0"/>
+              <a:t>.</a:t>
+            </a:r>
+          </a:p>
+        </p:txBody>
+      </p:sp>
+      <p:sp>
+        <p:nvSpPr>
           <p:cNvPr id="2" name="Title 1"/>
           <p:cNvSpPr>
             <a:spLocks noGrp="1"/>
@@ -11329,93 +15037,6 @@
           <a:lstStyle/>
           <a:p>
             <a:endParaRPr lang="en-IN"/>
-          </a:p>
-        </p:txBody>
-      </p:sp>
-      <p:sp>
-        <p:nvSpPr>
-          <p:cNvPr id="3" name="Content Placeholder 2"/>
-          <p:cNvSpPr>
-            <a:spLocks noGrp="1"/>
-          </p:cNvSpPr>
-          <p:nvPr>
-            <p:ph idx="1"/>
-          </p:nvPr>
-        </p:nvSpPr>
-        <p:spPr>
-          <a:xfrm>
-            <a:off x="593725" y="1524000"/>
-            <a:ext cx="7769225" cy="4568825"/>
-          </a:xfrm>
-        </p:spPr>
-        <p:txBody>
-          <a:bodyPr/>
-          <a:lstStyle/>
-          <a:p>
-            <a:r>
-              <a:rPr lang="en-US" dirty="0"/>
-              <a:t>This is similar to </a:t>
-            </a:r>
-            <a:r>
-              <a:rPr lang="en-US" dirty="0" smtClean="0"/>
-              <a:t>3 </a:t>
-            </a:r>
-            <a:r>
-              <a:rPr lang="en-US" dirty="0"/>
-              <a:t>server configuration where it has </a:t>
-            </a:r>
-            <a:r>
-              <a:rPr lang="en-IN" dirty="0" smtClean="0"/>
-              <a:t>three </a:t>
-            </a:r>
-            <a:r>
-              <a:rPr lang="en-IN" dirty="0"/>
-              <a:t>Ehcache ACTIVE and one Quartz ACTIVE servers running in 3 machines. </a:t>
-            </a:r>
-            <a:endParaRPr lang="en-IN" dirty="0" smtClean="0"/>
-          </a:p>
-          <a:p>
-            <a:r>
-              <a:rPr lang="en-US" dirty="0" smtClean="0"/>
-              <a:t>Terracotta does not recommend ACTIVE-ACTIVE configuration for Quartz until if the there is a increase in no. of clients.</a:t>
-            </a:r>
-            <a:endParaRPr lang="en-IN" dirty="0" smtClean="0"/>
-          </a:p>
-          <a:p>
-            <a:r>
-              <a:rPr lang="en-US" dirty="0" smtClean="0"/>
-              <a:t>Each ACTIVE servers will have its own PASSIVE/MIRROR servers for failing over and providing high availability of data.</a:t>
-            </a:r>
-            <a:endParaRPr lang="en-IN" dirty="0"/>
-          </a:p>
-          <a:p>
-            <a:r>
-              <a:rPr lang="en-US" dirty="0"/>
-              <a:t>Load will be balanced between the </a:t>
-            </a:r>
-            <a:r>
-              <a:rPr lang="en-US" dirty="0" smtClean="0"/>
-              <a:t>three ACTIVE </a:t>
-            </a:r>
-            <a:r>
-              <a:rPr lang="en-US" dirty="0"/>
-              <a:t>Ehcache servers and the data is replicated to its MIRROR servers. </a:t>
-            </a:r>
-            <a:endParaRPr lang="en-US" dirty="0" smtClean="0"/>
-          </a:p>
-          <a:p>
-            <a:r>
-              <a:rPr lang="en-US" dirty="0" smtClean="0"/>
-              <a:t>Terracotta does not have ACTIVE-ACTIVE </a:t>
-            </a:r>
-            <a:r>
-              <a:rPr lang="en-US" dirty="0"/>
-              <a:t>data synchronization </a:t>
-            </a:r>
-            <a:r>
-              <a:rPr lang="en-US" dirty="0" smtClean="0"/>
-              <a:t>.</a:t>
-            </a:r>
           </a:p>
         </p:txBody>
       </p:sp>
@@ -11458,6 +15079,122 @@
       </p:grpSpPr>
       <p:sp>
         <p:nvSpPr>
+          <p:cNvPr id="3" name="Content Placeholder 2"/>
+          <p:cNvSpPr>
+            <a:spLocks noGrp="1"/>
+          </p:cNvSpPr>
+          <p:nvPr>
+            <p:ph sz="quarter" idx="13"/>
+          </p:nvPr>
+        </p:nvSpPr>
+        <p:spPr>
+          <a:xfrm>
+            <a:off x="990600" y="1981200"/>
+            <a:ext cx="6777317" cy="3508977"/>
+          </a:xfrm>
+        </p:spPr>
+        <p:txBody>
+          <a:bodyPr>
+            <a:normAutofit/>
+          </a:bodyPr>
+          <a:lstStyle/>
+          <a:p>
+            <a:r>
+              <a:rPr lang="en-IN" dirty="0"/>
+              <a:t>From the above figure, if </a:t>
+            </a:r>
+            <a:r>
+              <a:rPr lang="en-IN" dirty="0" smtClean="0"/>
+              <a:t>Machine 1 fails/goes </a:t>
+            </a:r>
+            <a:r>
+              <a:rPr lang="en-IN" dirty="0"/>
+              <a:t>down where the </a:t>
+            </a:r>
+            <a:r>
+              <a:rPr lang="en-IN" dirty="0" smtClean="0"/>
+              <a:t>ACTIVE </a:t>
+            </a:r>
+            <a:r>
+              <a:rPr lang="en-IN" dirty="0"/>
+              <a:t>Quartz server is running, then the mirror in </a:t>
+            </a:r>
+            <a:r>
+              <a:rPr lang="en-IN" dirty="0" smtClean="0"/>
+              <a:t>Machine 2 instantly </a:t>
+            </a:r>
+            <a:r>
+              <a:rPr lang="en-IN" dirty="0"/>
+              <a:t>takes over and the cluster continues functioning. </a:t>
+            </a:r>
+          </a:p>
+          <a:p>
+            <a:r>
+              <a:rPr lang="en-IN" dirty="0"/>
+              <a:t>In that case, </a:t>
+            </a:r>
+            <a:r>
+              <a:rPr lang="en-IN" dirty="0" smtClean="0"/>
+              <a:t>PASSIVE/MIRROR </a:t>
+            </a:r>
+            <a:r>
+              <a:rPr lang="en-IN" dirty="0"/>
+              <a:t>server in </a:t>
+            </a:r>
+            <a:r>
+              <a:rPr lang="en-IN" dirty="0" smtClean="0"/>
+              <a:t>Machine 2 will </a:t>
+            </a:r>
+            <a:r>
+              <a:rPr lang="en-IN" dirty="0"/>
+              <a:t>become active server.</a:t>
+            </a:r>
+          </a:p>
+          <a:p>
+            <a:r>
+              <a:rPr lang="en-US" dirty="0"/>
+              <a:t>For example consider </a:t>
+            </a:r>
+            <a:r>
+              <a:rPr lang="en-IN" dirty="0" smtClean="0"/>
+              <a:t>Machine 3 goes </a:t>
+            </a:r>
+            <a:r>
+              <a:rPr lang="en-IN" dirty="0"/>
+              <a:t>down, then Quartz will be running on </a:t>
+            </a:r>
+            <a:r>
+              <a:rPr lang="en-IN" dirty="0" smtClean="0"/>
+              <a:t>Machine 1 and among other three </a:t>
+            </a:r>
+            <a:r>
+              <a:rPr lang="en-IN" dirty="0"/>
+              <a:t>Ehcache ACTIVE servers </a:t>
+            </a:r>
+            <a:r>
+              <a:rPr lang="en-IN" dirty="0" smtClean="0"/>
+              <a:t>, two will </a:t>
+            </a:r>
+            <a:r>
+              <a:rPr lang="en-IN" dirty="0"/>
+              <a:t>be running on </a:t>
+            </a:r>
+            <a:r>
+              <a:rPr lang="en-IN" dirty="0" smtClean="0"/>
+              <a:t>Machine 4 and one in </a:t>
+            </a:r>
+            <a:endParaRPr lang="en-IN" dirty="0"/>
+          </a:p>
+          <a:p>
+            <a:endParaRPr lang="en-IN" dirty="0"/>
+          </a:p>
+          <a:p>
+            <a:endParaRPr lang="en-IN" dirty="0"/>
+          </a:p>
+        </p:txBody>
+      </p:sp>
+      <p:sp>
+        <p:nvSpPr>
           <p:cNvPr id="2" name="Title 1"/>
           <p:cNvSpPr>
             <a:spLocks noGrp="1"/>
@@ -11472,123 +15209,6 @@
           <a:lstStyle/>
           <a:p>
             <a:endParaRPr lang="en-IN"/>
-          </a:p>
-        </p:txBody>
-      </p:sp>
-      <p:sp>
-        <p:nvSpPr>
-          <p:cNvPr id="3" name="Content Placeholder 2"/>
-          <p:cNvSpPr>
-            <a:spLocks noGrp="1"/>
-          </p:cNvSpPr>
-          <p:nvPr>
-            <p:ph idx="1"/>
-          </p:nvPr>
-        </p:nvSpPr>
-        <p:spPr/>
-        <p:txBody>
-          <a:bodyPr/>
-          <a:lstStyle/>
-          <a:p>
-            <a:r>
-              <a:rPr lang="en-IN" dirty="0"/>
-              <a:t>From the above figure, if </a:t>
-            </a:r>
-            <a:r>
-              <a:rPr lang="en-IN" dirty="0" smtClean="0"/>
-              <a:t>Machine 1 fails/goes </a:t>
-            </a:r>
-            <a:r>
-              <a:rPr lang="en-IN" dirty="0"/>
-              <a:t>down where the </a:t>
-            </a:r>
-            <a:r>
-              <a:rPr lang="en-IN" dirty="0" smtClean="0"/>
-              <a:t>ACTIVE </a:t>
-            </a:r>
-            <a:r>
-              <a:rPr lang="en-IN" dirty="0"/>
-              <a:t>Quartz server is running, then the mirror in </a:t>
-            </a:r>
-            <a:r>
-              <a:rPr lang="en-IN" dirty="0" smtClean="0"/>
-              <a:t>Machine 2 instantly </a:t>
-            </a:r>
-            <a:r>
-              <a:rPr lang="en-IN" dirty="0"/>
-              <a:t>takes over and the cluster continues functioning. </a:t>
-            </a:r>
-          </a:p>
-          <a:p>
-            <a:r>
-              <a:rPr lang="en-IN" dirty="0"/>
-              <a:t>In that case, </a:t>
-            </a:r>
-            <a:r>
-              <a:rPr lang="en-IN" dirty="0" smtClean="0"/>
-              <a:t>PASSIVE/MIRROR </a:t>
-            </a:r>
-            <a:r>
-              <a:rPr lang="en-IN" dirty="0"/>
-              <a:t>server in </a:t>
-            </a:r>
-            <a:r>
-              <a:rPr lang="en-IN" dirty="0" smtClean="0"/>
-              <a:t>Machine 2 will </a:t>
-            </a:r>
-            <a:r>
-              <a:rPr lang="en-IN" dirty="0"/>
-              <a:t>become active server.</a:t>
-            </a:r>
-          </a:p>
-          <a:p>
-            <a:r>
-              <a:rPr lang="en-US" dirty="0"/>
-              <a:t>For example consider </a:t>
-            </a:r>
-            <a:r>
-              <a:rPr lang="en-IN" dirty="0" smtClean="0"/>
-              <a:t>Machine 3 goes </a:t>
-            </a:r>
-            <a:r>
-              <a:rPr lang="en-IN" dirty="0"/>
-              <a:t>down, then Quartz will be running on </a:t>
-            </a:r>
-            <a:r>
-              <a:rPr lang="en-IN" dirty="0" smtClean="0"/>
-              <a:t>Machine 1 and </a:t>
-            </a:r>
-            <a:r>
-              <a:rPr lang="en-IN" dirty="0" smtClean="0"/>
-              <a:t>among other three </a:t>
-            </a:r>
-            <a:r>
-              <a:rPr lang="en-IN" dirty="0"/>
-              <a:t>Ehcache ACTIVE servers </a:t>
-            </a:r>
-            <a:r>
-              <a:rPr lang="en-IN" dirty="0" smtClean="0"/>
-              <a:t>, two will </a:t>
-            </a:r>
-            <a:r>
-              <a:rPr lang="en-IN" dirty="0"/>
-              <a:t>be running on </a:t>
-            </a:r>
-            <a:r>
-              <a:rPr lang="en-IN" dirty="0" smtClean="0"/>
-              <a:t>Machine 4 and </a:t>
-            </a:r>
-            <a:r>
-              <a:rPr lang="en-IN" dirty="0" smtClean="0"/>
-              <a:t>one in </a:t>
-            </a:r>
-            <a:endParaRPr lang="en-IN" dirty="0"/>
-          </a:p>
-          <a:p>
-            <a:endParaRPr lang="en-IN" dirty="0"/>
-          </a:p>
-          <a:p>
-            <a:endParaRPr lang="en-IN" dirty="0"/>
           </a:p>
         </p:txBody>
       </p:sp>
@@ -11631,6 +15251,42 @@
       </p:grpSpPr>
       <p:sp>
         <p:nvSpPr>
+          <p:cNvPr id="3" name="Content Placeholder 2"/>
+          <p:cNvSpPr>
+            <a:spLocks noGrp="1"/>
+          </p:cNvSpPr>
+          <p:nvPr>
+            <p:ph sz="quarter" idx="13"/>
+          </p:nvPr>
+        </p:nvSpPr>
+        <p:spPr>
+          <a:xfrm>
+            <a:off x="637667" y="1415964"/>
+            <a:ext cx="7769225" cy="5137236"/>
+          </a:xfrm>
+        </p:spPr>
+        <p:txBody>
+          <a:bodyPr/>
+          <a:lstStyle/>
+          <a:p>
+            <a:r>
+              <a:rPr lang="en-US" b="1" dirty="0" smtClean="0">
+                <a:solidFill>
+                  <a:srgbClr val="002060"/>
+                </a:solidFill>
+              </a:rPr>
+              <a:t>EHCACHE DATA SYNCRONIZATION OF PROD &amp; DR:</a:t>
+            </a:r>
+            <a:endParaRPr lang="en-IN" b="1" dirty="0">
+              <a:solidFill>
+                <a:srgbClr val="002060"/>
+              </a:solidFill>
+            </a:endParaRPr>
+          </a:p>
+        </p:txBody>
+      </p:sp>
+      <p:sp>
+        <p:nvSpPr>
           <p:cNvPr id="2" name="Title 1"/>
           <p:cNvSpPr>
             <a:spLocks noGrp="1"/>
@@ -11641,7 +15297,9 @@
         </p:nvSpPr>
         <p:spPr/>
         <p:txBody>
-          <a:bodyPr/>
+          <a:bodyPr>
+            <a:normAutofit/>
+          </a:bodyPr>
           <a:lstStyle/>
           <a:p>
             <a:r>
@@ -11649,42 +15307,6 @@
               <a:t>Data Replication From PROD to DR</a:t>
             </a:r>
             <a:endParaRPr lang="en-IN" dirty="0"/>
-          </a:p>
-        </p:txBody>
-      </p:sp>
-      <p:sp>
-        <p:nvSpPr>
-          <p:cNvPr id="3" name="Content Placeholder 2"/>
-          <p:cNvSpPr>
-            <a:spLocks noGrp="1"/>
-          </p:cNvSpPr>
-          <p:nvPr>
-            <p:ph idx="1"/>
-          </p:nvPr>
-        </p:nvSpPr>
-        <p:spPr>
-          <a:xfrm>
-            <a:off x="637667" y="1415964"/>
-            <a:ext cx="7769225" cy="5137236"/>
-          </a:xfrm>
-        </p:spPr>
-        <p:txBody>
-          <a:bodyPr/>
-          <a:lstStyle/>
-          <a:p>
-            <a:r>
-              <a:rPr lang="en-US" b="1" dirty="0" smtClean="0">
-                <a:solidFill>
-                  <a:srgbClr val="002060"/>
-                </a:solidFill>
-              </a:rPr>
-              <a:t>EHCACHE DATA SYNCRONIZATION OF PROD &amp; DR:</a:t>
-            </a:r>
-            <a:endParaRPr lang="en-IN" b="1" dirty="0">
-              <a:solidFill>
-                <a:srgbClr val="002060"/>
-              </a:solidFill>
-            </a:endParaRPr>
           </a:p>
         </p:txBody>
       </p:sp>
@@ -13379,6 +17001,122 @@
       </p:grpSpPr>
       <p:sp>
         <p:nvSpPr>
+          <p:cNvPr id="3" name="Content Placeholder 2"/>
+          <p:cNvSpPr>
+            <a:spLocks noGrp="1"/>
+          </p:cNvSpPr>
+          <p:nvPr>
+            <p:ph sz="quarter" idx="13"/>
+          </p:nvPr>
+        </p:nvSpPr>
+        <p:spPr/>
+        <p:txBody>
+          <a:bodyPr>
+            <a:normAutofit/>
+          </a:bodyPr>
+          <a:lstStyle/>
+          <a:p>
+            <a:pPr marL="0" indent="0">
+              <a:buNone/>
+            </a:pPr>
+            <a:r>
+              <a:rPr lang="en-IN" dirty="0" smtClean="0"/>
+              <a:t>For EHCACHE,</a:t>
+            </a:r>
+          </a:p>
+          <a:p>
+            <a:r>
+              <a:rPr lang="en-IN" dirty="0" smtClean="0"/>
+              <a:t>This </a:t>
+            </a:r>
+            <a:r>
+              <a:rPr lang="en-IN" dirty="0"/>
+              <a:t>is provided using the WAN module in Terracotta and configuring WAN module the cached data in Prod is replicated over to DR TSA so that when DR becomes primary server, it </a:t>
+            </a:r>
+            <a:r>
+              <a:rPr lang="en-IN" dirty="0" smtClean="0"/>
+              <a:t>doesn't </a:t>
+            </a:r>
+            <a:r>
+              <a:rPr lang="en-IN" dirty="0"/>
+              <a:t>start up blank. </a:t>
+            </a:r>
+          </a:p>
+          <a:p>
+            <a:r>
+              <a:rPr lang="en-IN" dirty="0"/>
+              <a:t>WAN module is a separate add-on component and it is not included in our Licence key capabilities</a:t>
+            </a:r>
+            <a:r>
+              <a:rPr lang="en-IN" dirty="0" smtClean="0"/>
+              <a:t>.</a:t>
+            </a:r>
+            <a:endParaRPr lang="en-IN" dirty="0"/>
+          </a:p>
+          <a:p>
+            <a:r>
+              <a:rPr lang="en-IN" dirty="0" smtClean="0"/>
+              <a:t>Licence Capabilities</a:t>
+            </a:r>
+            <a:r>
+              <a:rPr lang="en-IN" dirty="0"/>
+              <a:t>: </a:t>
+            </a:r>
+            <a:r>
+              <a:rPr lang="en-IN" dirty="0" smtClean="0"/>
+              <a:t>TMC</a:t>
+            </a:r>
+            <a:r>
+              <a:rPr lang="en-IN" dirty="0"/>
+              <a:t>, authentication, </a:t>
+            </a:r>
+            <a:r>
+              <a:rPr lang="en-IN" dirty="0" err="1"/>
+              <a:t>ehcache</a:t>
+            </a:r>
+            <a:r>
+              <a:rPr lang="en-IN" dirty="0"/>
+              <a:t>, </a:t>
+            </a:r>
+            <a:r>
+              <a:rPr lang="en-IN" dirty="0" err="1"/>
+              <a:t>ehcache</a:t>
+            </a:r>
+            <a:r>
+              <a:rPr lang="en-IN" dirty="0"/>
+              <a:t> </a:t>
+            </a:r>
+            <a:r>
+              <a:rPr lang="en-IN" dirty="0" err="1"/>
+              <a:t>offheap</a:t>
+            </a:r>
+            <a:r>
+              <a:rPr lang="en-IN" dirty="0"/>
+              <a:t>, quartz, quartz where, search, security, server array </a:t>
+            </a:r>
+            <a:r>
+              <a:rPr lang="en-IN" dirty="0" err="1"/>
+              <a:t>offheap</a:t>
+            </a:r>
+            <a:r>
+              <a:rPr lang="en-IN" dirty="0"/>
+              <a:t>, server striping, </a:t>
+            </a:r>
+            <a:r>
+              <a:rPr lang="en-IN" dirty="0" smtClean="0"/>
+              <a:t>sessions.</a:t>
+            </a:r>
+          </a:p>
+          <a:p>
+            <a:pPr marL="0" indent="0">
+              <a:buNone/>
+            </a:pPr>
+            <a:endParaRPr lang="en-IN" dirty="0"/>
+          </a:p>
+        </p:txBody>
+      </p:sp>
+      <p:sp>
+        <p:nvSpPr>
           <p:cNvPr id="2" name="Title 1"/>
           <p:cNvSpPr>
             <a:spLocks noGrp="1"/>
@@ -13393,120 +17131,6 @@
           <a:lstStyle/>
           <a:p>
             <a:endParaRPr lang="en-IN"/>
-          </a:p>
-        </p:txBody>
-      </p:sp>
-      <p:sp>
-        <p:nvSpPr>
-          <p:cNvPr id="3" name="Content Placeholder 2"/>
-          <p:cNvSpPr>
-            <a:spLocks noGrp="1"/>
-          </p:cNvSpPr>
-          <p:nvPr>
-            <p:ph idx="1"/>
-          </p:nvPr>
-        </p:nvSpPr>
-        <p:spPr/>
-        <p:txBody>
-          <a:bodyPr/>
-          <a:lstStyle/>
-          <a:p>
-            <a:pPr marL="0" indent="0">
-              <a:buNone/>
-            </a:pPr>
-            <a:r>
-              <a:rPr lang="en-IN" dirty="0" smtClean="0"/>
-              <a:t>For EHCACHE,</a:t>
-            </a:r>
-          </a:p>
-          <a:p>
-            <a:r>
-              <a:rPr lang="en-IN" dirty="0" smtClean="0"/>
-              <a:t>This </a:t>
-            </a:r>
-            <a:r>
-              <a:rPr lang="en-IN" dirty="0"/>
-              <a:t>is provided using the WAN module in Terracotta and configuring WAN module the cached data in Prod is replicated over to DR TSA so that when DR becomes primary server, it </a:t>
-            </a:r>
-            <a:r>
-              <a:rPr lang="en-IN" dirty="0" smtClean="0"/>
-              <a:t>doesn't </a:t>
-            </a:r>
-            <a:r>
-              <a:rPr lang="en-IN" dirty="0"/>
-              <a:t>start up blank. </a:t>
-            </a:r>
-          </a:p>
-          <a:p>
-            <a:r>
-              <a:rPr lang="en-IN" dirty="0"/>
-              <a:t>WAN module is a separate add-on component and it is not included in our Licence key capabilities</a:t>
-            </a:r>
-            <a:r>
-              <a:rPr lang="en-IN" dirty="0" smtClean="0"/>
-              <a:t>.</a:t>
-            </a:r>
-            <a:endParaRPr lang="en-IN" dirty="0"/>
-          </a:p>
-          <a:p>
-            <a:r>
-              <a:rPr lang="en-IN" dirty="0" smtClean="0"/>
-              <a:t>Licence Capabilities</a:t>
-            </a:r>
-            <a:r>
-              <a:rPr lang="en-IN" dirty="0"/>
-              <a:t>: </a:t>
-            </a:r>
-            <a:r>
-              <a:rPr lang="en-IN" dirty="0" smtClean="0"/>
-              <a:t>TMC</a:t>
-            </a:r>
-            <a:r>
-              <a:rPr lang="en-IN" dirty="0"/>
-              <a:t>, authentication, </a:t>
-            </a:r>
-            <a:r>
-              <a:rPr lang="en-IN" dirty="0" err="1"/>
-              <a:t>ehcache</a:t>
-            </a:r>
-            <a:r>
-              <a:rPr lang="en-IN" dirty="0"/>
-              <a:t>, </a:t>
-            </a:r>
-            <a:r>
-              <a:rPr lang="en-IN" dirty="0" err="1"/>
-              <a:t>ehcache</a:t>
-            </a:r>
-            <a:r>
-              <a:rPr lang="en-IN" dirty="0"/>
-              <a:t> </a:t>
-            </a:r>
-            <a:r>
-              <a:rPr lang="en-IN" dirty="0" err="1"/>
-              <a:t>offheap</a:t>
-            </a:r>
-            <a:r>
-              <a:rPr lang="en-IN" dirty="0"/>
-              <a:t>, quartz, quartz where, search, security, server array </a:t>
-            </a:r>
-            <a:r>
-              <a:rPr lang="en-IN" dirty="0" err="1"/>
-              <a:t>offheap</a:t>
-            </a:r>
-            <a:r>
-              <a:rPr lang="en-IN" dirty="0"/>
-              <a:t>, server striping, </a:t>
-            </a:r>
-            <a:r>
-              <a:rPr lang="en-IN" dirty="0" smtClean="0"/>
-              <a:t>sessions.</a:t>
-            </a:r>
-          </a:p>
-          <a:p>
-            <a:pPr marL="0" indent="0">
-              <a:buNone/>
-            </a:pPr>
-            <a:endParaRPr lang="en-IN" dirty="0"/>
           </a:p>
         </p:txBody>
       </p:sp>
@@ -13618,6 +17242,83 @@
       </p:sp>
       <p:sp>
         <p:nvSpPr>
+          <p:cNvPr id="3" name="Content Placeholder 2"/>
+          <p:cNvSpPr>
+            <a:spLocks noGrp="1"/>
+          </p:cNvSpPr>
+          <p:nvPr>
+            <p:ph sz="quarter" idx="13"/>
+          </p:nvPr>
+        </p:nvSpPr>
+        <p:spPr>
+          <a:xfrm>
+            <a:off x="593725" y="2019300"/>
+            <a:ext cx="8169275" cy="4457700"/>
+          </a:xfrm>
+        </p:spPr>
+        <p:txBody>
+          <a:bodyPr/>
+          <a:lstStyle/>
+          <a:p>
+            <a:r>
+              <a:rPr lang="en-US" b="1" dirty="0" smtClean="0">
+                <a:solidFill>
+                  <a:srgbClr val="002060"/>
+                </a:solidFill>
+              </a:rPr>
+              <a:t>QUARTZ </a:t>
+            </a:r>
+            <a:r>
+              <a:rPr lang="en-US" b="1" dirty="0">
+                <a:solidFill>
+                  <a:srgbClr val="002060"/>
+                </a:solidFill>
+              </a:rPr>
+              <a:t>DATA SYNCRONIZATION OF PROD &amp; DR</a:t>
+            </a:r>
+            <a:r>
+              <a:rPr lang="en-US" b="1" dirty="0" smtClean="0">
+                <a:solidFill>
+                  <a:srgbClr val="002060"/>
+                </a:solidFill>
+              </a:rPr>
+              <a:t>:</a:t>
+            </a:r>
+          </a:p>
+          <a:p>
+            <a:endParaRPr lang="en-US" b="1" dirty="0">
+              <a:solidFill>
+                <a:srgbClr val="002060"/>
+              </a:solidFill>
+            </a:endParaRPr>
+          </a:p>
+          <a:p>
+            <a:pPr marL="0" indent="0">
+              <a:buNone/>
+            </a:pPr>
+            <a:endParaRPr lang="en-US" b="1" dirty="0" smtClean="0">
+              <a:solidFill>
+                <a:srgbClr val="002060"/>
+              </a:solidFill>
+            </a:endParaRPr>
+          </a:p>
+          <a:p>
+            <a:pPr marL="0" indent="0">
+              <a:buNone/>
+            </a:pPr>
+            <a:endParaRPr lang="en-IN" b="1" dirty="0">
+              <a:solidFill>
+                <a:srgbClr val="002060"/>
+              </a:solidFill>
+            </a:endParaRPr>
+          </a:p>
+          <a:p>
+            <a:endParaRPr lang="en-IN" dirty="0"/>
+          </a:p>
+        </p:txBody>
+      </p:sp>
+      <p:sp>
+        <p:nvSpPr>
           <p:cNvPr id="2" name="Title 1"/>
           <p:cNvSpPr>
             <a:spLocks noGrp="1"/>
@@ -13630,83 +17331,6 @@
         <p:txBody>
           <a:bodyPr/>
           <a:lstStyle/>
-          <a:p>
-            <a:endParaRPr lang="en-IN" dirty="0"/>
-          </a:p>
-        </p:txBody>
-      </p:sp>
-      <p:sp>
-        <p:nvSpPr>
-          <p:cNvPr id="3" name="Content Placeholder 2"/>
-          <p:cNvSpPr>
-            <a:spLocks noGrp="1"/>
-          </p:cNvSpPr>
-          <p:nvPr>
-            <p:ph idx="1"/>
-          </p:nvPr>
-        </p:nvSpPr>
-        <p:spPr>
-          <a:xfrm>
-            <a:off x="593725" y="2019300"/>
-            <a:ext cx="8169275" cy="4457700"/>
-          </a:xfrm>
-        </p:spPr>
-        <p:txBody>
-          <a:bodyPr/>
-          <a:lstStyle/>
-          <a:p>
-            <a:r>
-              <a:rPr lang="en-US" b="1" dirty="0" smtClean="0">
-                <a:solidFill>
-                  <a:srgbClr val="002060"/>
-                </a:solidFill>
-              </a:rPr>
-              <a:t>QUARTZ </a:t>
-            </a:r>
-            <a:r>
-              <a:rPr lang="en-US" b="1" dirty="0">
-                <a:solidFill>
-                  <a:srgbClr val="002060"/>
-                </a:solidFill>
-              </a:rPr>
-              <a:t>DATA SYNCRONIZATION OF PROD &amp; DR</a:t>
-            </a:r>
-            <a:r>
-              <a:rPr lang="en-US" b="1" dirty="0" smtClean="0">
-                <a:solidFill>
-                  <a:srgbClr val="002060"/>
-                </a:solidFill>
-              </a:rPr>
-              <a:t>:</a:t>
-            </a:r>
-          </a:p>
-          <a:p>
-            <a:endParaRPr lang="en-US" b="1" dirty="0">
-              <a:solidFill>
-                <a:srgbClr val="002060"/>
-              </a:solidFill>
-            </a:endParaRPr>
-          </a:p>
-          <a:p>
-            <a:pPr marL="0" indent="0">
-              <a:buNone/>
-            </a:pPr>
-            <a:endParaRPr lang="en-US" b="1" dirty="0" smtClean="0">
-              <a:solidFill>
-                <a:srgbClr val="002060"/>
-              </a:solidFill>
-            </a:endParaRPr>
-          </a:p>
-          <a:p>
-            <a:pPr marL="0" indent="0">
-              <a:buNone/>
-            </a:pPr>
-            <a:endParaRPr lang="en-IN" b="1" dirty="0">
-              <a:solidFill>
-                <a:srgbClr val="002060"/>
-              </a:solidFill>
-            </a:endParaRPr>
-          </a:p>
           <a:p>
             <a:endParaRPr lang="en-IN" dirty="0"/>
           </a:p>
@@ -13881,6 +17505,86 @@
       </p:grpSpPr>
       <p:sp>
         <p:nvSpPr>
+          <p:cNvPr id="3" name="Content Placeholder 2"/>
+          <p:cNvSpPr>
+            <a:spLocks noGrp="1"/>
+          </p:cNvSpPr>
+          <p:nvPr>
+            <p:ph sz="quarter" idx="13"/>
+          </p:nvPr>
+        </p:nvSpPr>
+        <p:spPr>
+          <a:xfrm>
+            <a:off x="593725" y="2019300"/>
+            <a:ext cx="7769225" cy="4381500"/>
+          </a:xfrm>
+        </p:spPr>
+        <p:txBody>
+          <a:bodyPr>
+            <a:normAutofit/>
+          </a:bodyPr>
+          <a:lstStyle/>
+          <a:p>
+            <a:pPr marL="0" indent="0">
+              <a:buNone/>
+            </a:pPr>
+            <a:r>
+              <a:rPr lang="en-US" dirty="0" smtClean="0"/>
+              <a:t>For QUARTZ,</a:t>
+            </a:r>
+          </a:p>
+          <a:p>
+            <a:r>
+              <a:rPr lang="en-IN" dirty="0"/>
+              <a:t>Terracotta has no special mechanism for Quartz for real time Synchronization of two TSA(PROD &amp; DR). </a:t>
+            </a:r>
+            <a:endParaRPr lang="en-IN" dirty="0" smtClean="0"/>
+          </a:p>
+          <a:p>
+            <a:r>
+              <a:rPr lang="en-IN" dirty="0" smtClean="0"/>
+              <a:t>Quartz </a:t>
+            </a:r>
+            <a:r>
+              <a:rPr lang="en-IN" dirty="0"/>
+              <a:t>can failover to DR by copying the terracotta /data folder in the Quartz Active Server stored (</a:t>
+            </a:r>
+            <a:r>
+              <a:rPr lang="en-IN" dirty="0" err="1"/>
+              <a:t>Persistance</a:t>
+            </a:r>
+            <a:r>
+              <a:rPr lang="en-IN" dirty="0"/>
+              <a:t> Storage) in the physical machine. This requires a manual interruption during the failover.</a:t>
+            </a:r>
+          </a:p>
+          <a:p>
+            <a:r>
+              <a:rPr lang="en-IN" dirty="0"/>
+              <a:t> But another approach that might prove beneficial here would be to use the database as the job store instead of Terracotta job store. </a:t>
+            </a:r>
+            <a:endParaRPr lang="en-IN" dirty="0" smtClean="0"/>
+          </a:p>
+          <a:p>
+            <a:r>
+              <a:rPr lang="en-IN" dirty="0" smtClean="0"/>
+              <a:t>Terracotta </a:t>
+            </a:r>
+            <a:r>
+              <a:rPr lang="en-IN" dirty="0"/>
+              <a:t>confirms that there should not be any performance degradation due to  this mechanism. </a:t>
+            </a:r>
+          </a:p>
+          <a:p>
+            <a:endParaRPr lang="en-IN" dirty="0"/>
+          </a:p>
+          <a:p>
+            <a:endParaRPr lang="en-US" dirty="0"/>
+          </a:p>
+        </p:txBody>
+      </p:sp>
+      <p:sp>
+        <p:nvSpPr>
           <p:cNvPr id="2" name="Title 1"/>
           <p:cNvSpPr>
             <a:spLocks noGrp="1"/>
@@ -13895,84 +17599,6 @@
           <a:lstStyle/>
           <a:p>
             <a:endParaRPr lang="en-IN"/>
-          </a:p>
-        </p:txBody>
-      </p:sp>
-      <p:sp>
-        <p:nvSpPr>
-          <p:cNvPr id="3" name="Content Placeholder 2"/>
-          <p:cNvSpPr>
-            <a:spLocks noGrp="1"/>
-          </p:cNvSpPr>
-          <p:nvPr>
-            <p:ph idx="1"/>
-          </p:nvPr>
-        </p:nvSpPr>
-        <p:spPr>
-          <a:xfrm>
-            <a:off x="593725" y="2019300"/>
-            <a:ext cx="7769225" cy="4381500"/>
-          </a:xfrm>
-        </p:spPr>
-        <p:txBody>
-          <a:bodyPr/>
-          <a:lstStyle/>
-          <a:p>
-            <a:pPr marL="0" indent="0">
-              <a:buNone/>
-            </a:pPr>
-            <a:r>
-              <a:rPr lang="en-US" dirty="0" smtClean="0"/>
-              <a:t>For QUARTZ,</a:t>
-            </a:r>
-          </a:p>
-          <a:p>
-            <a:r>
-              <a:rPr lang="en-IN" dirty="0"/>
-              <a:t>Terracotta has no special mechanism for Quartz for real time Synchronization of two TSA(PROD &amp; DR). </a:t>
-            </a:r>
-            <a:endParaRPr lang="en-IN" dirty="0" smtClean="0"/>
-          </a:p>
-          <a:p>
-            <a:r>
-              <a:rPr lang="en-IN" dirty="0" smtClean="0"/>
-              <a:t>Quartz </a:t>
-            </a:r>
-            <a:r>
-              <a:rPr lang="en-IN" dirty="0"/>
-              <a:t>can failover to DR by copying the terracotta /data folder in the Quartz Active Server stored (</a:t>
-            </a:r>
-            <a:r>
-              <a:rPr lang="en-IN" dirty="0" err="1"/>
-              <a:t>Persistance</a:t>
-            </a:r>
-            <a:r>
-              <a:rPr lang="en-IN" dirty="0"/>
-              <a:t> Storage) in the physical machine. This requires a manual interruption during the failover.</a:t>
-            </a:r>
-          </a:p>
-          <a:p>
-            <a:r>
-              <a:rPr lang="en-IN" dirty="0"/>
-              <a:t> But another approach that might prove beneficial here would be to use the database as the job store instead of Terracotta job store. </a:t>
-            </a:r>
-            <a:endParaRPr lang="en-IN" dirty="0" smtClean="0"/>
-          </a:p>
-          <a:p>
-            <a:r>
-              <a:rPr lang="en-IN" dirty="0" smtClean="0"/>
-              <a:t>Terracotta </a:t>
-            </a:r>
-            <a:r>
-              <a:rPr lang="en-IN" dirty="0"/>
-              <a:t>confirms that there should not be any performance degradation due to  this mechanism. </a:t>
-            </a:r>
-          </a:p>
-          <a:p>
-            <a:endParaRPr lang="en-IN" dirty="0"/>
-          </a:p>
-          <a:p>
-            <a:endParaRPr lang="en-US" dirty="0"/>
           </a:p>
         </p:txBody>
       </p:sp>
@@ -14015,6 +17641,93 @@
       </p:grpSpPr>
       <p:sp>
         <p:nvSpPr>
+          <p:cNvPr id="3" name="Content Placeholder 2"/>
+          <p:cNvSpPr>
+            <a:spLocks noGrp="1"/>
+          </p:cNvSpPr>
+          <p:nvPr>
+            <p:ph sz="quarter" idx="13"/>
+          </p:nvPr>
+        </p:nvSpPr>
+        <p:spPr/>
+        <p:txBody>
+          <a:bodyPr/>
+          <a:lstStyle/>
+          <a:p>
+            <a:pPr marL="0" indent="0">
+              <a:buNone/>
+            </a:pPr>
+            <a:r>
+              <a:rPr lang="en-IN" dirty="0" smtClean="0"/>
+              <a:t>The </a:t>
+            </a:r>
+            <a:r>
+              <a:rPr lang="en-IN" dirty="0"/>
+              <a:t>proposed design focusses on all three aspects</a:t>
+            </a:r>
+            <a:r>
+              <a:rPr lang="en-IN" dirty="0" smtClean="0"/>
+              <a:t>,</a:t>
+            </a:r>
+          </a:p>
+          <a:p>
+            <a:pPr marL="0" indent="0">
+              <a:buNone/>
+            </a:pPr>
+            <a:r>
+              <a:rPr lang="en-IN" dirty="0" smtClean="0"/>
+              <a:t>1] </a:t>
+            </a:r>
+            <a:r>
+              <a:rPr lang="en-IN" dirty="0"/>
+              <a:t>Scalability of the </a:t>
+            </a:r>
+            <a:r>
+              <a:rPr lang="en-IN" dirty="0" smtClean="0"/>
+              <a:t>system</a:t>
+            </a:r>
+            <a:endParaRPr lang="en-IN" dirty="0"/>
+          </a:p>
+          <a:p>
+            <a:pPr marL="0" indent="0">
+              <a:buNone/>
+            </a:pPr>
+            <a:r>
+              <a:rPr lang="en-IN" dirty="0" smtClean="0"/>
+              <a:t>2] </a:t>
+            </a:r>
+            <a:r>
+              <a:rPr lang="en-IN" dirty="0"/>
+              <a:t>High Availability of </a:t>
+            </a:r>
+            <a:r>
+              <a:rPr lang="en-IN" dirty="0" smtClean="0"/>
+              <a:t>the data</a:t>
+            </a:r>
+            <a:endParaRPr lang="en-IN" dirty="0"/>
+          </a:p>
+          <a:p>
+            <a:pPr marL="0" indent="0">
+              <a:buNone/>
+            </a:pPr>
+            <a:r>
+              <a:rPr lang="en-IN" dirty="0" smtClean="0"/>
+              <a:t>3</a:t>
+            </a:r>
+            <a:r>
+              <a:rPr lang="en-IN" dirty="0"/>
+              <a:t>] Capacity of the </a:t>
+            </a:r>
+            <a:r>
+              <a:rPr lang="en-IN" dirty="0" smtClean="0"/>
+              <a:t>servers</a:t>
+            </a:r>
+            <a:endParaRPr lang="en-IN" dirty="0"/>
+          </a:p>
+        </p:txBody>
+      </p:sp>
+      <p:sp>
+        <p:nvSpPr>
           <p:cNvPr id="2" name="Title 1"/>
           <p:cNvSpPr>
             <a:spLocks noGrp="1"/>
@@ -14031,93 +17744,6 @@
             <a:r>
               <a:rPr lang="en-IN" dirty="0" smtClean="0"/>
               <a:t>Focus of the Design </a:t>
-            </a:r>
-            <a:endParaRPr lang="en-IN" dirty="0"/>
-          </a:p>
-        </p:txBody>
-      </p:sp>
-      <p:sp>
-        <p:nvSpPr>
-          <p:cNvPr id="3" name="Content Placeholder 2"/>
-          <p:cNvSpPr>
-            <a:spLocks noGrp="1"/>
-          </p:cNvSpPr>
-          <p:nvPr>
-            <p:ph idx="1"/>
-          </p:nvPr>
-        </p:nvSpPr>
-        <p:spPr/>
-        <p:txBody>
-          <a:bodyPr/>
-          <a:lstStyle/>
-          <a:p>
-            <a:pPr marL="0" indent="0">
-              <a:buNone/>
-            </a:pPr>
-            <a:r>
-              <a:rPr lang="en-IN" dirty="0" smtClean="0"/>
-              <a:t>The </a:t>
-            </a:r>
-            <a:r>
-              <a:rPr lang="en-IN" dirty="0"/>
-              <a:t>proposed design focusses on all three aspects</a:t>
-            </a:r>
-            <a:r>
-              <a:rPr lang="en-IN" dirty="0" smtClean="0"/>
-              <a:t>,</a:t>
-            </a:r>
-          </a:p>
-          <a:p>
-            <a:pPr marL="0" indent="0">
-              <a:buNone/>
-            </a:pPr>
-            <a:r>
-              <a:rPr lang="en-IN" dirty="0" smtClean="0"/>
-              <a:t>1] </a:t>
-            </a:r>
-            <a:r>
-              <a:rPr lang="en-IN" dirty="0"/>
-              <a:t>Scalability of the </a:t>
-            </a:r>
-            <a:r>
-              <a:rPr lang="en-IN" dirty="0" smtClean="0"/>
-              <a:t>system</a:t>
-            </a:r>
-            <a:endParaRPr lang="en-IN" dirty="0"/>
-          </a:p>
-          <a:p>
-            <a:pPr marL="0" indent="0">
-              <a:buNone/>
-            </a:pPr>
-            <a:r>
-              <a:rPr lang="en-IN" dirty="0" smtClean="0"/>
-              <a:t>2] </a:t>
-            </a:r>
-            <a:r>
-              <a:rPr lang="en-IN" dirty="0"/>
-              <a:t>High Availability of </a:t>
-            </a:r>
-            <a:r>
-              <a:rPr lang="en-IN" dirty="0" smtClean="0"/>
-              <a:t>the data</a:t>
-            </a:r>
-            <a:endParaRPr lang="en-IN" dirty="0"/>
-          </a:p>
-          <a:p>
-            <a:pPr marL="0" indent="0">
-              <a:buNone/>
-            </a:pPr>
-            <a:r>
-              <a:rPr lang="en-IN" dirty="0" smtClean="0"/>
-              <a:t>3</a:t>
-            </a:r>
-            <a:r>
-              <a:rPr lang="en-IN" dirty="0"/>
-              <a:t>] Capacity of the </a:t>
-            </a:r>
-            <a:r>
-              <a:rPr lang="en-IN" dirty="0" smtClean="0"/>
-              <a:t>servers</a:t>
             </a:r>
             <a:endParaRPr lang="en-IN" dirty="0"/>
           </a:p>
@@ -14162,6 +17788,80 @@
       </p:grpSpPr>
       <p:sp>
         <p:nvSpPr>
+          <p:cNvPr id="3" name="Content Placeholder 2"/>
+          <p:cNvSpPr>
+            <a:spLocks noGrp="1"/>
+          </p:cNvSpPr>
+          <p:nvPr>
+            <p:ph sz="quarter" idx="13"/>
+          </p:nvPr>
+        </p:nvSpPr>
+        <p:spPr/>
+        <p:txBody>
+          <a:bodyPr>
+            <a:normAutofit/>
+          </a:bodyPr>
+          <a:lstStyle/>
+          <a:p>
+            <a:r>
+              <a:rPr lang="en-IN" dirty="0"/>
+              <a:t>Since </a:t>
+            </a:r>
+            <a:r>
+              <a:rPr lang="en-IN" b="1" dirty="0"/>
+              <a:t>Data Guard</a:t>
+            </a:r>
+            <a:r>
+              <a:rPr lang="en-IN" dirty="0"/>
+              <a:t> is already in place replicating from PROD to DR database, we can leverage the same to store Quartz's batch metadata (</a:t>
+            </a:r>
+            <a:r>
+              <a:rPr lang="en-IN" dirty="0" err="1"/>
+              <a:t>job,schedule</a:t>
+            </a:r>
+            <a:r>
+              <a:rPr lang="en-IN" dirty="0"/>
+              <a:t>, trigger </a:t>
+            </a:r>
+            <a:r>
+              <a:rPr lang="en-IN" dirty="0" err="1"/>
+              <a:t>etc</a:t>
+            </a:r>
+            <a:r>
+              <a:rPr lang="en-IN" dirty="0"/>
+              <a:t>) and make DR failover steps for Quartz batch sub-system that much more efficient</a:t>
+            </a:r>
+            <a:r>
+              <a:rPr lang="en-IN" dirty="0" smtClean="0"/>
+              <a:t>.</a:t>
+            </a:r>
+          </a:p>
+          <a:p>
+            <a:r>
+              <a:rPr lang="en-IN" dirty="0"/>
+              <a:t>This requires no code change, but simple changes to </a:t>
+            </a:r>
+            <a:r>
+              <a:rPr lang="en-IN" dirty="0" err="1"/>
+              <a:t>quartz.properties</a:t>
+            </a:r>
+            <a:r>
+              <a:rPr lang="en-IN" dirty="0"/>
+              <a:t> file to configure JDBC job store with the ability to create 3/4 tables on the database</a:t>
+            </a:r>
+            <a:r>
+              <a:rPr lang="en-IN" dirty="0" smtClean="0"/>
+              <a:t>.</a:t>
+            </a:r>
+            <a:endParaRPr lang="en-IN" dirty="0"/>
+          </a:p>
+          <a:p>
+            <a:endParaRPr lang="en-IN" dirty="0"/>
+          </a:p>
+        </p:txBody>
+      </p:sp>
+      <p:sp>
+        <p:nvSpPr>
           <p:cNvPr id="2" name="Title 1"/>
           <p:cNvSpPr>
             <a:spLocks noGrp="1"/>
@@ -14176,78 +17876,6 @@
           <a:lstStyle/>
           <a:p>
             <a:endParaRPr lang="en-IN"/>
-          </a:p>
-        </p:txBody>
-      </p:sp>
-      <p:sp>
-        <p:nvSpPr>
-          <p:cNvPr id="3" name="Content Placeholder 2"/>
-          <p:cNvSpPr>
-            <a:spLocks noGrp="1"/>
-          </p:cNvSpPr>
-          <p:nvPr>
-            <p:ph idx="1"/>
-          </p:nvPr>
-        </p:nvSpPr>
-        <p:spPr/>
-        <p:txBody>
-          <a:bodyPr/>
-          <a:lstStyle/>
-          <a:p>
-            <a:r>
-              <a:rPr lang="en-IN" dirty="0"/>
-              <a:t>Since </a:t>
-            </a:r>
-            <a:r>
-              <a:rPr lang="en-IN" b="1" dirty="0"/>
-              <a:t>Data Guard</a:t>
-            </a:r>
-            <a:r>
-              <a:rPr lang="en-IN" dirty="0"/>
-              <a:t> is already in place replicating from PROD to DR database, we can leverage the same to store Quartz's batch metadata (</a:t>
-            </a:r>
-            <a:r>
-              <a:rPr lang="en-IN" dirty="0" err="1"/>
-              <a:t>job,schedule</a:t>
-            </a:r>
-            <a:r>
-              <a:rPr lang="en-IN" dirty="0"/>
-              <a:t>, trigger </a:t>
-            </a:r>
-            <a:r>
-              <a:rPr lang="en-IN" dirty="0" err="1"/>
-              <a:t>etc</a:t>
-            </a:r>
-            <a:r>
-              <a:rPr lang="en-IN" dirty="0"/>
-              <a:t>) and make DR failover steps for Quartz batch sub-system that much more efficient</a:t>
-            </a:r>
-            <a:r>
-              <a:rPr lang="en-IN" dirty="0" smtClean="0"/>
-              <a:t>.</a:t>
-            </a:r>
-          </a:p>
-          <a:p>
-            <a:r>
-              <a:rPr lang="en-IN" dirty="0"/>
-              <a:t>This requires no code change, but simple changes to </a:t>
-            </a:r>
-            <a:r>
-              <a:rPr lang="en-IN" dirty="0" err="1"/>
-              <a:t>quartz.properties</a:t>
-            </a:r>
-            <a:r>
-              <a:rPr lang="en-IN" dirty="0"/>
-              <a:t> file to configure JDBC job store with the ability to create 3/4 tables on the database</a:t>
-            </a:r>
-            <a:r>
-              <a:rPr lang="en-IN" dirty="0" smtClean="0"/>
-              <a:t>.</a:t>
-            </a:r>
-            <a:endParaRPr lang="en-IN" dirty="0"/>
-          </a:p>
-          <a:p>
-            <a:endParaRPr lang="en-IN" dirty="0"/>
           </a:p>
         </p:txBody>
       </p:sp>
@@ -14290,6 +17918,25 @@
       </p:grpSpPr>
       <p:sp>
         <p:nvSpPr>
+          <p:cNvPr id="3" name="Content Placeholder 2"/>
+          <p:cNvSpPr>
+            <a:spLocks noGrp="1"/>
+          </p:cNvSpPr>
+          <p:nvPr>
+            <p:ph sz="quarter" idx="13"/>
+          </p:nvPr>
+        </p:nvSpPr>
+        <p:spPr/>
+        <p:txBody>
+          <a:bodyPr/>
+          <a:lstStyle/>
+          <a:p>
+            <a:endParaRPr lang="en-IN" dirty="0"/>
+          </a:p>
+        </p:txBody>
+      </p:sp>
+      <p:sp>
+        <p:nvSpPr>
           <p:cNvPr id="2" name="Title 1"/>
           <p:cNvSpPr>
             <a:spLocks noGrp="1"/>
@@ -14307,25 +17954,6 @@
               <a:rPr lang="en-US" dirty="0" smtClean="0"/>
               <a:t>Proposed Future State Design:</a:t>
             </a:r>
-            <a:endParaRPr lang="en-IN" dirty="0"/>
-          </a:p>
-        </p:txBody>
-      </p:sp>
-      <p:sp>
-        <p:nvSpPr>
-          <p:cNvPr id="3" name="Content Placeholder 2"/>
-          <p:cNvSpPr>
-            <a:spLocks noGrp="1"/>
-          </p:cNvSpPr>
-          <p:nvPr>
-            <p:ph idx="1"/>
-          </p:nvPr>
-        </p:nvSpPr>
-        <p:spPr/>
-        <p:txBody>
-          <a:bodyPr/>
-          <a:lstStyle/>
-          <a:p>
             <a:endParaRPr lang="en-IN" dirty="0"/>
           </a:p>
         </p:txBody>
@@ -14492,16 +18120,7 @@
                 </a:solidFill>
                 <a:latin typeface="Calibri" pitchFamily="34" charset="0"/>
               </a:rPr>
-              <a:t>CLIENTS </a:t>
-            </a:r>
-            <a:r>
-              <a:rPr lang="en-US" sz="1600" b="1" dirty="0" smtClean="0">
-                <a:solidFill>
-                  <a:srgbClr val="009DD9"/>
-                </a:solidFill>
-                <a:latin typeface="Calibri" pitchFamily="34" charset="0"/>
-              </a:rPr>
-              <a:t>#</a:t>
+              <a:t>CLIENTS #</a:t>
             </a:r>
             <a:endParaRPr kumimoji="0" lang="en-IN" sz="1400" b="1" i="0" u="none" strike="noStrike" cap="none" normalizeH="0" baseline="0" dirty="0" smtClean="0">
               <a:ln>
@@ -16245,6 +19864,178 @@
       </p:grpSpPr>
       <p:sp>
         <p:nvSpPr>
+          <p:cNvPr id="3" name="Content Placeholder 2"/>
+          <p:cNvSpPr>
+            <a:spLocks noGrp="1"/>
+          </p:cNvSpPr>
+          <p:nvPr>
+            <p:ph sz="quarter" idx="13"/>
+          </p:nvPr>
+        </p:nvSpPr>
+        <p:spPr/>
+        <p:txBody>
+          <a:bodyPr/>
+          <a:lstStyle/>
+          <a:p>
+            <a:r>
+              <a:rPr lang="en-US" dirty="0" smtClean="0"/>
+              <a:t>Storage</a:t>
+            </a:r>
+            <a:r>
+              <a:rPr lang="en-US" dirty="0"/>
+              <a:t>: Ehcache- </a:t>
+            </a:r>
+            <a:r>
+              <a:rPr lang="en-US" dirty="0" smtClean="0"/>
+              <a:t>Off-Heap </a:t>
+            </a:r>
+            <a:r>
+              <a:rPr lang="en-US" dirty="0"/>
+              <a:t>, Quartz - </a:t>
+            </a:r>
+            <a:r>
+              <a:rPr lang="en-US" dirty="0" smtClean="0"/>
+              <a:t>Database</a:t>
+            </a:r>
+            <a:endParaRPr lang="en-US" dirty="0"/>
+          </a:p>
+          <a:p>
+            <a:pPr marL="0" indent="0">
+              <a:buNone/>
+            </a:pPr>
+            <a:r>
+              <a:rPr lang="en-US" dirty="0"/>
+              <a:t>  Ehcache stores the data in Off-Heap and Quartz stores the data in disk</a:t>
+            </a:r>
+            <a:r>
+              <a:rPr lang="en-US" dirty="0" smtClean="0"/>
+              <a:t>.</a:t>
+            </a:r>
+          </a:p>
+          <a:p>
+            <a:pPr marL="0" indent="0">
+              <a:buNone/>
+            </a:pPr>
+            <a:r>
+              <a:rPr lang="en-US" dirty="0"/>
+              <a:t>QUARTZ , “Database job storage” instead of “Disk Storage” </a:t>
+            </a:r>
+            <a:r>
+              <a:rPr lang="en-US" dirty="0" smtClean="0"/>
+              <a:t>results </a:t>
+            </a:r>
+            <a:r>
+              <a:rPr lang="en-US" dirty="0"/>
+              <a:t>in elimination of Quartz TSA(Terracotta Server Array</a:t>
+            </a:r>
+            <a:r>
+              <a:rPr lang="en-US" dirty="0" smtClean="0"/>
+              <a:t>).</a:t>
+            </a:r>
+            <a:endParaRPr lang="en-US" dirty="0"/>
+          </a:p>
+          <a:p>
+            <a:r>
+              <a:rPr lang="en-US" dirty="0"/>
+              <a:t>Failover: Yes</a:t>
+            </a:r>
+          </a:p>
+          <a:p>
+            <a:pPr marL="0" indent="0">
+              <a:buNone/>
+            </a:pPr>
+            <a:r>
+              <a:rPr lang="en-US" dirty="0"/>
+              <a:t> Failover is provided by the PASSIVE servers in case of failing of </a:t>
+            </a:r>
+            <a:r>
+              <a:rPr lang="en-US" dirty="0" smtClean="0"/>
+              <a:t>ACTIVE</a:t>
+            </a:r>
+            <a:r>
+              <a:rPr lang="en-US" dirty="0"/>
+              <a:t> </a:t>
+            </a:r>
+            <a:r>
+              <a:rPr lang="en-US" dirty="0" smtClean="0"/>
+              <a:t>with high data </a:t>
+            </a:r>
+            <a:r>
+              <a:rPr lang="en-US" dirty="0" err="1" smtClean="0"/>
+              <a:t>availablity</a:t>
+            </a:r>
+            <a:r>
+              <a:rPr lang="en-US" dirty="0" smtClean="0"/>
+              <a:t>.</a:t>
+            </a:r>
+            <a:endParaRPr lang="en-US" dirty="0"/>
+          </a:p>
+          <a:p>
+            <a:r>
+              <a:rPr lang="en-US" dirty="0"/>
+              <a:t>Scalability: </a:t>
+            </a:r>
+            <a:r>
+              <a:rPr lang="en-US" dirty="0" smtClean="0"/>
+              <a:t>Yes</a:t>
+            </a:r>
+            <a:endParaRPr lang="en-US" dirty="0"/>
+          </a:p>
+          <a:p>
+            <a:pPr marL="0" indent="0">
+              <a:buNone/>
+            </a:pPr>
+            <a:r>
+              <a:rPr lang="en-US" dirty="0" smtClean="0"/>
+              <a:t>Currently </a:t>
+            </a:r>
+            <a:r>
+              <a:rPr lang="en-US" dirty="0"/>
+              <a:t>we have 3</a:t>
+            </a:r>
+            <a:r>
+              <a:rPr lang="en-US" dirty="0" smtClean="0"/>
+              <a:t> </a:t>
+            </a:r>
+            <a:r>
+              <a:rPr lang="en-US" dirty="0"/>
+              <a:t>ACTIVE servers for </a:t>
+            </a:r>
+            <a:r>
+              <a:rPr lang="en-US" dirty="0" smtClean="0"/>
+              <a:t>Ehcache </a:t>
+            </a:r>
+            <a:r>
+              <a:rPr lang="en-US" dirty="0"/>
+              <a:t>TSA</a:t>
+            </a:r>
+            <a:r>
+              <a:rPr lang="en-US" dirty="0" smtClean="0"/>
+              <a:t>.</a:t>
+            </a:r>
+          </a:p>
+          <a:p>
+            <a:endParaRPr lang="en-US" dirty="0" smtClean="0"/>
+          </a:p>
+          <a:p>
+            <a:pPr marL="0" indent="0">
+              <a:buNone/>
+            </a:pPr>
+            <a:endParaRPr lang="en-US" dirty="0" smtClean="0"/>
+          </a:p>
+          <a:p>
+            <a:endParaRPr lang="en-US" dirty="0" smtClean="0"/>
+          </a:p>
+          <a:p>
+            <a:endParaRPr lang="en-US" dirty="0" smtClean="0"/>
+          </a:p>
+          <a:p>
+            <a:endParaRPr lang="en-IN" dirty="0"/>
+          </a:p>
+        </p:txBody>
+      </p:sp>
+      <p:sp>
+        <p:nvSpPr>
           <p:cNvPr id="2" name="Title 1"/>
           <p:cNvSpPr>
             <a:spLocks noGrp="1"/>
@@ -16270,178 +20061,6 @@
               <a:rPr lang="en-US" dirty="0"/>
               <a:t>Design:</a:t>
             </a:r>
-            <a:endParaRPr lang="en-IN" dirty="0"/>
-          </a:p>
-        </p:txBody>
-      </p:sp>
-      <p:sp>
-        <p:nvSpPr>
-          <p:cNvPr id="3" name="Content Placeholder 2"/>
-          <p:cNvSpPr>
-            <a:spLocks noGrp="1"/>
-          </p:cNvSpPr>
-          <p:nvPr>
-            <p:ph idx="1"/>
-          </p:nvPr>
-        </p:nvSpPr>
-        <p:spPr/>
-        <p:txBody>
-          <a:bodyPr/>
-          <a:lstStyle/>
-          <a:p>
-            <a:r>
-              <a:rPr lang="en-US" dirty="0" smtClean="0"/>
-              <a:t>Storage</a:t>
-            </a:r>
-            <a:r>
-              <a:rPr lang="en-US" dirty="0"/>
-              <a:t>: Ehcache- </a:t>
-            </a:r>
-            <a:r>
-              <a:rPr lang="en-US" dirty="0" smtClean="0"/>
-              <a:t>Off-Heap </a:t>
-            </a:r>
-            <a:r>
-              <a:rPr lang="en-US" dirty="0"/>
-              <a:t>, Quartz - </a:t>
-            </a:r>
-            <a:r>
-              <a:rPr lang="en-US" dirty="0" smtClean="0"/>
-              <a:t>Database</a:t>
-            </a:r>
-            <a:endParaRPr lang="en-US" dirty="0"/>
-          </a:p>
-          <a:p>
-            <a:pPr marL="0" indent="0">
-              <a:buNone/>
-            </a:pPr>
-            <a:r>
-              <a:rPr lang="en-US" dirty="0"/>
-              <a:t>  Ehcache stores the data in Off-Heap and Quartz stores the data in disk</a:t>
-            </a:r>
-            <a:r>
-              <a:rPr lang="en-US" dirty="0" smtClean="0"/>
-              <a:t>.</a:t>
-            </a:r>
-          </a:p>
-          <a:p>
-            <a:pPr marL="0" indent="0">
-              <a:buNone/>
-            </a:pPr>
-            <a:r>
-              <a:rPr lang="en-US" dirty="0"/>
-              <a:t>QUARTZ , “Database job storage” instead of “Disk Storage” </a:t>
-            </a:r>
-            <a:r>
-              <a:rPr lang="en-US" dirty="0" smtClean="0"/>
-              <a:t>results </a:t>
-            </a:r>
-            <a:r>
-              <a:rPr lang="en-US" dirty="0"/>
-              <a:t>in elimination of Quartz TSA(Terracotta Server Array</a:t>
-            </a:r>
-            <a:r>
-              <a:rPr lang="en-US" dirty="0" smtClean="0"/>
-              <a:t>).</a:t>
-            </a:r>
-            <a:endParaRPr lang="en-US" dirty="0"/>
-          </a:p>
-          <a:p>
-            <a:r>
-              <a:rPr lang="en-US" dirty="0"/>
-              <a:t>Failover: Yes</a:t>
-            </a:r>
-          </a:p>
-          <a:p>
-            <a:pPr marL="0" indent="0">
-              <a:buNone/>
-            </a:pPr>
-            <a:r>
-              <a:rPr lang="en-US" dirty="0"/>
-              <a:t> Failover is provided by the PASSIVE servers in case of failing of </a:t>
-            </a:r>
-            <a:r>
-              <a:rPr lang="en-US" dirty="0" smtClean="0"/>
-              <a:t>ACTIVE</a:t>
-            </a:r>
-            <a:r>
-              <a:rPr lang="en-US" dirty="0"/>
-              <a:t> </a:t>
-            </a:r>
-            <a:r>
-              <a:rPr lang="en-US" dirty="0" smtClean="0"/>
-              <a:t>with high data </a:t>
-            </a:r>
-            <a:r>
-              <a:rPr lang="en-US" dirty="0" err="1" smtClean="0"/>
-              <a:t>availablity</a:t>
-            </a:r>
-            <a:r>
-              <a:rPr lang="en-US" dirty="0" smtClean="0"/>
-              <a:t>.</a:t>
-            </a:r>
-            <a:endParaRPr lang="en-US" dirty="0"/>
-          </a:p>
-          <a:p>
-            <a:r>
-              <a:rPr lang="en-US" dirty="0"/>
-              <a:t>Scalability: </a:t>
-            </a:r>
-            <a:r>
-              <a:rPr lang="en-US" dirty="0" smtClean="0"/>
-              <a:t>Yes</a:t>
-            </a:r>
-            <a:endParaRPr lang="en-US" dirty="0"/>
-          </a:p>
-          <a:p>
-            <a:pPr marL="0" indent="0">
-              <a:buNone/>
-            </a:pPr>
-            <a:r>
-              <a:rPr lang="en-US" dirty="0" smtClean="0"/>
-              <a:t>Currently </a:t>
-            </a:r>
-            <a:r>
-              <a:rPr lang="en-US" dirty="0"/>
-              <a:t>we have 3</a:t>
-            </a:r>
-            <a:r>
-              <a:rPr lang="en-US" dirty="0" smtClean="0"/>
-              <a:t> </a:t>
-            </a:r>
-            <a:r>
-              <a:rPr lang="en-US" dirty="0"/>
-              <a:t>ACTIVE servers for </a:t>
-            </a:r>
-            <a:r>
-              <a:rPr lang="en-US" dirty="0" smtClean="0"/>
-              <a:t>Ehcache </a:t>
-            </a:r>
-            <a:r>
-              <a:rPr lang="en-US" dirty="0"/>
-              <a:t>TSA</a:t>
-            </a:r>
-            <a:r>
-              <a:rPr lang="en-US" dirty="0" smtClean="0"/>
-              <a:t>.</a:t>
-            </a:r>
-          </a:p>
-          <a:p>
-            <a:endParaRPr lang="en-US" dirty="0" smtClean="0"/>
-          </a:p>
-          <a:p>
-            <a:pPr marL="0" indent="0">
-              <a:buNone/>
-            </a:pPr>
-            <a:endParaRPr lang="en-US" dirty="0" smtClean="0"/>
-          </a:p>
-          <a:p>
-            <a:endParaRPr lang="en-US" dirty="0" smtClean="0"/>
-          </a:p>
-          <a:p>
-            <a:endParaRPr lang="en-US" dirty="0" smtClean="0"/>
-          </a:p>
-          <a:p>
             <a:endParaRPr lang="en-IN" dirty="0"/>
           </a:p>
         </p:txBody>
@@ -16485,6 +20104,54 @@
       </p:grpSpPr>
       <p:sp>
         <p:nvSpPr>
+          <p:cNvPr id="3" name="Content Placeholder 2"/>
+          <p:cNvSpPr>
+            <a:spLocks noGrp="1"/>
+          </p:cNvSpPr>
+          <p:nvPr>
+            <p:ph sz="quarter" idx="13"/>
+          </p:nvPr>
+        </p:nvSpPr>
+        <p:spPr/>
+        <p:txBody>
+          <a:bodyPr/>
+          <a:lstStyle/>
+          <a:p>
+            <a:r>
+              <a:rPr lang="en-US" dirty="0"/>
+              <a:t>Ehcache, ACTIVE – ACTIVE server configuration for load balancing and increasing the scalability of the system.</a:t>
+            </a:r>
+          </a:p>
+          <a:p>
+            <a:r>
+              <a:rPr lang="en-US" dirty="0"/>
+              <a:t>The anticipated load can be balanced by increasing the capacity of the servers from 8GB to 16GB.</a:t>
+            </a:r>
+          </a:p>
+          <a:p>
+            <a:r>
+              <a:rPr lang="en-US" b="1" dirty="0"/>
+              <a:t>WAN </a:t>
+            </a:r>
+            <a:r>
+              <a:rPr lang="en-US" dirty="0"/>
+              <a:t>module provides the data replication of Ehcache from PROD TSA to DR TSA</a:t>
+            </a:r>
+            <a:r>
+              <a:rPr lang="en-US" dirty="0" smtClean="0"/>
+              <a:t>.</a:t>
+            </a:r>
+          </a:p>
+          <a:p>
+            <a:pPr marL="0" indent="0">
+              <a:buNone/>
+            </a:pPr>
+            <a:endParaRPr lang="en-US" dirty="0" smtClean="0"/>
+          </a:p>
+        </p:txBody>
+      </p:sp>
+      <p:sp>
+        <p:nvSpPr>
           <p:cNvPr id="2" name="Title 1"/>
           <p:cNvSpPr>
             <a:spLocks noGrp="1"/>
@@ -16499,54 +20166,6 @@
           <a:lstStyle/>
           <a:p>
             <a:endParaRPr lang="en-IN"/>
-          </a:p>
-        </p:txBody>
-      </p:sp>
-      <p:sp>
-        <p:nvSpPr>
-          <p:cNvPr id="3" name="Content Placeholder 2"/>
-          <p:cNvSpPr>
-            <a:spLocks noGrp="1"/>
-          </p:cNvSpPr>
-          <p:nvPr>
-            <p:ph idx="1"/>
-          </p:nvPr>
-        </p:nvSpPr>
-        <p:spPr/>
-        <p:txBody>
-          <a:bodyPr/>
-          <a:lstStyle/>
-          <a:p>
-            <a:r>
-              <a:rPr lang="en-US" dirty="0"/>
-              <a:t>Ehcache, ACTIVE – ACTIVE server configuration for load balancing and increasing the scalability of the system.</a:t>
-            </a:r>
-          </a:p>
-          <a:p>
-            <a:r>
-              <a:rPr lang="en-US" dirty="0"/>
-              <a:t>The anticipated load can be balanced by increasing the capacity of the servers from 8GB to 16GB.</a:t>
-            </a:r>
-          </a:p>
-          <a:p>
-            <a:r>
-              <a:rPr lang="en-US" b="1" dirty="0"/>
-              <a:t>WAN </a:t>
-            </a:r>
-            <a:r>
-              <a:rPr lang="en-US" dirty="0"/>
-              <a:t>module provides the data replication of Ehcache from PROD TSA to DR TSA</a:t>
-            </a:r>
-            <a:r>
-              <a:rPr lang="en-US" dirty="0" smtClean="0"/>
-              <a:t>.</a:t>
-            </a:r>
-          </a:p>
-          <a:p>
-            <a:pPr marL="0" indent="0">
-              <a:buNone/>
-            </a:pPr>
-            <a:endParaRPr lang="en-US" dirty="0" smtClean="0"/>
           </a:p>
         </p:txBody>
       </p:sp>
@@ -16582,6 +20201,25 @@
       </p:grpSpPr>
       <p:sp>
         <p:nvSpPr>
+          <p:cNvPr id="3" name="Content Placeholder 2"/>
+          <p:cNvSpPr>
+            <a:spLocks noGrp="1"/>
+          </p:cNvSpPr>
+          <p:nvPr>
+            <p:ph sz="quarter" idx="13"/>
+          </p:nvPr>
+        </p:nvSpPr>
+        <p:spPr/>
+        <p:txBody>
+          <a:bodyPr/>
+          <a:lstStyle/>
+          <a:p>
+            <a:endParaRPr lang="en-IN" dirty="0"/>
+          </a:p>
+        </p:txBody>
+      </p:sp>
+      <p:sp>
+        <p:nvSpPr>
           <p:cNvPr id="2" name="Title 1"/>
           <p:cNvSpPr>
             <a:spLocks noGrp="1"/>
@@ -16605,25 +20243,6 @@
               <a:rPr lang="en-US" dirty="0" smtClean="0"/>
               <a:t>THANK YOU</a:t>
             </a:r>
-            <a:endParaRPr lang="en-IN" dirty="0"/>
-          </a:p>
-        </p:txBody>
-      </p:sp>
-      <p:sp>
-        <p:nvSpPr>
-          <p:cNvPr id="3" name="Content Placeholder 2"/>
-          <p:cNvSpPr>
-            <a:spLocks noGrp="1"/>
-          </p:cNvSpPr>
-          <p:nvPr>
-            <p:ph idx="1"/>
-          </p:nvPr>
-        </p:nvSpPr>
-        <p:spPr/>
-        <p:txBody>
-          <a:bodyPr/>
-          <a:lstStyle/>
-          <a:p>
             <a:endParaRPr lang="en-IN" dirty="0"/>
           </a:p>
         </p:txBody>
@@ -16667,6 +20286,72 @@
       </p:grpSpPr>
       <p:sp>
         <p:nvSpPr>
+          <p:cNvPr id="3" name="Content Placeholder 2"/>
+          <p:cNvSpPr>
+            <a:spLocks noGrp="1"/>
+          </p:cNvSpPr>
+          <p:nvPr>
+            <p:ph sz="quarter" idx="13"/>
+          </p:nvPr>
+        </p:nvSpPr>
+        <p:spPr/>
+        <p:txBody>
+          <a:bodyPr>
+            <a:normAutofit/>
+          </a:bodyPr>
+          <a:lstStyle/>
+          <a:p>
+            <a:r>
+              <a:rPr lang="en-IN" dirty="0"/>
+              <a:t>The scalability of the system can be increased by increasing the no. of Stripes. </a:t>
+            </a:r>
+            <a:endParaRPr lang="en-IN" dirty="0" smtClean="0"/>
+          </a:p>
+          <a:p>
+            <a:r>
+              <a:rPr lang="en-IN" dirty="0" smtClean="0"/>
+              <a:t>A Stripe </a:t>
+            </a:r>
+            <a:r>
+              <a:rPr lang="en-IN" dirty="0"/>
+              <a:t>is a combination of </a:t>
+            </a:r>
+            <a:r>
+              <a:rPr lang="en-IN" dirty="0" smtClean="0"/>
+              <a:t>ACTIVE </a:t>
+            </a:r>
+            <a:r>
+              <a:rPr lang="en-IN" dirty="0"/>
+              <a:t>and </a:t>
+            </a:r>
+            <a:r>
+              <a:rPr lang="en-IN" dirty="0" smtClean="0"/>
+              <a:t>PASSIVE/MIRROR </a:t>
+            </a:r>
+            <a:r>
+              <a:rPr lang="en-IN" dirty="0"/>
+              <a:t>servers. </a:t>
+            </a:r>
+            <a:endParaRPr lang="en-IN" dirty="0" smtClean="0"/>
+          </a:p>
+          <a:p>
+            <a:r>
+              <a:rPr lang="en-IN" dirty="0" smtClean="0"/>
+              <a:t>Terracotta has restricted the functionality of synchronization of data between ACTIVE-ACTIVE servers wherein </a:t>
+            </a:r>
+            <a:r>
+              <a:rPr lang="en-US" dirty="0" smtClean="0"/>
+              <a:t>synchronization occurs only between ACTIVE-PASSIVE system.</a:t>
+            </a:r>
+            <a:endParaRPr lang="en-IN" dirty="0"/>
+          </a:p>
+          <a:p>
+            <a:endParaRPr lang="en-IN" dirty="0"/>
+          </a:p>
+        </p:txBody>
+      </p:sp>
+      <p:sp>
+        <p:nvSpPr>
           <p:cNvPr id="2" name="Title 1"/>
           <p:cNvSpPr>
             <a:spLocks noGrp="1"/>
@@ -16684,70 +20369,6 @@
               <a:rPr lang="en-IN" dirty="0"/>
               <a:t>Scalability of the system:</a:t>
             </a:r>
-          </a:p>
-        </p:txBody>
-      </p:sp>
-      <p:sp>
-        <p:nvSpPr>
-          <p:cNvPr id="3" name="Content Placeholder 2"/>
-          <p:cNvSpPr>
-            <a:spLocks noGrp="1"/>
-          </p:cNvSpPr>
-          <p:nvPr>
-            <p:ph idx="1"/>
-          </p:nvPr>
-        </p:nvSpPr>
-        <p:spPr/>
-        <p:txBody>
-          <a:bodyPr/>
-          <a:lstStyle/>
-          <a:p>
-            <a:r>
-              <a:rPr lang="en-IN" dirty="0"/>
-              <a:t>The scalability of the system can be increased by increasing the no. of Stripes. </a:t>
-            </a:r>
-            <a:endParaRPr lang="en-IN" dirty="0" smtClean="0"/>
-          </a:p>
-          <a:p>
-            <a:r>
-              <a:rPr lang="en-IN" dirty="0" smtClean="0"/>
-              <a:t>A Stripe </a:t>
-            </a:r>
-            <a:r>
-              <a:rPr lang="en-IN" dirty="0"/>
-              <a:t>is a combination of </a:t>
-            </a:r>
-            <a:r>
-              <a:rPr lang="en-IN" dirty="0" smtClean="0"/>
-              <a:t>ACTIVE </a:t>
-            </a:r>
-            <a:r>
-              <a:rPr lang="en-IN" dirty="0"/>
-              <a:t>and </a:t>
-            </a:r>
-            <a:r>
-              <a:rPr lang="en-IN" dirty="0" smtClean="0"/>
-              <a:t>PASSIVE/MIRROR </a:t>
-            </a:r>
-            <a:r>
-              <a:rPr lang="en-IN" dirty="0"/>
-              <a:t>servers. </a:t>
-            </a:r>
-            <a:endParaRPr lang="en-IN" dirty="0" smtClean="0"/>
-          </a:p>
-          <a:p>
-            <a:r>
-              <a:rPr lang="en-IN" dirty="0" smtClean="0"/>
-              <a:t>Terracotta has restricted the functionality of synchronization of data between ACTIVE-ACTIVE servers wherein </a:t>
-            </a:r>
-            <a:r>
-              <a:rPr lang="en-US" dirty="0" smtClean="0"/>
-              <a:t>synchronization occurs only between ACTIVE-PASSIVE system.</a:t>
-            </a:r>
-            <a:endParaRPr lang="en-IN" dirty="0"/>
-          </a:p>
-          <a:p>
-            <a:endParaRPr lang="en-IN" dirty="0"/>
           </a:p>
         </p:txBody>
       </p:sp>
@@ -16790,6 +20411,108 @@
       </p:grpSpPr>
       <p:sp>
         <p:nvSpPr>
+          <p:cNvPr id="3" name="Content Placeholder 2"/>
+          <p:cNvSpPr>
+            <a:spLocks noGrp="1"/>
+          </p:cNvSpPr>
+          <p:nvPr>
+            <p:ph sz="quarter" idx="13"/>
+          </p:nvPr>
+        </p:nvSpPr>
+        <p:spPr/>
+        <p:txBody>
+          <a:bodyPr>
+            <a:normAutofit/>
+          </a:bodyPr>
+          <a:lstStyle/>
+          <a:p>
+            <a:r>
+              <a:rPr lang="en-IN" dirty="0"/>
+              <a:t>High availability of the data is provided by </a:t>
+            </a:r>
+            <a:r>
+              <a:rPr lang="en-IN" dirty="0" smtClean="0"/>
+              <a:t>MIRROR </a:t>
+            </a:r>
+            <a:r>
+              <a:rPr lang="en-IN" dirty="0"/>
+              <a:t>servers as it serves as a "hot standby" ready to take over for the active server in case of a failure. </a:t>
+            </a:r>
+            <a:endParaRPr lang="en-IN" dirty="0" smtClean="0"/>
+          </a:p>
+          <a:p>
+            <a:r>
+              <a:rPr lang="en-IN" dirty="0" smtClean="0"/>
+              <a:t>Passive/mirror </a:t>
+            </a:r>
+            <a:r>
+              <a:rPr lang="en-IN" dirty="0"/>
+              <a:t>will always be in-sync with active and will always have the latest and greatest data sent by the clients to the TSA(Terracotta Server Array). </a:t>
+            </a:r>
+            <a:endParaRPr lang="en-IN" dirty="0" smtClean="0"/>
+          </a:p>
+          <a:p>
+            <a:r>
+              <a:rPr lang="en-IN" dirty="0"/>
+              <a:t>The ACTIVE server transmits the heart beat only </a:t>
+            </a:r>
+            <a:r>
+              <a:rPr lang="en-IN" dirty="0" smtClean="0"/>
+              <a:t>to PASSIVE </a:t>
+            </a:r>
+            <a:r>
+              <a:rPr lang="en-IN" dirty="0"/>
+              <a:t>server and not to the other </a:t>
+            </a:r>
+            <a:r>
+              <a:rPr lang="en-IN" dirty="0" smtClean="0"/>
+              <a:t>ACTIVE </a:t>
+            </a:r>
+            <a:r>
+              <a:rPr lang="en-IN" dirty="0"/>
+              <a:t>server.  </a:t>
+            </a:r>
+          </a:p>
+          <a:p>
+            <a:r>
+              <a:rPr lang="en-IN" dirty="0"/>
+              <a:t>Hence each ACTIVE server in the system will need a PASSIVE/MIRROR server for preventing the data loss during the </a:t>
+            </a:r>
+            <a:r>
+              <a:rPr lang="en-IN" dirty="0" smtClean="0"/>
+              <a:t>failovers</a:t>
+            </a:r>
+            <a:r>
+              <a:rPr lang="en-IN" dirty="0"/>
+              <a:t> </a:t>
+            </a:r>
+            <a:r>
+              <a:rPr lang="en-IN" dirty="0" smtClean="0"/>
+              <a:t>for providing high </a:t>
+            </a:r>
+            <a:r>
+              <a:rPr lang="en-IN" dirty="0" err="1" smtClean="0"/>
+              <a:t>availablity</a:t>
+            </a:r>
+            <a:r>
+              <a:rPr lang="en-IN" dirty="0" smtClean="0"/>
+              <a:t> of the data.</a:t>
+            </a:r>
+          </a:p>
+          <a:p>
+            <a:r>
+              <a:rPr lang="en-IN" dirty="0" smtClean="0"/>
+              <a:t>This </a:t>
+            </a:r>
+            <a:r>
+              <a:rPr lang="en-IN" dirty="0"/>
+              <a:t>functionality is same with both Ehcache and Quartz. </a:t>
+            </a:r>
+          </a:p>
+        </p:txBody>
+      </p:sp>
+      <p:sp>
+        <p:nvSpPr>
           <p:cNvPr id="2" name="Title 1"/>
           <p:cNvSpPr>
             <a:spLocks noGrp="1"/>
@@ -16806,106 +20529,6 @@
             <a:r>
               <a:rPr lang="en-IN" dirty="0"/>
               <a:t>High Availability of data:</a:t>
-            </a:r>
-          </a:p>
-        </p:txBody>
-      </p:sp>
-      <p:sp>
-        <p:nvSpPr>
-          <p:cNvPr id="3" name="Content Placeholder 2"/>
-          <p:cNvSpPr>
-            <a:spLocks noGrp="1"/>
-          </p:cNvSpPr>
-          <p:nvPr>
-            <p:ph idx="1"/>
-          </p:nvPr>
-        </p:nvSpPr>
-        <p:spPr/>
-        <p:txBody>
-          <a:bodyPr/>
-          <a:lstStyle/>
-          <a:p>
-            <a:r>
-              <a:rPr lang="en-IN" dirty="0"/>
-              <a:t>High availability of the data is provided by </a:t>
-            </a:r>
-            <a:r>
-              <a:rPr lang="en-IN" dirty="0" smtClean="0"/>
-              <a:t>MIRROR </a:t>
-            </a:r>
-            <a:r>
-              <a:rPr lang="en-IN" dirty="0"/>
-              <a:t>servers as it serves as a "hot standby" ready to take over for the active server in case of a failure. </a:t>
-            </a:r>
-            <a:endParaRPr lang="en-IN" dirty="0" smtClean="0"/>
-          </a:p>
-          <a:p>
-            <a:r>
-              <a:rPr lang="en-IN" dirty="0" smtClean="0"/>
-              <a:t>Passive/mirror </a:t>
-            </a:r>
-            <a:r>
-              <a:rPr lang="en-IN" dirty="0"/>
-              <a:t>will always be in-sync with active and will always have the latest and greatest data sent by the clients to the TSA(Terracotta Server Array). </a:t>
-            </a:r>
-            <a:endParaRPr lang="en-IN" dirty="0" smtClean="0"/>
-          </a:p>
-          <a:p>
-            <a:r>
-              <a:rPr lang="en-IN" dirty="0"/>
-              <a:t>The ACTIVE server transmits the heart beat only </a:t>
-            </a:r>
-            <a:r>
-              <a:rPr lang="en-IN" dirty="0" smtClean="0"/>
-              <a:t>to PASSIVE </a:t>
-            </a:r>
-            <a:r>
-              <a:rPr lang="en-IN" dirty="0"/>
-              <a:t>server and not to the other </a:t>
-            </a:r>
-            <a:r>
-              <a:rPr lang="en-IN" dirty="0" smtClean="0"/>
-              <a:t>ACTIVE </a:t>
-            </a:r>
-            <a:r>
-              <a:rPr lang="en-IN" dirty="0"/>
-              <a:t>server.  </a:t>
-            </a:r>
-          </a:p>
-          <a:p>
-            <a:r>
-              <a:rPr lang="en-IN" dirty="0"/>
-              <a:t>Hence each ACTIVE server in the system will need a PASSIVE/MIRROR server for preventing the data loss during the </a:t>
-            </a:r>
-            <a:r>
-              <a:rPr lang="en-IN" dirty="0" smtClean="0"/>
-              <a:t>failovers</a:t>
-            </a:r>
-            <a:r>
-              <a:rPr lang="en-IN" dirty="0"/>
-              <a:t> </a:t>
-            </a:r>
-            <a:r>
-              <a:rPr lang="en-IN" dirty="0" smtClean="0"/>
-              <a:t>for providing high </a:t>
-            </a:r>
-            <a:r>
-              <a:rPr lang="en-IN" dirty="0" err="1" smtClean="0"/>
-              <a:t>availablity</a:t>
-            </a:r>
-            <a:r>
-              <a:rPr lang="en-IN" dirty="0" smtClean="0"/>
-              <a:t> of the data.</a:t>
-            </a:r>
-          </a:p>
-          <a:p>
-            <a:r>
-              <a:rPr lang="en-IN" dirty="0" smtClean="0"/>
-              <a:t>This </a:t>
-            </a:r>
-            <a:r>
-              <a:rPr lang="en-IN" dirty="0"/>
-              <a:t>functionality is same with both Ehcache and Quartz. </a:t>
             </a:r>
           </a:p>
         </p:txBody>
@@ -16949,6 +20572,63 @@
       </p:grpSpPr>
       <p:sp>
         <p:nvSpPr>
+          <p:cNvPr id="3" name="Content Placeholder 2"/>
+          <p:cNvSpPr>
+            <a:spLocks noGrp="1"/>
+          </p:cNvSpPr>
+          <p:nvPr>
+            <p:ph sz="quarter" idx="13"/>
+          </p:nvPr>
+        </p:nvSpPr>
+        <p:spPr/>
+        <p:txBody>
+          <a:bodyPr>
+            <a:normAutofit/>
+          </a:bodyPr>
+          <a:lstStyle/>
+          <a:p>
+            <a:r>
+              <a:rPr lang="en-IN" dirty="0"/>
+              <a:t>Capacity of the servers can be increased by increasing the memory allocated to the servers. </a:t>
+            </a:r>
+            <a:endParaRPr lang="en-IN" dirty="0" smtClean="0"/>
+          </a:p>
+          <a:p>
+            <a:r>
+              <a:rPr lang="en-US" dirty="0" smtClean="0"/>
+              <a:t>For instance, currently we have 8GB of memory allocated to the system.</a:t>
+            </a:r>
+            <a:r>
+              <a:rPr lang="en-IN" dirty="0" smtClean="0"/>
+              <a:t> </a:t>
+            </a:r>
+            <a:r>
+              <a:rPr lang="en-IN" dirty="0"/>
+              <a:t>Based on the </a:t>
+            </a:r>
+            <a:r>
+              <a:rPr lang="en-IN" dirty="0" smtClean="0"/>
+              <a:t>growth </a:t>
+            </a:r>
+            <a:r>
+              <a:rPr lang="en-IN" dirty="0"/>
+              <a:t>of data near future, the capacity of the servers can be increased to 16GB or more</a:t>
+            </a:r>
+            <a:r>
+              <a:rPr lang="en-IN" dirty="0" smtClean="0"/>
+              <a:t>.</a:t>
+            </a:r>
+          </a:p>
+          <a:p>
+            <a:r>
+              <a:rPr lang="en-US" dirty="0" smtClean="0"/>
+              <a:t>This will help us to meet the anticipated growth in future without any architectural change.</a:t>
+            </a:r>
+          </a:p>
+        </p:txBody>
+      </p:sp>
+      <p:sp>
+        <p:nvSpPr>
           <p:cNvPr id="2" name="Title 1"/>
           <p:cNvSpPr>
             <a:spLocks noGrp="1"/>
@@ -16964,7 +20644,9 @@
           </a:xfrm>
         </p:spPr>
         <p:txBody>
-          <a:bodyPr/>
+          <a:bodyPr>
+            <a:normAutofit fontScale="90000"/>
+          </a:bodyPr>
           <a:lstStyle/>
           <a:p>
             <a:r>
@@ -16993,61 +20675,6 @@
               <a:t>Capacity of the servers</a:t>
             </a:r>
             <a:endParaRPr lang="en-IN" b="1" dirty="0"/>
-          </a:p>
-        </p:txBody>
-      </p:sp>
-      <p:sp>
-        <p:nvSpPr>
-          <p:cNvPr id="3" name="Content Placeholder 2"/>
-          <p:cNvSpPr>
-            <a:spLocks noGrp="1"/>
-          </p:cNvSpPr>
-          <p:nvPr>
-            <p:ph idx="1"/>
-          </p:nvPr>
-        </p:nvSpPr>
-        <p:spPr/>
-        <p:txBody>
-          <a:bodyPr/>
-          <a:lstStyle/>
-          <a:p>
-            <a:r>
-              <a:rPr lang="en-IN" dirty="0"/>
-              <a:t>Capacity of the servers can be increased by increasing the memory allocated to the servers. </a:t>
-            </a:r>
-            <a:endParaRPr lang="en-IN" dirty="0" smtClean="0"/>
-          </a:p>
-          <a:p>
-            <a:r>
-              <a:rPr lang="en-US" dirty="0" smtClean="0"/>
-              <a:t>For instance, currently we have 8GB of memory allocated to the system.</a:t>
-            </a:r>
-            <a:r>
-              <a:rPr lang="en-IN" dirty="0" smtClean="0"/>
-              <a:t> </a:t>
-            </a:r>
-            <a:r>
-              <a:rPr lang="en-IN" dirty="0"/>
-              <a:t>Based on the </a:t>
-            </a:r>
-            <a:r>
-              <a:rPr lang="en-IN" dirty="0" smtClean="0"/>
-              <a:t>growth </a:t>
-            </a:r>
-            <a:r>
-              <a:rPr lang="en-IN" dirty="0"/>
-              <a:t>of data near future, the capacity of the servers can be increased to 16GB or more</a:t>
-            </a:r>
-            <a:r>
-              <a:rPr lang="en-IN" dirty="0" smtClean="0"/>
-              <a:t>.</a:t>
-            </a:r>
-          </a:p>
-          <a:p>
-            <a:r>
-              <a:rPr lang="en-US" dirty="0" smtClean="0"/>
-              <a:t>This will help us to meet the anticipated growth in future without any architectural change.</a:t>
-            </a:r>
           </a:p>
         </p:txBody>
       </p:sp>
@@ -17090,35 +20717,12 @@
       </p:grpSpPr>
       <p:sp>
         <p:nvSpPr>
-          <p:cNvPr id="2" name="Title 1"/>
-          <p:cNvSpPr>
-            <a:spLocks noGrp="1"/>
-          </p:cNvSpPr>
-          <p:nvPr>
-            <p:ph type="title"/>
-          </p:nvPr>
-        </p:nvSpPr>
-        <p:spPr/>
-        <p:txBody>
-          <a:bodyPr/>
-          <a:lstStyle/>
-          <a:p>
-            <a:r>
-              <a:rPr lang="en-US" dirty="0" smtClean="0"/>
-              <a:t>Current State:</a:t>
-            </a:r>
-            <a:endParaRPr lang="en-IN" dirty="0"/>
-          </a:p>
-        </p:txBody>
-      </p:sp>
-      <p:sp>
-        <p:nvSpPr>
           <p:cNvPr id="3" name="Content Placeholder 2"/>
           <p:cNvSpPr>
             <a:spLocks noGrp="1"/>
           </p:cNvSpPr>
           <p:nvPr>
-            <p:ph idx="1"/>
+            <p:ph sz="quarter" idx="13"/>
           </p:nvPr>
         </p:nvSpPr>
         <p:spPr>
@@ -17148,6 +20752,29 @@
             <a:pPr marL="0" indent="0">
               <a:buNone/>
             </a:pPr>
+            <a:endParaRPr lang="en-IN" dirty="0"/>
+          </a:p>
+        </p:txBody>
+      </p:sp>
+      <p:sp>
+        <p:nvSpPr>
+          <p:cNvPr id="2" name="Title 1"/>
+          <p:cNvSpPr>
+            <a:spLocks noGrp="1"/>
+          </p:cNvSpPr>
+          <p:nvPr>
+            <p:ph type="title"/>
+          </p:nvPr>
+        </p:nvSpPr>
+        <p:spPr/>
+        <p:txBody>
+          <a:bodyPr/>
+          <a:lstStyle/>
+          <a:p>
+            <a:r>
+              <a:rPr lang="en-US" dirty="0" smtClean="0"/>
+              <a:t>Current State:</a:t>
+            </a:r>
             <a:endParaRPr lang="en-IN" dirty="0"/>
           </a:p>
         </p:txBody>
@@ -17923,23 +21550,7 @@
                   <a:schemeClr val="bg1"/>
                 </a:solidFill>
               </a:rPr>
-              <a:t>Quartz – </a:t>
-            </a:r>
-            <a:r>
-              <a:rPr lang="en-US" b="1" dirty="0" smtClean="0">
-                <a:solidFill>
-                  <a:schemeClr val="bg1"/>
-                </a:solidFill>
-              </a:rPr>
-              <a:t>Active(#GB</a:t>
-            </a:r>
-            <a:r>
-              <a:rPr lang="en-US" b="1" dirty="0" smtClean="0">
-                <a:solidFill>
-                  <a:schemeClr val="bg1"/>
-                </a:solidFill>
-              </a:rPr>
-              <a:t>)</a:t>
+              <a:t>Quartz – Active(#GB)</a:t>
             </a:r>
             <a:endParaRPr lang="en-IN" b="1" dirty="0">
               <a:solidFill>
@@ -17985,23 +21596,7 @@
                   <a:schemeClr val="bg1"/>
                 </a:solidFill>
               </a:rPr>
-              <a:t>– </a:t>
-            </a:r>
-            <a:r>
-              <a:rPr lang="en-US" b="1" dirty="0" smtClean="0">
-                <a:solidFill>
-                  <a:schemeClr val="bg1"/>
-                </a:solidFill>
-              </a:rPr>
-              <a:t>Passive(#GB</a:t>
-            </a:r>
-            <a:r>
-              <a:rPr lang="en-US" b="1" dirty="0" smtClean="0">
-                <a:solidFill>
-                  <a:schemeClr val="bg1"/>
-                </a:solidFill>
-              </a:rPr>
-              <a:t>)</a:t>
+              <a:t>– Passive(#GB)</a:t>
             </a:r>
             <a:endParaRPr lang="en-IN" b="1" dirty="0">
               <a:solidFill>
@@ -18039,23 +21634,7 @@
                   <a:schemeClr val="bg1"/>
                 </a:solidFill>
               </a:rPr>
-              <a:t>Quartz – </a:t>
-            </a:r>
-            <a:r>
-              <a:rPr lang="en-US" b="1" dirty="0" smtClean="0">
-                <a:solidFill>
-                  <a:schemeClr val="bg1"/>
-                </a:solidFill>
-              </a:rPr>
-              <a:t>Passive(#GB</a:t>
-            </a:r>
-            <a:r>
-              <a:rPr lang="en-US" b="1" dirty="0" smtClean="0">
-                <a:solidFill>
-                  <a:schemeClr val="bg1"/>
-                </a:solidFill>
-              </a:rPr>
-              <a:t>)</a:t>
+              <a:t>Quartz – Passive(#GB)</a:t>
             </a:r>
             <a:endParaRPr lang="en-IN" b="1" dirty="0">
               <a:solidFill>
@@ -18101,23 +21680,7 @@
                   <a:schemeClr val="bg1"/>
                 </a:solidFill>
               </a:rPr>
-              <a:t>– </a:t>
-            </a:r>
-            <a:r>
-              <a:rPr lang="en-US" b="1" dirty="0" smtClean="0">
-                <a:solidFill>
-                  <a:schemeClr val="bg1"/>
-                </a:solidFill>
-              </a:rPr>
-              <a:t>Active(#GB</a:t>
-            </a:r>
-            <a:r>
-              <a:rPr lang="en-US" b="1" dirty="0" smtClean="0">
-                <a:solidFill>
-                  <a:schemeClr val="bg1"/>
-                </a:solidFill>
-              </a:rPr>
-              <a:t>)</a:t>
+              <a:t>– Active(#GB)</a:t>
             </a:r>
             <a:endParaRPr lang="en-IN" b="1" dirty="0">
               <a:solidFill>
@@ -18190,16 +21753,7 @@
                 </a:solidFill>
                 <a:latin typeface="Calibri" pitchFamily="34" charset="0"/>
               </a:rPr>
-              <a:t>CLIENTS </a:t>
-            </a:r>
-            <a:r>
-              <a:rPr lang="en-US" sz="1600" b="1" dirty="0" smtClean="0">
-                <a:solidFill>
-                  <a:srgbClr val="009DD9"/>
-                </a:solidFill>
-                <a:latin typeface="Calibri" pitchFamily="34" charset="0"/>
-              </a:rPr>
-              <a:t>#</a:t>
+              <a:t>CLIENTS #</a:t>
             </a:r>
             <a:endParaRPr kumimoji="0" lang="en-IN" sz="1400" b="1" i="0" u="none" strike="noStrike" cap="none" normalizeH="0" baseline="0" dirty="0" smtClean="0">
               <a:ln>
@@ -18730,6 +22284,96 @@
       </p:grpSpPr>
       <p:sp>
         <p:nvSpPr>
+          <p:cNvPr id="3" name="Content Placeholder 2"/>
+          <p:cNvSpPr>
+            <a:spLocks noGrp="1"/>
+          </p:cNvSpPr>
+          <p:nvPr>
+            <p:ph sz="quarter" idx="13"/>
+          </p:nvPr>
+        </p:nvSpPr>
+        <p:spPr/>
+        <p:txBody>
+          <a:bodyPr>
+            <a:normAutofit/>
+          </a:bodyPr>
+          <a:lstStyle/>
+          <a:p>
+            <a:r>
+              <a:rPr lang="en-IN" dirty="0"/>
+              <a:t>When the application is up and running, all the </a:t>
+            </a:r>
+            <a:r>
+              <a:rPr lang="en-IN" dirty="0" err="1"/>
+              <a:t>Weblogic</a:t>
+            </a:r>
+            <a:r>
+              <a:rPr lang="en-IN" dirty="0"/>
+              <a:t> clients and agents will be connected to active servers of both Ehcache and Quartz which is running on different machines. </a:t>
+            </a:r>
+            <a:endParaRPr lang="en-IN" dirty="0" smtClean="0"/>
+          </a:p>
+          <a:p>
+            <a:r>
+              <a:rPr lang="en-IN" dirty="0" smtClean="0"/>
+              <a:t>We </a:t>
+            </a:r>
+            <a:r>
+              <a:rPr lang="en-IN" dirty="0"/>
+              <a:t>have passive/mirror servers for both Ehcache and Quartz running in both the machines. </a:t>
+            </a:r>
+            <a:endParaRPr lang="en-IN" dirty="0" smtClean="0"/>
+          </a:p>
+          <a:p>
+            <a:r>
+              <a:rPr lang="en-IN" dirty="0" smtClean="0"/>
+              <a:t>A </a:t>
+            </a:r>
+            <a:r>
+              <a:rPr lang="en-IN" dirty="0"/>
+              <a:t>mirror server provides high availability as it serves as a "hot standby" ready to take over for the active server in case of a failure. </a:t>
+            </a:r>
+            <a:endParaRPr lang="en-IN" dirty="0" smtClean="0"/>
+          </a:p>
+          <a:p>
+            <a:r>
+              <a:rPr lang="en-IN" dirty="0" smtClean="0"/>
+              <a:t>From </a:t>
+            </a:r>
+            <a:r>
+              <a:rPr lang="en-IN" dirty="0"/>
+              <a:t>the above figure, if </a:t>
+            </a:r>
+            <a:r>
+              <a:rPr lang="en-IN" b="1" dirty="0" smtClean="0"/>
+              <a:t>Machine 1</a:t>
+            </a:r>
+            <a:r>
+              <a:rPr lang="en-IN" dirty="0" smtClean="0"/>
+              <a:t>machine </a:t>
+            </a:r>
+            <a:r>
+              <a:rPr lang="en-IN" dirty="0"/>
+              <a:t>fails/goes down where the active Quartz server is running, then the mirror in </a:t>
+            </a:r>
+            <a:r>
+              <a:rPr lang="en-IN" b="1" dirty="0" smtClean="0"/>
+              <a:t>Machine 2 </a:t>
+            </a:r>
+            <a:r>
+              <a:rPr lang="en-IN" dirty="0" smtClean="0"/>
+              <a:t>instantly </a:t>
+            </a:r>
+            <a:r>
+              <a:rPr lang="en-IN" dirty="0"/>
+              <a:t>takes over and the cluster continues functioning. </a:t>
+            </a:r>
+            <a:endParaRPr lang="en-IN" dirty="0" smtClean="0"/>
+          </a:p>
+        </p:txBody>
+      </p:sp>
+      <p:sp>
+        <p:nvSpPr>
           <p:cNvPr id="2" name="Title 1"/>
           <p:cNvSpPr>
             <a:spLocks noGrp="1"/>
@@ -18744,94 +22388,6 @@
           <a:lstStyle/>
           <a:p>
             <a:endParaRPr lang="en-IN"/>
-          </a:p>
-        </p:txBody>
-      </p:sp>
-      <p:sp>
-        <p:nvSpPr>
-          <p:cNvPr id="3" name="Content Placeholder 2"/>
-          <p:cNvSpPr>
-            <a:spLocks noGrp="1"/>
-          </p:cNvSpPr>
-          <p:nvPr>
-            <p:ph idx="1"/>
-          </p:nvPr>
-        </p:nvSpPr>
-        <p:spPr/>
-        <p:txBody>
-          <a:bodyPr/>
-          <a:lstStyle/>
-          <a:p>
-            <a:r>
-              <a:rPr lang="en-IN" dirty="0"/>
-              <a:t>When the application is up and running, all the </a:t>
-            </a:r>
-            <a:r>
-              <a:rPr lang="en-IN" dirty="0" err="1"/>
-              <a:t>Weblogic</a:t>
-            </a:r>
-            <a:r>
-              <a:rPr lang="en-IN" dirty="0"/>
-              <a:t> clients and agents will be connected to active servers of both Ehcache and Quartz which is running on different machines. </a:t>
-            </a:r>
-            <a:endParaRPr lang="en-IN" dirty="0" smtClean="0"/>
-          </a:p>
-          <a:p>
-            <a:r>
-              <a:rPr lang="en-IN" dirty="0" smtClean="0"/>
-              <a:t>We </a:t>
-            </a:r>
-            <a:r>
-              <a:rPr lang="en-IN" dirty="0"/>
-              <a:t>have passive/mirror servers for both Ehcache and Quartz running in both the machines. </a:t>
-            </a:r>
-            <a:endParaRPr lang="en-IN" dirty="0" smtClean="0"/>
-          </a:p>
-          <a:p>
-            <a:r>
-              <a:rPr lang="en-IN" dirty="0" smtClean="0"/>
-              <a:t>A </a:t>
-            </a:r>
-            <a:r>
-              <a:rPr lang="en-IN" dirty="0"/>
-              <a:t>mirror server provides high availability as it serves as a "hot standby" ready to take over for the active server in case of a failure. </a:t>
-            </a:r>
-            <a:endParaRPr lang="en-IN" dirty="0" smtClean="0"/>
-          </a:p>
-          <a:p>
-            <a:r>
-              <a:rPr lang="en-IN" dirty="0" smtClean="0"/>
-              <a:t>From </a:t>
-            </a:r>
-            <a:r>
-              <a:rPr lang="en-IN" dirty="0"/>
-              <a:t>the above figure, if </a:t>
-            </a:r>
-            <a:r>
-              <a:rPr lang="en-IN" b="1" dirty="0" smtClean="0"/>
-              <a:t>Machine 1</a:t>
-            </a:r>
-            <a:r>
-              <a:rPr lang="en-IN" dirty="0" smtClean="0"/>
-              <a:t>machine </a:t>
-            </a:r>
-            <a:r>
-              <a:rPr lang="en-IN" dirty="0"/>
-              <a:t>fails/goes down where the active Quartz server is running, then the mirror in </a:t>
-            </a:r>
-            <a:r>
-              <a:rPr lang="en-IN" b="1" dirty="0" smtClean="0"/>
-              <a:t>Machine 2 </a:t>
-            </a:r>
-            <a:r>
-              <a:rPr lang="en-IN" dirty="0" smtClean="0"/>
-              <a:t>instantly </a:t>
-            </a:r>
-            <a:r>
-              <a:rPr lang="en-IN" dirty="0"/>
-              <a:t>takes over and the cluster continues functioning. </a:t>
-            </a:r>
-            <a:endParaRPr lang="en-IN" dirty="0" smtClean="0"/>
           </a:p>
         </p:txBody>
       </p:sp>
@@ -18874,6 +22430,85 @@
       </p:grpSpPr>
       <p:sp>
         <p:nvSpPr>
+          <p:cNvPr id="3" name="Content Placeholder 2"/>
+          <p:cNvSpPr>
+            <a:spLocks noGrp="1"/>
+          </p:cNvSpPr>
+          <p:nvPr>
+            <p:ph sz="quarter" idx="13"/>
+          </p:nvPr>
+        </p:nvSpPr>
+        <p:spPr/>
+        <p:txBody>
+          <a:bodyPr>
+            <a:normAutofit/>
+          </a:bodyPr>
+          <a:lstStyle/>
+          <a:p>
+            <a:r>
+              <a:rPr lang="en-IN" dirty="0"/>
+              <a:t>In that case, passive/mirror server in </a:t>
+            </a:r>
+            <a:r>
+              <a:rPr lang="en-IN" b="1" dirty="0" smtClean="0"/>
+              <a:t>Machine 1</a:t>
+            </a:r>
+            <a:r>
+              <a:rPr lang="en-IN" dirty="0" smtClean="0"/>
+              <a:t>will </a:t>
+            </a:r>
+            <a:r>
+              <a:rPr lang="en-IN" dirty="0"/>
+              <a:t>become active server and both Ehcache &amp; Quartz active servers will be running in same machine which is </a:t>
+            </a:r>
+            <a:r>
+              <a:rPr lang="en-IN" b="1" dirty="0" smtClean="0"/>
+              <a:t>Machine 2 </a:t>
+            </a:r>
+            <a:r>
+              <a:rPr lang="en-IN" dirty="0" smtClean="0"/>
+              <a:t>in </a:t>
+            </a:r>
+            <a:r>
+              <a:rPr lang="en-IN" dirty="0"/>
+              <a:t>above example. </a:t>
+            </a:r>
+            <a:endParaRPr lang="en-IN" dirty="0" smtClean="0"/>
+          </a:p>
+          <a:p>
+            <a:r>
+              <a:rPr lang="en-IN" dirty="0" smtClean="0"/>
+              <a:t>Passive/mirror </a:t>
+            </a:r>
+            <a:r>
+              <a:rPr lang="en-IN" dirty="0"/>
+              <a:t>will always be in-sync with active and will always have the latest and greatest data sent by the clients to the TSA(Terracotta Server Array). </a:t>
+            </a:r>
+            <a:endParaRPr lang="en-IN" dirty="0" smtClean="0"/>
+          </a:p>
+          <a:p>
+            <a:r>
+              <a:rPr lang="en-IN" dirty="0" smtClean="0"/>
+              <a:t>This </a:t>
+            </a:r>
+            <a:r>
+              <a:rPr lang="en-IN" dirty="0"/>
+              <a:t>functionality is same with both Ehcache and Quartz.  </a:t>
+            </a:r>
+          </a:p>
+          <a:p>
+            <a:r>
+              <a:rPr lang="en-IN" dirty="0"/>
+              <a:t>So when the active server goes down, the passive/mirror becomes the active server without any loss of data or downtime.</a:t>
+            </a:r>
+          </a:p>
+          <a:p>
+            <a:endParaRPr lang="en-IN" dirty="0"/>
+          </a:p>
+        </p:txBody>
+      </p:sp>
+      <p:sp>
+        <p:nvSpPr>
           <p:cNvPr id="2" name="Title 1"/>
           <p:cNvSpPr>
             <a:spLocks noGrp="1"/>
@@ -18888,83 +22523,6 @@
           <a:lstStyle/>
           <a:p>
             <a:endParaRPr lang="en-IN"/>
-          </a:p>
-        </p:txBody>
-      </p:sp>
-      <p:sp>
-        <p:nvSpPr>
-          <p:cNvPr id="3" name="Content Placeholder 2"/>
-          <p:cNvSpPr>
-            <a:spLocks noGrp="1"/>
-          </p:cNvSpPr>
-          <p:nvPr>
-            <p:ph idx="1"/>
-          </p:nvPr>
-        </p:nvSpPr>
-        <p:spPr/>
-        <p:txBody>
-          <a:bodyPr/>
-          <a:lstStyle/>
-          <a:p>
-            <a:r>
-              <a:rPr lang="en-IN" dirty="0"/>
-              <a:t>In that case, passive/mirror server in </a:t>
-            </a:r>
-            <a:r>
-              <a:rPr lang="en-IN" b="1" dirty="0" smtClean="0"/>
-              <a:t>Machine 1</a:t>
-            </a:r>
-            <a:r>
-              <a:rPr lang="en-IN" dirty="0" smtClean="0"/>
-              <a:t>will </a:t>
-            </a:r>
-            <a:r>
-              <a:rPr lang="en-IN" dirty="0"/>
-              <a:t>become active server and both Ehcache &amp; Quartz active servers will be running in same machine which is </a:t>
-            </a:r>
-            <a:r>
-              <a:rPr lang="en-IN" b="1" dirty="0" smtClean="0"/>
-              <a:t>Machine 2 </a:t>
-            </a:r>
-            <a:r>
-              <a:rPr lang="en-IN" dirty="0" smtClean="0"/>
-              <a:t>in </a:t>
-            </a:r>
-            <a:r>
-              <a:rPr lang="en-IN" dirty="0"/>
-              <a:t>above example. </a:t>
-            </a:r>
-            <a:endParaRPr lang="en-IN" dirty="0" smtClean="0"/>
-          </a:p>
-          <a:p>
-            <a:r>
-              <a:rPr lang="en-IN" dirty="0" smtClean="0"/>
-              <a:t>Passive/mirror </a:t>
-            </a:r>
-            <a:r>
-              <a:rPr lang="en-IN" dirty="0"/>
-              <a:t>will always be in-sync with active and will always have the latest and greatest data sent by the clients to the TSA(Terracotta Server Array). </a:t>
-            </a:r>
-            <a:endParaRPr lang="en-IN" dirty="0" smtClean="0"/>
-          </a:p>
-          <a:p>
-            <a:r>
-              <a:rPr lang="en-IN" dirty="0" smtClean="0"/>
-              <a:t>This </a:t>
-            </a:r>
-            <a:r>
-              <a:rPr lang="en-IN" dirty="0"/>
-              <a:t>functionality is same with both Ehcache and Quartz.  </a:t>
-            </a:r>
-          </a:p>
-          <a:p>
-            <a:r>
-              <a:rPr lang="en-IN" dirty="0"/>
-              <a:t>So when the active server goes down, the passive/mirror becomes the active server without any loss of data or downtime.</a:t>
-            </a:r>
-          </a:p>
-          <a:p>
-            <a:endParaRPr lang="en-IN" dirty="0"/>
           </a:p>
         </p:txBody>
       </p:sp>
@@ -19007,6 +22565,81 @@
       </p:grpSpPr>
       <p:sp>
         <p:nvSpPr>
+          <p:cNvPr id="3" name="Content Placeholder 2"/>
+          <p:cNvSpPr>
+            <a:spLocks noGrp="1"/>
+          </p:cNvSpPr>
+          <p:nvPr>
+            <p:ph sz="quarter" idx="13"/>
+          </p:nvPr>
+        </p:nvSpPr>
+        <p:spPr/>
+        <p:txBody>
+          <a:bodyPr>
+            <a:normAutofit/>
+          </a:bodyPr>
+          <a:lstStyle/>
+          <a:p>
+            <a:r>
+              <a:rPr lang="en-US" dirty="0" smtClean="0"/>
+              <a:t>Persistence Storage: Ehcache- No , Quartz - Yes</a:t>
+            </a:r>
+          </a:p>
+          <a:p>
+            <a:pPr marL="0" indent="0">
+              <a:buNone/>
+            </a:pPr>
+            <a:r>
+              <a:rPr lang="en-US" dirty="0" smtClean="0"/>
+              <a:t>  Ehcache stores the data in Off-Heap and Quartz stores the data in disk.</a:t>
+            </a:r>
+            <a:endParaRPr lang="en-US" dirty="0"/>
+          </a:p>
+          <a:p>
+            <a:r>
+              <a:rPr lang="en-US" dirty="0" smtClean="0"/>
+              <a:t>Failover: Yes</a:t>
+            </a:r>
+          </a:p>
+          <a:p>
+            <a:pPr marL="0" indent="0">
+              <a:buNone/>
+            </a:pPr>
+            <a:r>
+              <a:rPr lang="en-US" dirty="0" smtClean="0"/>
+              <a:t> Failover is provided by the PASSIVE servers in case of failing of ACTIVE. </a:t>
+            </a:r>
+            <a:endParaRPr lang="en-US" dirty="0"/>
+          </a:p>
+          <a:p>
+            <a:r>
+              <a:rPr lang="en-US" dirty="0" smtClean="0"/>
+              <a:t>Scalability: No</a:t>
+            </a:r>
+          </a:p>
+          <a:p>
+            <a:pPr marL="0" indent="0">
+              <a:buNone/>
+            </a:pPr>
+            <a:r>
+              <a:rPr lang="en-US" dirty="0" smtClean="0"/>
+              <a:t>Scalability is provided by two or more active servers in a Terracotta Server Array.</a:t>
+            </a:r>
+          </a:p>
+          <a:p>
+            <a:pPr marL="0" indent="0">
+              <a:buNone/>
+            </a:pPr>
+            <a:r>
+              <a:rPr lang="en-US" dirty="0" smtClean="0"/>
+              <a:t>Currently we have only one ACTIVE servers for each TSA.</a:t>
+            </a:r>
+            <a:endParaRPr lang="en-IN" dirty="0"/>
+          </a:p>
+        </p:txBody>
+      </p:sp>
+      <p:sp>
+        <p:nvSpPr>
           <p:cNvPr id="2" name="Title 1"/>
           <p:cNvSpPr>
             <a:spLocks noGrp="1"/>
@@ -19017,85 +22650,14 @@
         </p:nvSpPr>
         <p:spPr/>
         <p:txBody>
-          <a:bodyPr/>
+          <a:bodyPr>
+            <a:normAutofit/>
+          </a:bodyPr>
           <a:lstStyle/>
           <a:p>
             <a:r>
               <a:rPr lang="en-US" dirty="0"/>
               <a:t>Advantage of Existing Design:</a:t>
-            </a:r>
-            <a:endParaRPr lang="en-IN" dirty="0"/>
-          </a:p>
-        </p:txBody>
-      </p:sp>
-      <p:sp>
-        <p:nvSpPr>
-          <p:cNvPr id="3" name="Content Placeholder 2"/>
-          <p:cNvSpPr>
-            <a:spLocks noGrp="1"/>
-          </p:cNvSpPr>
-          <p:nvPr>
-            <p:ph idx="1"/>
-          </p:nvPr>
-        </p:nvSpPr>
-        <p:spPr/>
-        <p:txBody>
-          <a:bodyPr/>
-          <a:lstStyle/>
-          <a:p>
-            <a:r>
-              <a:rPr lang="en-US" dirty="0" smtClean="0"/>
-              <a:t>Persistence Storage: Ehcache- No , Quartz - Yes</a:t>
-            </a:r>
-          </a:p>
-          <a:p>
-            <a:pPr marL="0" indent="0">
-              <a:buNone/>
-            </a:pPr>
-            <a:r>
-              <a:rPr lang="en-US" dirty="0" smtClean="0"/>
-              <a:t>  Ehcache stores the data in Off-Heap and Quartz stores the data in disk.</a:t>
-            </a:r>
-            <a:endParaRPr lang="en-US" dirty="0"/>
-          </a:p>
-          <a:p>
-            <a:r>
-              <a:rPr lang="en-US" dirty="0" smtClean="0"/>
-              <a:t>Failover: Yes</a:t>
-            </a:r>
-          </a:p>
-          <a:p>
-            <a:pPr marL="0" indent="0">
-              <a:buNone/>
-            </a:pPr>
-            <a:r>
-              <a:rPr lang="en-US" dirty="0" smtClean="0"/>
-              <a:t> Failover is provided by the PASSIVE servers in case of failing of ACTIVE. </a:t>
-            </a:r>
-            <a:endParaRPr lang="en-US" dirty="0"/>
-          </a:p>
-          <a:p>
-            <a:r>
-              <a:rPr lang="en-US" dirty="0" smtClean="0"/>
-              <a:t>Scalability: No</a:t>
-            </a:r>
-          </a:p>
-          <a:p>
-            <a:pPr marL="0" indent="0">
-              <a:buNone/>
-            </a:pPr>
-            <a:r>
-              <a:rPr lang="en-US" dirty="0" smtClean="0"/>
-              <a:t>Scalability is provided by two or more active servers in a Terracotta Server Array.</a:t>
-            </a:r>
-          </a:p>
-          <a:p>
-            <a:pPr marL="0" indent="0">
-              <a:buNone/>
-            </a:pPr>
-            <a:r>
-              <a:rPr lang="en-US" dirty="0" smtClean="0"/>
-              <a:t>Currently we have only one ACTIVE servers for each TSA.</a:t>
             </a:r>
             <a:endParaRPr lang="en-IN" dirty="0"/>
           </a:p>
@@ -20309,6 +23871,322 @@
 </file>
 
 <file path=ppt/theme/theme4.xml><?xml version="1.0" encoding="utf-8"?>
+<a:theme xmlns:a="http://schemas.openxmlformats.org/drawingml/2006/main" name="BlackTie">
+  <a:themeElements>
+    <a:clrScheme name="BlackTie">
+      <a:dk1>
+        <a:srgbClr val="000000"/>
+      </a:dk1>
+      <a:lt1>
+        <a:srgbClr val="FFFFFF"/>
+      </a:lt1>
+      <a:dk2>
+        <a:srgbClr val="46464A"/>
+      </a:dk2>
+      <a:lt2>
+        <a:srgbClr val="E3DCCF"/>
+      </a:lt2>
+      <a:accent1>
+        <a:srgbClr val="6F6F74"/>
+      </a:accent1>
+      <a:accent2>
+        <a:srgbClr val="A7B789"/>
+      </a:accent2>
+      <a:accent3>
+        <a:srgbClr val="BEAE98"/>
+      </a:accent3>
+      <a:accent4>
+        <a:srgbClr val="92A9B9"/>
+      </a:accent4>
+      <a:accent5>
+        <a:srgbClr val="9C8265"/>
+      </a:accent5>
+      <a:accent6>
+        <a:srgbClr val="8D6974"/>
+      </a:accent6>
+      <a:hlink>
+        <a:srgbClr val="67AABF"/>
+      </a:hlink>
+      <a:folHlink>
+        <a:srgbClr val="B1B5AB"/>
+      </a:folHlink>
+    </a:clrScheme>
+    <a:fontScheme name="BlackTie">
+      <a:majorFont>
+        <a:latin typeface="Garamond"/>
+        <a:ea typeface=""/>
+        <a:cs typeface=""/>
+        <a:font script="Grek" typeface="Constantia"/>
+        <a:font script="Cyrl" typeface="Constantia"/>
+        <a:font script="Jpan" typeface="ＭＳ Ｐ明朝"/>
+        <a:font script="Hang" typeface="궁서"/>
+        <a:font script="Hans" typeface="仿宋"/>
+        <a:font script="Hant" typeface="標楷體"/>
+        <a:font script="Arab" typeface="Times New Roman"/>
+        <a:font script="Hebr" typeface="Times New Roman"/>
+        <a:font script="Thai" typeface="Angsana New"/>
+        <a:font script="Ethi" typeface="Nyala"/>
+        <a:font script="Beng" typeface="Vrinda"/>
+        <a:font script="Gujr" typeface="Shruti"/>
+        <a:font script="Khmr" typeface="DaunPenh"/>
+        <a:font script="Knda" typeface="Tunga"/>
+        <a:font script="Guru" typeface="Raavi"/>
+        <a:font script="Cans" typeface="Euphemia"/>
+        <a:font script="Cher" typeface="Plantagenet Cherokee"/>
+        <a:font script="Yiii" typeface="Microsoft Yi Baiti"/>
+        <a:font script="Tibt" typeface="Microsoft Himalaya"/>
+        <a:font script="Thaa" typeface="MV Boli"/>
+        <a:font script="Deva" typeface="Mangal"/>
+        <a:font script="Telu" typeface="Gautami"/>
+        <a:font script="Taml" typeface="Latha"/>
+        <a:font script="Syrc" typeface="Estrangelo Edessa"/>
+        <a:font script="Orya" typeface="Kalinga"/>
+        <a:font script="Mlym" typeface="Kartika"/>
+        <a:font script="Laoo" typeface="DokChampa"/>
+        <a:font script="Sinh" typeface="Iskoola Pota"/>
+        <a:font script="Mong" typeface="Mongolian Baiti"/>
+        <a:font script="Viet" typeface="Times New Roman"/>
+        <a:font script="Uigh" typeface="Microsoft Uighur"/>
+        <a:font script="Geor" typeface="Sylfaen"/>
+      </a:majorFont>
+      <a:minorFont>
+        <a:latin typeface="Garamond"/>
+        <a:ea typeface=""/>
+        <a:cs typeface=""/>
+        <a:font script="Grek" typeface="Constantia"/>
+        <a:font script="Cyrl" typeface="Constantia"/>
+        <a:font script="Jpan" typeface="ＭＳ Ｐ明朝"/>
+        <a:font script="Hang" typeface="궁서"/>
+        <a:font script="Hans" typeface="仿宋"/>
+        <a:font script="Hant" typeface="標楷體"/>
+        <a:font script="Arab" typeface="Times New Roman"/>
+        <a:font script="Hebr" typeface="Times New Roman"/>
+        <a:font script="Thai" typeface="Angsana New"/>
+        <a:font script="Ethi" typeface="Nyala"/>
+        <a:font script="Beng" typeface="Vrinda"/>
+        <a:font script="Gujr" typeface="Shruti"/>
+        <a:font script="Khmr" typeface="DaunPenh"/>
+        <a:font script="Knda" typeface="Tunga"/>
+        <a:font script="Guru" typeface="Raavi"/>
+        <a:font script="Cans" typeface="Euphemia"/>
+        <a:font script="Cher" typeface="Plantagenet Cherokee"/>
+        <a:font script="Yiii" typeface="Microsoft Yi Baiti"/>
+        <a:font script="Tibt" typeface="Microsoft Himalaya"/>
+        <a:font script="Thaa" typeface="MV Boli"/>
+        <a:font script="Deva" typeface="Mangal"/>
+        <a:font script="Telu" typeface="Gautami"/>
+        <a:font script="Taml" typeface="Latha"/>
+        <a:font script="Syrc" typeface="Estrangelo Edessa"/>
+        <a:font script="Orya" typeface="Kalinga"/>
+        <a:font script="Mlym" typeface="Kartika"/>
+        <a:font script="Laoo" typeface="DokChampa"/>
+        <a:font script="Sinh" typeface="Iskoola Pota"/>
+        <a:font script="Mong" typeface="Mongolian Baiti"/>
+        <a:font script="Viet" typeface="Times New Roman"/>
+        <a:font script="Uigh" typeface="Microsoft Uighur"/>
+        <a:font script="Geor" typeface="Sylfaen"/>
+      </a:minorFont>
+    </a:fontScheme>
+    <a:fmtScheme name="BlackTie">
+      <a:fillStyleLst>
+        <a:solidFill>
+          <a:schemeClr val="phClr"/>
+        </a:solidFill>
+        <a:gradFill rotWithShape="1">
+          <a:gsLst>
+            <a:gs pos="0">
+              <a:schemeClr val="phClr">
+                <a:tint val="45000"/>
+                <a:satMod val="220000"/>
+              </a:schemeClr>
+            </a:gs>
+            <a:gs pos="30000">
+              <a:schemeClr val="phClr">
+                <a:tint val="61000"/>
+                <a:satMod val="220000"/>
+              </a:schemeClr>
+            </a:gs>
+            <a:gs pos="45000">
+              <a:schemeClr val="phClr">
+                <a:tint val="66000"/>
+                <a:satMod val="240000"/>
+              </a:schemeClr>
+            </a:gs>
+            <a:gs pos="55000">
+              <a:schemeClr val="phClr">
+                <a:tint val="66000"/>
+                <a:satMod val="220000"/>
+              </a:schemeClr>
+            </a:gs>
+            <a:gs pos="73000">
+              <a:schemeClr val="phClr">
+                <a:tint val="61000"/>
+                <a:satMod val="220000"/>
+              </a:schemeClr>
+            </a:gs>
+            <a:gs pos="100000">
+              <a:schemeClr val="phClr">
+                <a:tint val="45000"/>
+                <a:satMod val="220000"/>
+              </a:schemeClr>
+            </a:gs>
+          </a:gsLst>
+          <a:lin ang="950000" scaled="1"/>
+        </a:gradFill>
+        <a:gradFill rotWithShape="1">
+          <a:gsLst>
+            <a:gs pos="0">
+              <a:schemeClr val="phClr">
+                <a:shade val="63000"/>
+                <a:satMod val="110000"/>
+              </a:schemeClr>
+            </a:gs>
+            <a:gs pos="30000">
+              <a:schemeClr val="phClr">
+                <a:shade val="90000"/>
+                <a:satMod val="120000"/>
+              </a:schemeClr>
+            </a:gs>
+            <a:gs pos="45000">
+              <a:schemeClr val="phClr">
+                <a:shade val="100000"/>
+                <a:satMod val="128000"/>
+              </a:schemeClr>
+            </a:gs>
+            <a:gs pos="55000">
+              <a:schemeClr val="phClr">
+                <a:shade val="100000"/>
+                <a:satMod val="128000"/>
+              </a:schemeClr>
+            </a:gs>
+            <a:gs pos="73000">
+              <a:schemeClr val="phClr">
+                <a:shade val="90000"/>
+                <a:satMod val="120000"/>
+              </a:schemeClr>
+            </a:gs>
+            <a:gs pos="100000">
+              <a:schemeClr val="phClr">
+                <a:shade val="63000"/>
+                <a:satMod val="110000"/>
+              </a:schemeClr>
+            </a:gs>
+          </a:gsLst>
+          <a:lin ang="950000" scaled="1"/>
+        </a:gradFill>
+      </a:fillStyleLst>
+      <a:lnStyleLst>
+        <a:ln w="9525" cap="flat" cmpd="sng" algn="ctr">
+          <a:solidFill>
+            <a:schemeClr val="phClr"/>
+          </a:solidFill>
+          <a:prstDash val="solid"/>
+        </a:ln>
+        <a:ln w="19050" cap="flat" cmpd="sng" algn="ctr">
+          <a:solidFill>
+            <a:schemeClr val="phClr"/>
+          </a:solidFill>
+          <a:prstDash val="solid"/>
+        </a:ln>
+        <a:ln w="53975" cap="flat" cmpd="dbl" algn="ctr">
+          <a:solidFill>
+            <a:schemeClr val="phClr"/>
+          </a:solidFill>
+          <a:prstDash val="solid"/>
+        </a:ln>
+      </a:lnStyleLst>
+      <a:effectStyleLst>
+        <a:effectStyle>
+          <a:effectLst>
+            <a:outerShdw blurRad="38100" dist="25400" dir="5400000" rotWithShape="0">
+              <a:srgbClr val="000000">
+                <a:alpha val="40000"/>
+              </a:srgbClr>
+            </a:outerShdw>
+          </a:effectLst>
+        </a:effectStyle>
+        <a:effectStyle>
+          <a:effectLst>
+            <a:outerShdw blurRad="50800" dist="41909" dir="5400000" rotWithShape="0">
+              <a:srgbClr val="000000">
+                <a:alpha val="40000"/>
+              </a:srgbClr>
+            </a:outerShdw>
+          </a:effectLst>
+        </a:effectStyle>
+        <a:effectStyle>
+          <a:effectLst>
+            <a:outerShdw blurRad="57150" dist="38100" dir="5400000" algn="br" rotWithShape="0">
+              <a:srgbClr val="000000">
+                <a:alpha val="57000"/>
+              </a:srgbClr>
+            </a:outerShdw>
+          </a:effectLst>
+          <a:scene3d>
+            <a:camera prst="orthographicFront">
+              <a:rot lat="0" lon="0" rev="0"/>
+            </a:camera>
+            <a:lightRig rig="twoPt" dir="t">
+              <a:rot lat="0" lon="0" rev="1800000"/>
+            </a:lightRig>
+          </a:scene3d>
+          <a:sp3d>
+            <a:bevelT w="44450" h="31750" prst="coolSlant"/>
+          </a:sp3d>
+        </a:effectStyle>
+      </a:effectStyleLst>
+      <a:bgFillStyleLst>
+        <a:solidFill>
+          <a:schemeClr val="phClr"/>
+        </a:solidFill>
+        <a:blipFill rotWithShape="1">
+          <a:blip xmlns:r="http://schemas.openxmlformats.org/officeDocument/2006/relationships" r:embed="rId1">
+            <a:duotone>
+              <a:schemeClr val="phClr">
+                <a:tint val="95000"/>
+              </a:schemeClr>
+              <a:schemeClr val="phClr">
+                <a:shade val="20000"/>
+              </a:schemeClr>
+            </a:duotone>
+          </a:blip>
+          <a:stretch/>
+        </a:blipFill>
+        <a:gradFill rotWithShape="1">
+          <a:gsLst>
+            <a:gs pos="0">
+              <a:schemeClr val="phClr">
+                <a:tint val="40000"/>
+                <a:satMod val="350000"/>
+              </a:schemeClr>
+            </a:gs>
+            <a:gs pos="40000">
+              <a:schemeClr val="phClr">
+                <a:tint val="45000"/>
+                <a:shade val="99000"/>
+                <a:satMod val="350000"/>
+              </a:schemeClr>
+            </a:gs>
+            <a:gs pos="100000">
+              <a:schemeClr val="phClr">
+                <a:shade val="30000"/>
+                <a:satMod val="255000"/>
+              </a:schemeClr>
+            </a:gs>
+          </a:gsLst>
+          <a:path path="circle">
+            <a:fillToRect l="50000" t="-80000" r="50000" b="180000"/>
+          </a:path>
+        </a:gradFill>
+      </a:bgFillStyleLst>
+    </a:fmtScheme>
+  </a:themeElements>
+  <a:objectDefaults/>
+  <a:extraClrSchemeLst/>
+</a:theme>
+</file>
+
+<file path=ppt/theme/theme5.xml><?xml version="1.0" encoding="utf-8"?>
 <a:theme xmlns:a="http://schemas.openxmlformats.org/drawingml/2006/main" name="Office Theme">
   <a:themeElements>
     <a:clrScheme name="Office">
